--- a/doc/test/TimerLab.pptx
+++ b/doc/test/TimerLab.pptx
@@ -14,15 +14,15 @@
     <p:sldId id="256" r:id="rId5"/>
     <p:sldId id="299" r:id="rId6"/>
     <p:sldId id="297" r:id="rId7"/>
-    <p:sldId id="308" r:id="rId8"/>
-    <p:sldId id="309" r:id="rId9"/>
-    <p:sldId id="310" r:id="rId10"/>
-    <p:sldId id="311" r:id="rId11"/>
-    <p:sldId id="312" r:id="rId12"/>
-    <p:sldId id="313" r:id="rId13"/>
-    <p:sldId id="314" r:id="rId14"/>
-    <p:sldId id="315" r:id="rId15"/>
-    <p:sldId id="316" r:id="rId16"/>
+    <p:sldId id="318" r:id="rId8"/>
+    <p:sldId id="320" r:id="rId9"/>
+    <p:sldId id="321" r:id="rId10"/>
+    <p:sldId id="322" r:id="rId11"/>
+    <p:sldId id="323" r:id="rId12"/>
+    <p:sldId id="324" r:id="rId13"/>
+    <p:sldId id="325" r:id="rId14"/>
+    <p:sldId id="326" r:id="rId15"/>
+    <p:sldId id="327" r:id="rId16"/>
   </p:sldIdLst>
   <p:sldSz cx="9144000" cy="6858000" type="screen4x3"/>
   <p:notesSz cx="6858000" cy="9144000"/>
@@ -134,15 +134,15 @@
             <p14:sldId id="256"/>
             <p14:sldId id="299"/>
             <p14:sldId id="297"/>
-            <p14:sldId id="308"/>
-            <p14:sldId id="309"/>
-            <p14:sldId id="310"/>
-            <p14:sldId id="311"/>
-            <p14:sldId id="312"/>
-            <p14:sldId id="313"/>
-            <p14:sldId id="314"/>
-            <p14:sldId id="315"/>
-            <p14:sldId id="316"/>
+            <p14:sldId id="318"/>
+            <p14:sldId id="320"/>
+            <p14:sldId id="321"/>
+            <p14:sldId id="322"/>
+            <p14:sldId id="323"/>
+            <p14:sldId id="324"/>
+            <p14:sldId id="325"/>
+            <p14:sldId id="326"/>
+            <p14:sldId id="327"/>
           </p14:sldIdLst>
         </p14:section>
       </p14:sectionLst>
@@ -247,7 +247,7 @@
           <a:p>
             <a:fld id="{26004F41-C1A1-4B0D-9EEE-5E3F0E5BC108}" type="datetimeFigureOut">
               <a:rPr lang="en-SG" smtClean="0"/>
-              <a:t>17/5/2017</a:t>
+              <a:t>18/5/2017</a:t>
             </a:fld>
             <a:endParaRPr lang="en-SG"/>
           </a:p>
@@ -685,11 +685,6 @@
               </a:rPr>
               <a:t>Lines should reappear and duration will round to 6.00</a:t>
             </a:r>
-            <a:endParaRPr lang="en-US" altLang="zh-CN" sz="1200" b="0" baseline="0" dirty="0" smtClean="0">
-              <a:solidFill>
-                <a:srgbClr val="00B050"/>
-              </a:solidFill>
-            </a:endParaRPr>
           </a:p>
         </p:txBody>
       </p:sp>
@@ -719,7 +714,7 @@
     </p:spTree>
     <p:extLst>
       <p:ext uri="{BB962C8B-B14F-4D97-AF65-F5344CB8AC3E}">
-        <p14:creationId xmlns:p14="http://schemas.microsoft.com/office/powerpoint/2010/main" val="3836100872"/>
+        <p14:creationId xmlns:p14="http://schemas.microsoft.com/office/powerpoint/2010/main" val="3970963968"/>
       </p:ext>
     </p:extLst>
   </p:cSld>
@@ -779,7 +774,7 @@
                   <a:srgbClr val="00B050"/>
                 </a:solidFill>
               </a:rPr>
-              <a:t>Click create timer using default values (Duration: 1.00, Width: 600, Height, 50)</a:t>
+              <a:t>Click create timer using the following values (Duration: 1.05, Width: 600, Height, 50)</a:t>
             </a:r>
           </a:p>
         </p:txBody>
@@ -810,7 +805,7 @@
     </p:spTree>
     <p:extLst>
       <p:ext uri="{BB962C8B-B14F-4D97-AF65-F5344CB8AC3E}">
-        <p14:creationId xmlns:p14="http://schemas.microsoft.com/office/powerpoint/2010/main" val="1482184369"/>
+        <p14:creationId xmlns:p14="http://schemas.microsoft.com/office/powerpoint/2010/main" val="2480138570"/>
       </p:ext>
     </p:extLst>
   </p:cSld>
@@ -870,7 +865,7 @@
                   <a:srgbClr val="00B050"/>
                 </a:solidFill>
               </a:rPr>
-              <a:t>Reduce the width to 200</a:t>
+              <a:t>Reduce the width to 250</a:t>
             </a:r>
             <a:r>
               <a:rPr lang="en-US" altLang="zh-CN" sz="1200" b="0" baseline="0" dirty="0" smtClean="0">
@@ -878,7 +873,7 @@
                   <a:srgbClr val="00B050"/>
                 </a:solidFill>
               </a:rPr>
-              <a:t> by setting the value in the textbox to 200</a:t>
+              <a:t> by setting the value in the textbox to 250</a:t>
             </a:r>
             <a:endParaRPr lang="en-US" altLang="zh-CN" sz="1200" b="0" dirty="0" smtClean="0">
               <a:solidFill>
@@ -914,7 +909,7 @@
     </p:spTree>
     <p:extLst>
       <p:ext uri="{BB962C8B-B14F-4D97-AF65-F5344CB8AC3E}">
-        <p14:creationId xmlns:p14="http://schemas.microsoft.com/office/powerpoint/2010/main" val="4197070259"/>
+        <p14:creationId xmlns:p14="http://schemas.microsoft.com/office/powerpoint/2010/main" val="1779225892"/>
       </p:ext>
     </p:extLst>
   </p:cSld>
@@ -991,7 +986,31 @@
                   <a:srgbClr val="00B050"/>
                 </a:solidFill>
               </a:rPr>
-              <a:t>Increase the height to 450</a:t>
+              <a:t>Increase the height </a:t>
+            </a:r>
+            <a:r>
+              <a:rPr lang="en-US" altLang="zh-CN" sz="1200" b="0" smtClean="0">
+                <a:solidFill>
+                  <a:srgbClr val="00B050"/>
+                </a:solidFill>
+              </a:rPr>
+              <a:t>to </a:t>
+            </a:r>
+            <a:r>
+              <a:rPr lang="en-US" altLang="zh-CN" sz="1200" b="0" smtClean="0">
+                <a:solidFill>
+                  <a:srgbClr val="00B050"/>
+                </a:solidFill>
+              </a:rPr>
+              <a:t>400</a:t>
+            </a:r>
+            <a:r>
+              <a:rPr lang="en-US" altLang="zh-CN" sz="1200" b="0" baseline="0" smtClean="0">
+                <a:solidFill>
+                  <a:srgbClr val="00B050"/>
+                </a:solidFill>
+              </a:rPr>
+              <a:t> </a:t>
             </a:r>
             <a:r>
               <a:rPr lang="en-US" altLang="zh-CN" sz="1200" b="0" baseline="0" dirty="0" smtClean="0">
@@ -999,7 +1018,7 @@
                   <a:srgbClr val="00B050"/>
                 </a:solidFill>
               </a:rPr>
-              <a:t> by setting the value in the textbox to 450</a:t>
+              <a:t>by setting the value in the textbox to 400</a:t>
             </a:r>
             <a:endParaRPr lang="en-US" altLang="zh-CN" sz="1200" b="0" dirty="0" smtClean="0">
               <a:solidFill>
@@ -1035,7 +1054,7 @@
     </p:spTree>
     <p:extLst>
       <p:ext uri="{BB962C8B-B14F-4D97-AF65-F5344CB8AC3E}">
-        <p14:creationId xmlns:p14="http://schemas.microsoft.com/office/powerpoint/2010/main" val="1834155822"/>
+        <p14:creationId xmlns:p14="http://schemas.microsoft.com/office/powerpoint/2010/main" val="4198905448"/>
       </p:ext>
     </p:extLst>
   </p:cSld>
@@ -1149,7 +1168,7 @@
     </p:spTree>
     <p:extLst>
       <p:ext uri="{BB962C8B-B14F-4D97-AF65-F5344CB8AC3E}">
-        <p14:creationId xmlns:p14="http://schemas.microsoft.com/office/powerpoint/2010/main" val="427091624"/>
+        <p14:creationId xmlns:p14="http://schemas.microsoft.com/office/powerpoint/2010/main" val="748272227"/>
       </p:ext>
     </p:extLst>
   </p:cSld>
@@ -1209,7 +1228,23 @@
                   <a:srgbClr val="00B050"/>
                 </a:solidFill>
               </a:rPr>
-              <a:t>Change the outline of the GROUP of lines to yellow. (Do not change the lines individually)</a:t>
+              <a:t>Change the outline of the GROUP of line</a:t>
+            </a:r>
+            <a:r>
+              <a:rPr lang="en-US" altLang="zh-CN" sz="1200" b="0" baseline="0" dirty="0" smtClean="0">
+                <a:solidFill>
+                  <a:srgbClr val="00B050"/>
+                </a:solidFill>
+              </a:rPr>
+              <a:t> markers</a:t>
+            </a:r>
+            <a:r>
+              <a:rPr lang="en-US" altLang="zh-CN" sz="1200" b="0" dirty="0" smtClean="0">
+                <a:solidFill>
+                  <a:srgbClr val="00B050"/>
+                </a:solidFill>
+              </a:rPr>
+              <a:t> to yellow. (Do not change the lines individually)</a:t>
             </a:r>
           </a:p>
           <a:p>
@@ -1299,7 +1334,7 @@
     </p:spTree>
     <p:extLst>
       <p:ext uri="{BB962C8B-B14F-4D97-AF65-F5344CB8AC3E}">
-        <p14:creationId xmlns:p14="http://schemas.microsoft.com/office/powerpoint/2010/main" val="1989784881"/>
+        <p14:creationId xmlns:p14="http://schemas.microsoft.com/office/powerpoint/2010/main" val="2390407771"/>
       </p:ext>
     </p:extLst>
   </p:cSld>
@@ -1367,7 +1402,7 @@
                   <a:srgbClr val="00B050"/>
                 </a:solidFill>
               </a:rPr>
-              <a:t> to 0.05 using the “-” button</a:t>
+              <a:t> to 0.07.</a:t>
             </a:r>
             <a:endParaRPr lang="en-US" altLang="zh-CN" sz="1200" b="0" dirty="0" smtClean="0">
               <a:solidFill>
@@ -1403,7 +1438,7 @@
     </p:spTree>
     <p:extLst>
       <p:ext uri="{BB962C8B-B14F-4D97-AF65-F5344CB8AC3E}">
-        <p14:creationId xmlns:p14="http://schemas.microsoft.com/office/powerpoint/2010/main" val="454999600"/>
+        <p14:creationId xmlns:p14="http://schemas.microsoft.com/office/powerpoint/2010/main" val="2112063985"/>
       </p:ext>
     </p:extLst>
   </p:cSld>
@@ -1514,11 +1549,6 @@
               </a:rPr>
               <a:t>A pop up message saying “Only one timer per slide” should appear, and the timer should be reformed</a:t>
             </a:r>
-            <a:endParaRPr lang="en-US" altLang="zh-CN" sz="1200" b="0" baseline="0" dirty="0" smtClean="0">
-              <a:solidFill>
-                <a:srgbClr val="00B050"/>
-              </a:solidFill>
-            </a:endParaRPr>
           </a:p>
         </p:txBody>
       </p:sp>
@@ -1548,7 +1578,7 @@
     </p:spTree>
     <p:extLst>
       <p:ext uri="{BB962C8B-B14F-4D97-AF65-F5344CB8AC3E}">
-        <p14:creationId xmlns:p14="http://schemas.microsoft.com/office/powerpoint/2010/main" val="2943284414"/>
+        <p14:creationId xmlns:p14="http://schemas.microsoft.com/office/powerpoint/2010/main" val="1187218432"/>
       </p:ext>
     </p:extLst>
   </p:cSld>
@@ -1628,11 +1658,6 @@
               </a:rPr>
               <a:t>The font color should remain the same. However, notice that the line color is no longer yellow. (Can fix to maintain the color)</a:t>
             </a:r>
-            <a:endParaRPr lang="en-US" altLang="zh-CN" sz="1200" b="0" baseline="0" dirty="0" smtClean="0">
-              <a:solidFill>
-                <a:srgbClr val="00B050"/>
-              </a:solidFill>
-            </a:endParaRPr>
           </a:p>
         </p:txBody>
       </p:sp>
@@ -1662,7 +1687,7 @@
     </p:spTree>
     <p:extLst>
       <p:ext uri="{BB962C8B-B14F-4D97-AF65-F5344CB8AC3E}">
-        <p14:creationId xmlns:p14="http://schemas.microsoft.com/office/powerpoint/2010/main" val="907252372"/>
+        <p14:creationId xmlns:p14="http://schemas.microsoft.com/office/powerpoint/2010/main" val="399666669"/>
       </p:ext>
     </p:extLst>
   </p:cSld>
@@ -1853,7 +1878,7 @@
           <a:p>
             <a:fld id="{699DC775-C286-4358-8C92-D7E584E969B3}" type="datetimeFigureOut">
               <a:rPr lang="en-US" smtClean="0"/>
-              <a:t>5/17/2017</a:t>
+              <a:t>5/18/2017</a:t>
             </a:fld>
             <a:endParaRPr lang="en-US"/>
           </a:p>
@@ -2023,7 +2048,7 @@
           <a:p>
             <a:fld id="{699DC775-C286-4358-8C92-D7E584E969B3}" type="datetimeFigureOut">
               <a:rPr lang="en-US" smtClean="0"/>
-              <a:t>5/17/2017</a:t>
+              <a:t>5/18/2017</a:t>
             </a:fld>
             <a:endParaRPr lang="en-US"/>
           </a:p>
@@ -2203,7 +2228,7 @@
           <a:p>
             <a:fld id="{699DC775-C286-4358-8C92-D7E584E969B3}" type="datetimeFigureOut">
               <a:rPr lang="en-US" smtClean="0"/>
-              <a:t>5/17/2017</a:t>
+              <a:t>5/18/2017</a:t>
             </a:fld>
             <a:endParaRPr lang="en-US"/>
           </a:p>
@@ -2445,7 +2470,7 @@
           <a:p>
             <a:fld id="{699DC775-C286-4358-8C92-D7E584E969B3}" type="datetimeFigureOut">
               <a:rPr lang="en-US" smtClean="0"/>
-              <a:t>5/17/2017</a:t>
+              <a:t>5/18/2017</a:t>
             </a:fld>
             <a:endParaRPr lang="en-US"/>
           </a:p>
@@ -2615,7 +2640,7 @@
           <a:p>
             <a:fld id="{699DC775-C286-4358-8C92-D7E584E969B3}" type="datetimeFigureOut">
               <a:rPr lang="en-US" smtClean="0"/>
-              <a:t>5/17/2017</a:t>
+              <a:t>5/18/2017</a:t>
             </a:fld>
             <a:endParaRPr lang="en-US"/>
           </a:p>
@@ -2861,7 +2886,7 @@
           <a:p>
             <a:fld id="{699DC775-C286-4358-8C92-D7E584E969B3}" type="datetimeFigureOut">
               <a:rPr lang="en-US" smtClean="0"/>
-              <a:t>5/17/2017</a:t>
+              <a:t>5/18/2017</a:t>
             </a:fld>
             <a:endParaRPr lang="en-US"/>
           </a:p>
@@ -3149,7 +3174,7 @@
           <a:p>
             <a:fld id="{699DC775-C286-4358-8C92-D7E584E969B3}" type="datetimeFigureOut">
               <a:rPr lang="en-US" smtClean="0"/>
-              <a:t>5/17/2017</a:t>
+              <a:t>5/18/2017</a:t>
             </a:fld>
             <a:endParaRPr lang="en-US"/>
           </a:p>
@@ -3571,7 +3596,7 @@
           <a:p>
             <a:fld id="{699DC775-C286-4358-8C92-D7E584E969B3}" type="datetimeFigureOut">
               <a:rPr lang="en-US" smtClean="0"/>
-              <a:t>5/17/2017</a:t>
+              <a:t>5/18/2017</a:t>
             </a:fld>
             <a:endParaRPr lang="en-US"/>
           </a:p>
@@ -3689,7 +3714,7 @@
           <a:p>
             <a:fld id="{699DC775-C286-4358-8C92-D7E584E969B3}" type="datetimeFigureOut">
               <a:rPr lang="en-US" smtClean="0"/>
-              <a:t>5/17/2017</a:t>
+              <a:t>5/18/2017</a:t>
             </a:fld>
             <a:endParaRPr lang="en-US"/>
           </a:p>
@@ -3784,7 +3809,7 @@
           <a:p>
             <a:fld id="{699DC775-C286-4358-8C92-D7E584E969B3}" type="datetimeFigureOut">
               <a:rPr lang="en-US" smtClean="0"/>
-              <a:t>5/17/2017</a:t>
+              <a:t>5/18/2017</a:t>
             </a:fld>
             <a:endParaRPr lang="en-US"/>
           </a:p>
@@ -4061,7 +4086,7 @@
           <a:p>
             <a:fld id="{699DC775-C286-4358-8C92-D7E584E969B3}" type="datetimeFigureOut">
               <a:rPr lang="en-US" smtClean="0"/>
-              <a:t>5/17/2017</a:t>
+              <a:t>5/18/2017</a:t>
             </a:fld>
             <a:endParaRPr lang="en-US"/>
           </a:p>
@@ -4231,7 +4256,7 @@
           <a:p>
             <a:fld id="{699DC775-C286-4358-8C92-D7E584E969B3}" type="datetimeFigureOut">
               <a:rPr lang="en-US" smtClean="0"/>
-              <a:t>5/17/2017</a:t>
+              <a:t>5/18/2017</a:t>
             </a:fld>
             <a:endParaRPr lang="en-US"/>
           </a:p>
@@ -4484,7 +4509,7 @@
           <a:p>
             <a:fld id="{699DC775-C286-4358-8C92-D7E584E969B3}" type="datetimeFigureOut">
               <a:rPr lang="en-US" smtClean="0"/>
-              <a:t>5/17/2017</a:t>
+              <a:t>5/18/2017</a:t>
             </a:fld>
             <a:endParaRPr lang="en-US"/>
           </a:p>
@@ -4654,7 +4679,7 @@
           <a:p>
             <a:fld id="{699DC775-C286-4358-8C92-D7E584E969B3}" type="datetimeFigureOut">
               <a:rPr lang="en-US" smtClean="0"/>
-              <a:t>5/17/2017</a:t>
+              <a:t>5/18/2017</a:t>
             </a:fld>
             <a:endParaRPr lang="en-US"/>
           </a:p>
@@ -4834,7 +4859,7 @@
           <a:p>
             <a:fld id="{699DC775-C286-4358-8C92-D7E584E969B3}" type="datetimeFigureOut">
               <a:rPr lang="en-US" smtClean="0"/>
-              <a:t>5/17/2017</a:t>
+              <a:t>5/18/2017</a:t>
             </a:fld>
             <a:endParaRPr lang="en-US"/>
           </a:p>
@@ -5084,7 +5109,7 @@
           <a:p>
             <a:fld id="{699DC775-C286-4358-8C92-D7E584E969B3}" type="datetimeFigureOut">
               <a:rPr lang="en-US" smtClean="0"/>
-              <a:t>5/17/2017</a:t>
+              <a:t>5/18/2017</a:t>
             </a:fld>
             <a:endParaRPr lang="en-US"/>
           </a:p>
@@ -5262,7 +5287,7 @@
           <a:p>
             <a:fld id="{699DC775-C286-4358-8C92-D7E584E969B3}" type="datetimeFigureOut">
               <a:rPr lang="en-US" smtClean="0"/>
-              <a:t>5/17/2017</a:t>
+              <a:t>5/18/2017</a:t>
             </a:fld>
             <a:endParaRPr lang="en-US"/>
           </a:p>
@@ -5516,7 +5541,7 @@
           <a:p>
             <a:fld id="{699DC775-C286-4358-8C92-D7E584E969B3}" type="datetimeFigureOut">
               <a:rPr lang="en-US" smtClean="0"/>
-              <a:t>5/17/2017</a:t>
+              <a:t>5/18/2017</a:t>
             </a:fld>
             <a:endParaRPr lang="en-US"/>
           </a:p>
@@ -5812,7 +5837,7 @@
           <a:p>
             <a:fld id="{699DC775-C286-4358-8C92-D7E584E969B3}" type="datetimeFigureOut">
               <a:rPr lang="en-US" smtClean="0"/>
-              <a:t>5/17/2017</a:t>
+              <a:t>5/18/2017</a:t>
             </a:fld>
             <a:endParaRPr lang="en-US"/>
           </a:p>
@@ -6242,7 +6267,7 @@
           <a:p>
             <a:fld id="{699DC775-C286-4358-8C92-D7E584E969B3}" type="datetimeFigureOut">
               <a:rPr lang="en-US" smtClean="0"/>
-              <a:t>5/17/2017</a:t>
+              <a:t>5/18/2017</a:t>
             </a:fld>
             <a:endParaRPr lang="en-US"/>
           </a:p>
@@ -6368,7 +6393,7 @@
           <a:p>
             <a:fld id="{699DC775-C286-4358-8C92-D7E584E969B3}" type="datetimeFigureOut">
               <a:rPr lang="en-US" smtClean="0"/>
-              <a:t>5/17/2017</a:t>
+              <a:t>5/18/2017</a:t>
             </a:fld>
             <a:endParaRPr lang="en-US"/>
           </a:p>
@@ -6471,7 +6496,7 @@
           <a:p>
             <a:fld id="{699DC775-C286-4358-8C92-D7E584E969B3}" type="datetimeFigureOut">
               <a:rPr lang="en-US" smtClean="0"/>
-              <a:t>5/17/2017</a:t>
+              <a:t>5/18/2017</a:t>
             </a:fld>
             <a:endParaRPr lang="en-US"/>
           </a:p>
@@ -6717,7 +6742,7 @@
           <a:p>
             <a:fld id="{699DC775-C286-4358-8C92-D7E584E969B3}" type="datetimeFigureOut">
               <a:rPr lang="en-US" smtClean="0"/>
-              <a:t>5/17/2017</a:t>
+              <a:t>5/18/2017</a:t>
             </a:fld>
             <a:endParaRPr lang="en-US"/>
           </a:p>
@@ -7002,7 +7027,7 @@
           <a:p>
             <a:fld id="{699DC775-C286-4358-8C92-D7E584E969B3}" type="datetimeFigureOut">
               <a:rPr lang="en-US" smtClean="0"/>
-              <a:t>5/17/2017</a:t>
+              <a:t>5/18/2017</a:t>
             </a:fld>
             <a:endParaRPr lang="en-US"/>
           </a:p>
@@ -7263,7 +7288,7 @@
           <a:p>
             <a:fld id="{699DC775-C286-4358-8C92-D7E584E969B3}" type="datetimeFigureOut">
               <a:rPr lang="en-US" smtClean="0"/>
-              <a:t>5/17/2017</a:t>
+              <a:t>5/18/2017</a:t>
             </a:fld>
             <a:endParaRPr lang="en-US"/>
           </a:p>
@@ -7441,7 +7466,7 @@
           <a:p>
             <a:fld id="{699DC775-C286-4358-8C92-D7E584E969B3}" type="datetimeFigureOut">
               <a:rPr lang="en-US" smtClean="0"/>
-              <a:t>5/17/2017</a:t>
+              <a:t>5/18/2017</a:t>
             </a:fld>
             <a:endParaRPr lang="en-US"/>
           </a:p>
@@ -7629,7 +7654,7 @@
           <a:p>
             <a:fld id="{699DC775-C286-4358-8C92-D7E584E969B3}" type="datetimeFigureOut">
               <a:rPr lang="en-US" smtClean="0"/>
-              <a:t>5/17/2017</a:t>
+              <a:t>5/18/2017</a:t>
             </a:fld>
             <a:endParaRPr lang="en-US"/>
           </a:p>
@@ -7917,7 +7942,7 @@
           <a:p>
             <a:fld id="{699DC775-C286-4358-8C92-D7E584E969B3}" type="datetimeFigureOut">
               <a:rPr lang="en-US" smtClean="0"/>
-              <a:t>5/17/2017</a:t>
+              <a:t>5/18/2017</a:t>
             </a:fld>
             <a:endParaRPr lang="en-US"/>
           </a:p>
@@ -8339,7 +8364,7 @@
           <a:p>
             <a:fld id="{699DC775-C286-4358-8C92-D7E584E969B3}" type="datetimeFigureOut">
               <a:rPr lang="en-US" smtClean="0"/>
-              <a:t>5/17/2017</a:t>
+              <a:t>5/18/2017</a:t>
             </a:fld>
             <a:endParaRPr lang="en-US"/>
           </a:p>
@@ -8457,7 +8482,7 @@
           <a:p>
             <a:fld id="{699DC775-C286-4358-8C92-D7E584E969B3}" type="datetimeFigureOut">
               <a:rPr lang="en-US" smtClean="0"/>
-              <a:t>5/17/2017</a:t>
+              <a:t>5/18/2017</a:t>
             </a:fld>
             <a:endParaRPr lang="en-US"/>
           </a:p>
@@ -8552,7 +8577,7 @@
           <a:p>
             <a:fld id="{699DC775-C286-4358-8C92-D7E584E969B3}" type="datetimeFigureOut">
               <a:rPr lang="en-US" smtClean="0"/>
-              <a:t>5/17/2017</a:t>
+              <a:t>5/18/2017</a:t>
             </a:fld>
             <a:endParaRPr lang="en-US"/>
           </a:p>
@@ -8829,7 +8854,7 @@
           <a:p>
             <a:fld id="{699DC775-C286-4358-8C92-D7E584E969B3}" type="datetimeFigureOut">
               <a:rPr lang="en-US" smtClean="0"/>
-              <a:t>5/17/2017</a:t>
+              <a:t>5/18/2017</a:t>
             </a:fld>
             <a:endParaRPr lang="en-US"/>
           </a:p>
@@ -9082,7 +9107,7 @@
           <a:p>
             <a:fld id="{699DC775-C286-4358-8C92-D7E584E969B3}" type="datetimeFigureOut">
               <a:rPr lang="en-US" smtClean="0"/>
-              <a:t>5/17/2017</a:t>
+              <a:t>5/18/2017</a:t>
             </a:fld>
             <a:endParaRPr lang="en-US"/>
           </a:p>
@@ -9295,7 +9320,7 @@
           <a:p>
             <a:fld id="{699DC775-C286-4358-8C92-D7E584E969B3}" type="datetimeFigureOut">
               <a:rPr lang="en-US" smtClean="0"/>
-              <a:t>5/17/2017</a:t>
+              <a:t>5/18/2017</a:t>
             </a:fld>
             <a:endParaRPr lang="en-US"/>
           </a:p>
@@ -9810,7 +9835,7 @@
           <a:p>
             <a:fld id="{699DC775-C286-4358-8C92-D7E584E969B3}" type="datetimeFigureOut">
               <a:rPr lang="en-US" smtClean="0"/>
-              <a:t>5/17/2017</a:t>
+              <a:t>5/18/2017</a:t>
             </a:fld>
             <a:endParaRPr lang="en-US"/>
           </a:p>
@@ -10323,7 +10348,7 @@
           <a:p>
             <a:fld id="{699DC775-C286-4358-8C92-D7E584E969B3}" type="datetimeFigureOut">
               <a:rPr lang="en-US" smtClean="0"/>
-              <a:t>5/17/2017</a:t>
+              <a:t>5/18/2017</a:t>
             </a:fld>
             <a:endParaRPr lang="en-US"/>
           </a:p>
@@ -10905,7 +10930,7 @@
       </p:grpSpPr>
       <p:sp>
         <p:nvSpPr>
-          <p:cNvPr id="2" name="TimerBody"/>
+          <p:cNvPr id="16" name="TimerBody"/>
           <p:cNvSpPr/>
           <p:nvPr>
             <p:custDataLst>
@@ -10915,8 +10940,8 @@
         </p:nvSpPr>
         <p:spPr>
           <a:xfrm>
-            <a:off x="3302000" y="571500"/>
-            <a:ext cx="2540000" cy="5715000"/>
+            <a:off x="2984500" y="889000"/>
+            <a:ext cx="3175000" cy="5080000"/>
           </a:xfrm>
           <a:prstGeom prst="rect">
             <a:avLst/>
@@ -10957,7 +10982,7 @@
       </p:sp>
       <p:sp>
         <p:nvSpPr>
-          <p:cNvPr id="34" name="TimerSliderHead"/>
+          <p:cNvPr id="14" name="TimerSliderHead"/>
           <p:cNvSpPr/>
           <p:nvPr>
             <p:custDataLst>
@@ -10967,7 +10992,7 @@
         </p:nvSpPr>
         <p:spPr>
           <a:xfrm rot="10800000">
-            <a:off x="3175000" y="444500"/>
+            <a:off x="2857500" y="762000"/>
             <a:ext cx="254000" cy="254000"/>
           </a:xfrm>
           <a:prstGeom prst="triangle">
@@ -11016,7 +11041,7 @@
       </p:sp>
       <p:sp>
         <p:nvSpPr>
-          <p:cNvPr id="35" name="TimerSliderBody"/>
+          <p:cNvPr id="15" name="TimerSliderBody"/>
           <p:cNvSpPr/>
           <p:nvPr>
             <p:custDataLst>
@@ -11026,8 +11051,8 @@
         </p:nvSpPr>
         <p:spPr>
           <a:xfrm>
-            <a:off x="3276600" y="571500"/>
-            <a:ext cx="50800" cy="5715000"/>
+            <a:off x="2959100" y="889000"/>
+            <a:ext cx="50800" cy="5080000"/>
           </a:xfrm>
           <a:prstGeom prst="rect">
             <a:avLst/>
@@ -11085,10 +11110,10 @@
         </p:nvGrpSpPr>
         <p:grpSpPr>
           <a:xfrm>
-            <a:off x="3302000" y="6286500"/>
-            <a:ext cx="2540000" cy="381000"/>
+            <a:off x="2984500" y="5969000"/>
+            <a:ext cx="3175000" cy="381000"/>
             <a:chOff x="0" y="0"/>
-            <a:chExt cx="2552700" cy="381000"/>
+            <a:chExt cx="3187700" cy="381000"/>
           </a:xfrm>
         </p:grpSpPr>
         <p:sp>
@@ -11166,7 +11191,7 @@
         </p:sp>
         <p:sp>
           <p:nvSpPr>
-            <p:cNvPr id="4" name="TimerTimeMarker5"/>
+            <p:cNvPr id="4" name="TimerTimeMarker7"/>
             <p:cNvSpPr/>
             <p:nvPr>
               <p:custDataLst>
@@ -11176,7 +11201,7 @@
           </p:nvSpPr>
           <p:spPr>
             <a:xfrm>
-              <a:off x="2540000" y="0"/>
+              <a:off x="3175000" y="0"/>
               <a:ext cx="12700" cy="381000"/>
             </a:xfrm>
             <a:prstGeom prst="rect">
@@ -11227,7 +11252,7 @@
                     <a:srgbClr val="5A5A5A"/>
                   </a:solidFill>
                 </a:rPr>
-                <a:t>5</a:t>
+                <a:t>7</a:t>
               </a:r>
               <a:endParaRPr lang="en-US">
                 <a:solidFill>
@@ -11241,7 +11266,7 @@
     </p:spTree>
     <p:extLst>
       <p:ext uri="{BB962C8B-B14F-4D97-AF65-F5344CB8AC3E}">
-        <p14:creationId xmlns:p14="http://schemas.microsoft.com/office/powerpoint/2010/main" val="1130597531"/>
+        <p14:creationId xmlns:p14="http://schemas.microsoft.com/office/powerpoint/2010/main" val="3785754462"/>
       </p:ext>
     </p:extLst>
   </p:cSld>
@@ -11274,11 +11299,11 @@
                                     <p:cond delay="0"/>
                                   </p:stCondLst>
                                   <p:childTnLst>
-                                    <p:animMotion origin="layout" path="M 0 0 L 0.2777778 0 E" pathEditMode="relative" ptsTypes="">
+                                    <p:animMotion origin="layout" path="M 0 0 L 0.3472222 0 E" pathEditMode="relative" ptsTypes="">
                                       <p:cBhvr>
-                                        <p:cTn id="6" dur="5000" fill="hold"/>
+                                        <p:cTn id="6" dur="7000" fill="hold"/>
                                         <p:tgtEl>
-                                          <p:spTgt spid="34"/>
+                                          <p:spTgt spid="14"/>
                                         </p:tgtEl>
                                         <p:attrNameLst>
                                           <p:attrName>ppt_x</p:attrName>
@@ -11295,11 +11320,11 @@
                                     <p:cond delay="0"/>
                                   </p:stCondLst>
                                   <p:childTnLst>
-                                    <p:animMotion origin="layout" path="M 0 0 L 0.2777778 0 E" pathEditMode="relative" ptsTypes="">
+                                    <p:animMotion origin="layout" path="M 0 0 L 0.3472222 0 E" pathEditMode="relative" ptsTypes="">
                                       <p:cBhvr>
-                                        <p:cTn id="8" dur="5000" fill="hold"/>
+                                        <p:cTn id="8" dur="7000" fill="hold"/>
                                         <p:tgtEl>
-                                          <p:spTgt spid="35"/>
+                                          <p:spTgt spid="15"/>
                                         </p:tgtEl>
                                         <p:attrNameLst>
                                           <p:attrName>ppt_x</p:attrName>
@@ -11316,7 +11341,7 @@
                         <p:par>
                           <p:cTn id="9" fill="hold">
                             <p:stCondLst>
-                              <p:cond delay="5000"/>
+                              <p:cond delay="7000"/>
                             </p:stCondLst>
                             <p:childTnLst>
                               <p:par>
@@ -11329,7 +11354,7 @@
                                       <p:cBhvr override="childStyle">
                                         <p:cTn id="11" dur="1" fill="hold"/>
                                         <p:tgtEl>
-                                          <p:spTgt spid="34"/>
+                                          <p:spTgt spid="14"/>
                                         </p:tgtEl>
                                         <p:attrNameLst>
                                           <p:attrName>style.color</p:attrName>
@@ -11343,7 +11368,7 @@
                                       <p:cBhvr>
                                         <p:cTn id="12" dur="1" fill="hold"/>
                                         <p:tgtEl>
-                                          <p:spTgt spid="34"/>
+                                          <p:spTgt spid="14"/>
                                         </p:tgtEl>
                                         <p:attrNameLst>
                                           <p:attrName>fillcolor</p:attrName>
@@ -11357,7 +11382,7 @@
                                       <p:cBhvr>
                                         <p:cTn id="13" dur="1" fill="hold"/>
                                         <p:tgtEl>
-                                          <p:spTgt spid="34"/>
+                                          <p:spTgt spid="14"/>
                                         </p:tgtEl>
                                         <p:attrNameLst>
                                           <p:attrName>stroke.color</p:attrName>
@@ -11371,7 +11396,7 @@
                                       <p:cBhvr>
                                         <p:cTn id="14" dur="1" fill="hold"/>
                                         <p:tgtEl>
-                                          <p:spTgt spid="34"/>
+                                          <p:spTgt spid="14"/>
                                         </p:tgtEl>
                                         <p:attrNameLst>
                                           <p:attrName>fill.type</p:attrName>
@@ -11394,7 +11419,7 @@
                                       <p:cBhvr override="childStyle">
                                         <p:cTn id="16" dur="1" fill="hold"/>
                                         <p:tgtEl>
-                                          <p:spTgt spid="35"/>
+                                          <p:spTgt spid="15"/>
                                         </p:tgtEl>
                                         <p:attrNameLst>
                                           <p:attrName>style.color</p:attrName>
@@ -11408,7 +11433,7 @@
                                       <p:cBhvr>
                                         <p:cTn id="17" dur="1" fill="hold"/>
                                         <p:tgtEl>
-                                          <p:spTgt spid="35"/>
+                                          <p:spTgt spid="15"/>
                                         </p:tgtEl>
                                         <p:attrNameLst>
                                           <p:attrName>fillcolor</p:attrName>
@@ -11422,7 +11447,7 @@
                                       <p:cBhvr>
                                         <p:cTn id="18" dur="1" fill="hold"/>
                                         <p:tgtEl>
-                                          <p:spTgt spid="35"/>
+                                          <p:spTgt spid="15"/>
                                         </p:tgtEl>
                                         <p:attrNameLst>
                                           <p:attrName>stroke.color</p:attrName>
@@ -11436,7 +11461,7 @@
                                       <p:cBhvr>
                                         <p:cTn id="19" dur="1" fill="hold"/>
                                         <p:tgtEl>
-                                          <p:spTgt spid="35"/>
+                                          <p:spTgt spid="15"/>
                                         </p:tgtEl>
                                         <p:attrNameLst>
                                           <p:attrName>fill.type</p:attrName>
@@ -11477,10 +11502,10 @@
       </p:par>
     </p:tnLst>
     <p:bldLst>
-      <p:bldP spid="34" grpId="0" animBg="1"/>
-      <p:bldP spid="34" grpId="1" animBg="1"/>
-      <p:bldP spid="35" grpId="0" animBg="1"/>
-      <p:bldP spid="35" grpId="1" animBg="1"/>
+      <p:bldP spid="14" grpId="0" animBg="1"/>
+      <p:bldP spid="14" grpId="1" animBg="1"/>
+      <p:bldP spid="15" grpId="0" animBg="1"/>
+      <p:bldP spid="15" grpId="1" animBg="1"/>
     </p:bldLst>
   </p:timing>
 </p:sld>
@@ -11513,7 +11538,7 @@
       </p:grpSpPr>
       <p:sp>
         <p:nvSpPr>
-          <p:cNvPr id="2" name="TimerBody"/>
+          <p:cNvPr id="16" name="TimerBody"/>
           <p:cNvSpPr/>
           <p:nvPr>
             <p:custDataLst>
@@ -11523,8 +11548,8 @@
         </p:nvSpPr>
         <p:spPr>
           <a:xfrm>
-            <a:off x="3302000" y="571500"/>
-            <a:ext cx="2540000" cy="5715000"/>
+            <a:off x="2984500" y="889000"/>
+            <a:ext cx="3175000" cy="5080000"/>
           </a:xfrm>
           <a:prstGeom prst="rect">
             <a:avLst/>
@@ -11563,145 +11588,27 @@
           </a:p>
         </p:txBody>
       </p:sp>
-      <p:sp>
-        <p:nvSpPr>
-          <p:cNvPr id="34" name="TimerSliderHead"/>
-          <p:cNvSpPr/>
+      <p:grpSp>
+        <p:nvGrpSpPr>
+          <p:cNvPr id="7" name="TimerTimeMarkerGroup"/>
+          <p:cNvGrpSpPr/>
           <p:nvPr>
             <p:custDataLst>
               <p:tags r:id="rId2"/>
             </p:custDataLst>
           </p:nvPr>
-        </p:nvSpPr>
-        <p:spPr>
-          <a:xfrm rot="10800000">
-            <a:off x="3175000" y="444500"/>
-            <a:ext cx="254000" cy="254000"/>
-          </a:xfrm>
-          <a:prstGeom prst="triangle">
-            <a:avLst/>
-          </a:prstGeom>
-          <a:solidFill>
-            <a:srgbClr val="F79646"/>
-          </a:solidFill>
-          <a:ln w="25400" cap="flat" cmpd="sng" algn="ctr">
-            <a:solidFill>
-              <a:schemeClr val="accent1">
-                <a:shade val="50000"/>
-                <a:alpha val="0"/>
-              </a:schemeClr>
-            </a:solidFill>
-            <a:prstDash val="solid"/>
-            <a:round/>
-            <a:headEnd type="none" w="med" len="med"/>
-            <a:tailEnd type="none" w="med" len="med"/>
-          </a:ln>
-        </p:spPr>
-        <p:style>
-          <a:lnRef idx="2">
-            <a:schemeClr val="accent1">
-              <a:shade val="50000"/>
-            </a:schemeClr>
-          </a:lnRef>
-          <a:fillRef idx="1">
-            <a:schemeClr val="accent1"/>
-          </a:fillRef>
-          <a:effectRef idx="0">
-            <a:schemeClr val="accent1"/>
-          </a:effectRef>
-          <a:fontRef idx="minor">
-            <a:schemeClr val="lt1"/>
-          </a:fontRef>
-        </p:style>
-        <p:txBody>
-          <a:bodyPr rtlCol="0" anchor="ctr"/>
-          <a:lstStyle/>
-          <a:p>
-            <a:pPr algn="ctr"/>
-            <a:endParaRPr lang="en-US"/>
-          </a:p>
-        </p:txBody>
-      </p:sp>
-      <p:sp>
-        <p:nvSpPr>
-          <p:cNvPr id="35" name="TimerSliderBody"/>
-          <p:cNvSpPr/>
-          <p:nvPr>
-            <p:custDataLst>
-              <p:tags r:id="rId3"/>
-            </p:custDataLst>
-          </p:nvPr>
-        </p:nvSpPr>
-        <p:spPr>
-          <a:xfrm>
-            <a:off x="3276600" y="571500"/>
-            <a:ext cx="50800" cy="5715000"/>
-          </a:xfrm>
-          <a:prstGeom prst="rect">
-            <a:avLst/>
-          </a:prstGeom>
-          <a:solidFill>
-            <a:srgbClr val="F79646"/>
-          </a:solidFill>
-          <a:ln w="25400" cap="flat" cmpd="sng" algn="ctr">
-            <a:solidFill>
-              <a:schemeClr val="accent1">
-                <a:shade val="50000"/>
-                <a:alpha val="0"/>
-              </a:schemeClr>
-            </a:solidFill>
-            <a:prstDash val="solid"/>
-            <a:round/>
-            <a:headEnd type="none" w="med" len="med"/>
-            <a:tailEnd type="none" w="med" len="med"/>
-          </a:ln>
-        </p:spPr>
-        <p:style>
-          <a:lnRef idx="2">
-            <a:schemeClr val="accent1">
-              <a:shade val="50000"/>
-            </a:schemeClr>
-          </a:lnRef>
-          <a:fillRef idx="1">
-            <a:schemeClr val="accent1"/>
-          </a:fillRef>
-          <a:effectRef idx="0">
-            <a:schemeClr val="accent1"/>
-          </a:effectRef>
-          <a:fontRef idx="minor">
-            <a:schemeClr val="lt1"/>
-          </a:fontRef>
-        </p:style>
-        <p:txBody>
-          <a:bodyPr rtlCol="0" anchor="ctr"/>
-          <a:lstStyle/>
-          <a:p>
-            <a:pPr algn="ctr"/>
-            <a:endParaRPr lang="en-US"/>
-          </a:p>
-        </p:txBody>
-      </p:sp>
-      <p:grpSp>
-        <p:nvGrpSpPr>
-          <p:cNvPr id="5" name="TimerTimeMarkerGroup"/>
-          <p:cNvGrpSpPr/>
-          <p:nvPr>
-            <p:custDataLst>
-              <p:tags r:id="rId4"/>
-            </p:custDataLst>
-          </p:nvPr>
         </p:nvGrpSpPr>
         <p:grpSpPr>
           <a:xfrm>
-            <a:off x="3302000" y="6286500"/>
-            <a:ext cx="2540000" cy="381000"/>
+            <a:off x="2984500" y="5969000"/>
+            <a:ext cx="3175000" cy="381000"/>
             <a:chOff x="0" y="0"/>
-            <a:chExt cx="2552700" cy="381000"/>
+            <a:chExt cx="3187700" cy="381000"/>
           </a:xfrm>
         </p:grpSpPr>
         <p:sp>
           <p:nvSpPr>
-            <p:cNvPr id="3" name="TimerTimeMarker0"/>
+            <p:cNvPr id="2" name="TimerTimeMarker0"/>
             <p:cNvSpPr/>
             <p:nvPr>
               <p:custDataLst>
@@ -11757,14 +11664,14 @@
             <a:p>
               <a:pPr algn="ctr"/>
               <a:r>
-                <a:rPr lang="en-US" dirty="0" smtClean="0">
+                <a:rPr lang="en-US" smtClean="0">
                   <a:solidFill>
                     <a:srgbClr val="FF0000"/>
                   </a:solidFill>
                 </a:rPr>
                 <a:t>0</a:t>
               </a:r>
-              <a:endParaRPr lang="en-US" dirty="0">
+              <a:endParaRPr lang="en-US">
                 <a:solidFill>
                   <a:srgbClr val="FF0000"/>
                 </a:solidFill>
@@ -11774,7 +11681,7 @@
         </p:sp>
         <p:sp>
           <p:nvSpPr>
-            <p:cNvPr id="4" name="TimerTimeMarker5"/>
+            <p:cNvPr id="6" name="TimerTimeMarker7"/>
             <p:cNvSpPr/>
             <p:nvPr>
               <p:custDataLst>
@@ -11784,7 +11691,7 @@
           </p:nvSpPr>
           <p:spPr>
             <a:xfrm>
-              <a:off x="2540000" y="0"/>
+              <a:off x="3175000" y="0"/>
               <a:ext cx="12700" cy="381000"/>
             </a:xfrm>
             <a:prstGeom prst="rect">
@@ -11835,7 +11742,7 @@
                     <a:srgbClr val="FF0000"/>
                   </a:solidFill>
                 </a:rPr>
-                <a:t>5</a:t>
+                <a:t>7</a:t>
               </a:r>
               <a:endParaRPr lang="en-US">
                 <a:solidFill>
@@ -11846,10 +11753,128 @@
           </p:txBody>
         </p:sp>
       </p:grpSp>
+      <p:sp>
+        <p:nvSpPr>
+          <p:cNvPr id="8" name="TimerSliderHead"/>
+          <p:cNvSpPr/>
+          <p:nvPr>
+            <p:custDataLst>
+              <p:tags r:id="rId3"/>
+            </p:custDataLst>
+          </p:nvPr>
+        </p:nvSpPr>
+        <p:spPr>
+          <a:xfrm rot="10800000">
+            <a:off x="2857500" y="762000"/>
+            <a:ext cx="254000" cy="254000"/>
+          </a:xfrm>
+          <a:prstGeom prst="triangle">
+            <a:avLst/>
+          </a:prstGeom>
+          <a:solidFill>
+            <a:srgbClr val="F79646"/>
+          </a:solidFill>
+          <a:ln w="25400" cap="flat" cmpd="sng" algn="ctr">
+            <a:solidFill>
+              <a:schemeClr val="accent1">
+                <a:shade val="50000"/>
+                <a:alpha val="0"/>
+              </a:schemeClr>
+            </a:solidFill>
+            <a:prstDash val="solid"/>
+            <a:round/>
+            <a:headEnd type="none" w="med" len="med"/>
+            <a:tailEnd type="none" w="med" len="med"/>
+          </a:ln>
+        </p:spPr>
+        <p:style>
+          <a:lnRef idx="2">
+            <a:schemeClr val="accent1">
+              <a:shade val="50000"/>
+            </a:schemeClr>
+          </a:lnRef>
+          <a:fillRef idx="1">
+            <a:schemeClr val="accent1"/>
+          </a:fillRef>
+          <a:effectRef idx="0">
+            <a:schemeClr val="accent1"/>
+          </a:effectRef>
+          <a:fontRef idx="minor">
+            <a:schemeClr val="lt1"/>
+          </a:fontRef>
+        </p:style>
+        <p:txBody>
+          <a:bodyPr rtlCol="0" anchor="ctr"/>
+          <a:lstStyle/>
+          <a:p>
+            <a:pPr algn="ctr"/>
+            <a:endParaRPr lang="en-US"/>
+          </a:p>
+        </p:txBody>
+      </p:sp>
+      <p:sp>
+        <p:nvSpPr>
+          <p:cNvPr id="9" name="TimerSliderBody"/>
+          <p:cNvSpPr/>
+          <p:nvPr>
+            <p:custDataLst>
+              <p:tags r:id="rId4"/>
+            </p:custDataLst>
+          </p:nvPr>
+        </p:nvSpPr>
+        <p:spPr>
+          <a:xfrm>
+            <a:off x="2959100" y="889000"/>
+            <a:ext cx="50800" cy="5080000"/>
+          </a:xfrm>
+          <a:prstGeom prst="rect">
+            <a:avLst/>
+          </a:prstGeom>
+          <a:solidFill>
+            <a:srgbClr val="F79646"/>
+          </a:solidFill>
+          <a:ln w="25400" cap="flat" cmpd="sng" algn="ctr">
+            <a:solidFill>
+              <a:schemeClr val="accent1">
+                <a:shade val="50000"/>
+                <a:alpha val="0"/>
+              </a:schemeClr>
+            </a:solidFill>
+            <a:prstDash val="solid"/>
+            <a:round/>
+            <a:headEnd type="none" w="med" len="med"/>
+            <a:tailEnd type="none" w="med" len="med"/>
+          </a:ln>
+        </p:spPr>
+        <p:style>
+          <a:lnRef idx="2">
+            <a:schemeClr val="accent1">
+              <a:shade val="50000"/>
+            </a:schemeClr>
+          </a:lnRef>
+          <a:fillRef idx="1">
+            <a:schemeClr val="accent1"/>
+          </a:fillRef>
+          <a:effectRef idx="0">
+            <a:schemeClr val="accent1"/>
+          </a:effectRef>
+          <a:fontRef idx="minor">
+            <a:schemeClr val="lt1"/>
+          </a:fontRef>
+        </p:style>
+        <p:txBody>
+          <a:bodyPr rtlCol="0" anchor="ctr"/>
+          <a:lstStyle/>
+          <a:p>
+            <a:pPr algn="ctr"/>
+            <a:endParaRPr lang="en-US"/>
+          </a:p>
+        </p:txBody>
+      </p:sp>
     </p:spTree>
     <p:extLst>
       <p:ext uri="{BB962C8B-B14F-4D97-AF65-F5344CB8AC3E}">
-        <p14:creationId xmlns:p14="http://schemas.microsoft.com/office/powerpoint/2010/main" val="1518046671"/>
+        <p14:creationId xmlns:p14="http://schemas.microsoft.com/office/powerpoint/2010/main" val="257749458"/>
       </p:ext>
     </p:extLst>
   </p:cSld>
@@ -11882,11 +11907,11 @@
                                     <p:cond delay="0"/>
                                   </p:stCondLst>
                                   <p:childTnLst>
-                                    <p:animMotion origin="layout" path="M 0 0 L 0.2777778 0 E" pathEditMode="relative" ptsTypes="">
+                                    <p:animMotion origin="layout" path="M 0 0 L 0.3472222 0 E" pathEditMode="relative" ptsTypes="">
                                       <p:cBhvr>
-                                        <p:cTn id="6" dur="5000" fill="hold"/>
+                                        <p:cTn id="6" dur="7000" fill="hold"/>
                                         <p:tgtEl>
-                                          <p:spTgt spid="34"/>
+                                          <p:spTgt spid="8"/>
                                         </p:tgtEl>
                                         <p:attrNameLst>
                                           <p:attrName>ppt_x</p:attrName>
@@ -11903,11 +11928,11 @@
                                     <p:cond delay="0"/>
                                   </p:stCondLst>
                                   <p:childTnLst>
-                                    <p:animMotion origin="layout" path="M 0 0 L 0.2777778 0 E" pathEditMode="relative" ptsTypes="">
+                                    <p:animMotion origin="layout" path="M 0 0 L 0.3472222 0 E" pathEditMode="relative" ptsTypes="">
                                       <p:cBhvr>
-                                        <p:cTn id="8" dur="5000" fill="hold"/>
+                                        <p:cTn id="8" dur="7000" fill="hold"/>
                                         <p:tgtEl>
-                                          <p:spTgt spid="35"/>
+                                          <p:spTgt spid="9"/>
                                         </p:tgtEl>
                                         <p:attrNameLst>
                                           <p:attrName>ppt_x</p:attrName>
@@ -11924,7 +11949,7 @@
                         <p:par>
                           <p:cTn id="9" fill="hold">
                             <p:stCondLst>
-                              <p:cond delay="5000"/>
+                              <p:cond delay="7000"/>
                             </p:stCondLst>
                             <p:childTnLst>
                               <p:par>
@@ -11937,7 +11962,7 @@
                                       <p:cBhvr override="childStyle">
                                         <p:cTn id="11" dur="1" fill="hold"/>
                                         <p:tgtEl>
-                                          <p:spTgt spid="34"/>
+                                          <p:spTgt spid="8"/>
                                         </p:tgtEl>
                                         <p:attrNameLst>
                                           <p:attrName>style.color</p:attrName>
@@ -11951,7 +11976,7 @@
                                       <p:cBhvr>
                                         <p:cTn id="12" dur="1" fill="hold"/>
                                         <p:tgtEl>
-                                          <p:spTgt spid="34"/>
+                                          <p:spTgt spid="8"/>
                                         </p:tgtEl>
                                         <p:attrNameLst>
                                           <p:attrName>fillcolor</p:attrName>
@@ -11965,7 +11990,7 @@
                                       <p:cBhvr>
                                         <p:cTn id="13" dur="1" fill="hold"/>
                                         <p:tgtEl>
-                                          <p:spTgt spid="34"/>
+                                          <p:spTgt spid="8"/>
                                         </p:tgtEl>
                                         <p:attrNameLst>
                                           <p:attrName>stroke.color</p:attrName>
@@ -11979,7 +12004,7 @@
                                       <p:cBhvr>
                                         <p:cTn id="14" dur="1" fill="hold"/>
                                         <p:tgtEl>
-                                          <p:spTgt spid="34"/>
+                                          <p:spTgt spid="8"/>
                                         </p:tgtEl>
                                         <p:attrNameLst>
                                           <p:attrName>fill.type</p:attrName>
@@ -12002,7 +12027,7 @@
                                       <p:cBhvr override="childStyle">
                                         <p:cTn id="16" dur="1" fill="hold"/>
                                         <p:tgtEl>
-                                          <p:spTgt spid="35"/>
+                                          <p:spTgt spid="9"/>
                                         </p:tgtEl>
                                         <p:attrNameLst>
                                           <p:attrName>style.color</p:attrName>
@@ -12016,7 +12041,7 @@
                                       <p:cBhvr>
                                         <p:cTn id="17" dur="1" fill="hold"/>
                                         <p:tgtEl>
-                                          <p:spTgt spid="35"/>
+                                          <p:spTgt spid="9"/>
                                         </p:tgtEl>
                                         <p:attrNameLst>
                                           <p:attrName>fillcolor</p:attrName>
@@ -12030,7 +12055,7 @@
                                       <p:cBhvr>
                                         <p:cTn id="18" dur="1" fill="hold"/>
                                         <p:tgtEl>
-                                          <p:spTgt spid="35"/>
+                                          <p:spTgt spid="9"/>
                                         </p:tgtEl>
                                         <p:attrNameLst>
                                           <p:attrName>stroke.color</p:attrName>
@@ -12044,7 +12069,7 @@
                                       <p:cBhvr>
                                         <p:cTn id="19" dur="1" fill="hold"/>
                                         <p:tgtEl>
-                                          <p:spTgt spid="35"/>
+                                          <p:spTgt spid="9"/>
                                         </p:tgtEl>
                                         <p:attrNameLst>
                                           <p:attrName>fill.type</p:attrName>
@@ -12085,10 +12110,10 @@
       </p:par>
     </p:tnLst>
     <p:bldLst>
-      <p:bldP spid="34" grpId="0" animBg="1"/>
-      <p:bldP spid="34" grpId="1" animBg="1"/>
-      <p:bldP spid="35" grpId="0" animBg="1"/>
-      <p:bldP spid="35" grpId="1" animBg="1"/>
+      <p:bldP spid="8" grpId="0" animBg="1"/>
+      <p:bldP spid="8" grpId="1" animBg="1"/>
+      <p:bldP spid="9" grpId="0" animBg="1"/>
+      <p:bldP spid="9" grpId="1" animBg="1"/>
     </p:bldLst>
   </p:timing>
 </p:sld>
@@ -12121,7 +12146,7 @@
       </p:grpSpPr>
       <p:sp>
         <p:nvSpPr>
-          <p:cNvPr id="2" name="TimerBody"/>
+          <p:cNvPr id="16" name="TimerBody"/>
           <p:cNvSpPr/>
           <p:nvPr>
             <p:custDataLst>
@@ -12131,8 +12156,8 @@
         </p:nvSpPr>
         <p:spPr>
           <a:xfrm>
-            <a:off x="419100" y="571500"/>
-            <a:ext cx="8305800" cy="5715000"/>
+            <a:off x="419100" y="889000"/>
+            <a:ext cx="8305800" cy="5080000"/>
           </a:xfrm>
           <a:prstGeom prst="rect">
             <a:avLst/>
@@ -12173,7 +12198,7 @@
       </p:sp>
       <p:sp>
         <p:nvSpPr>
-          <p:cNvPr id="34" name="TimerSliderHead"/>
+          <p:cNvPr id="8" name="TimerSliderHead"/>
           <p:cNvSpPr/>
           <p:nvPr>
             <p:custDataLst>
@@ -12183,7 +12208,7 @@
         </p:nvSpPr>
         <p:spPr>
           <a:xfrm rot="10800000">
-            <a:off x="292100" y="444500"/>
+            <a:off x="292100" y="762000"/>
             <a:ext cx="254000" cy="254000"/>
           </a:xfrm>
           <a:prstGeom prst="triangle">
@@ -12232,7 +12257,7 @@
       </p:sp>
       <p:sp>
         <p:nvSpPr>
-          <p:cNvPr id="35" name="TimerSliderBody"/>
+          <p:cNvPr id="9" name="TimerSliderBody"/>
           <p:cNvSpPr/>
           <p:nvPr>
             <p:custDataLst>
@@ -12242,8 +12267,8 @@
         </p:nvSpPr>
         <p:spPr>
           <a:xfrm>
-            <a:off x="393700" y="571500"/>
-            <a:ext cx="50800" cy="5715000"/>
+            <a:off x="393700" y="889000"/>
+            <a:ext cx="50800" cy="5080000"/>
           </a:xfrm>
           <a:prstGeom prst="rect">
             <a:avLst/>
@@ -12301,10 +12326,10 @@
         </p:nvGrpSpPr>
         <p:grpSpPr>
           <a:xfrm>
-            <a:off x="699700" y="571500"/>
-            <a:ext cx="7856838" cy="5715000"/>
-            <a:chOff x="85811" y="0"/>
-            <a:chExt cx="2402703" cy="5715000"/>
+            <a:off x="699701" y="889000"/>
+            <a:ext cx="7856838" cy="5080000"/>
+            <a:chOff x="107264" y="0"/>
+            <a:chExt cx="3003378" cy="5080000"/>
           </a:xfrm>
         </p:grpSpPr>
         <p:cxnSp>
@@ -12319,13 +12344,17 @@
           </p:nvCxnSpPr>
           <p:spPr>
             <a:xfrm>
-              <a:off x="85811" y="0"/>
-              <a:ext cx="0" cy="5715000"/>
+              <a:off x="107264" y="0"/>
+              <a:ext cx="0" cy="5080000"/>
             </a:xfrm>
             <a:prstGeom prst="line">
               <a:avLst/>
             </a:prstGeom>
-            <a:ln w="25400"/>
+            <a:ln w="25400">
+              <a:solidFill>
+                <a:srgbClr val="4472C4"/>
+              </a:solidFill>
+            </a:ln>
           </p:spPr>
           <p:style>
             <a:lnRef idx="1">
@@ -12354,13 +12383,17 @@
           </p:nvCxnSpPr>
           <p:spPr>
             <a:xfrm>
-              <a:off x="171622" y="0"/>
-              <a:ext cx="0" cy="5715000"/>
+              <a:off x="214527" y="0"/>
+              <a:ext cx="0" cy="5080000"/>
             </a:xfrm>
             <a:prstGeom prst="line">
               <a:avLst/>
             </a:prstGeom>
-            <a:ln w="25400"/>
+            <a:ln w="25400">
+              <a:solidFill>
+                <a:srgbClr val="4472C4"/>
+              </a:solidFill>
+            </a:ln>
           </p:spPr>
           <p:style>
             <a:lnRef idx="1">
@@ -12389,13 +12422,17 @@
           </p:nvCxnSpPr>
           <p:spPr>
             <a:xfrm>
-              <a:off x="257432" y="0"/>
-              <a:ext cx="0" cy="5715000"/>
+              <a:off x="321791" y="0"/>
+              <a:ext cx="0" cy="5080000"/>
             </a:xfrm>
             <a:prstGeom prst="line">
               <a:avLst/>
             </a:prstGeom>
-            <a:ln w="25400"/>
+            <a:ln w="25400">
+              <a:solidFill>
+                <a:srgbClr val="4472C4"/>
+              </a:solidFill>
+            </a:ln>
           </p:spPr>
           <p:style>
             <a:lnRef idx="1">
@@ -12424,13 +12461,17 @@
           </p:nvCxnSpPr>
           <p:spPr>
             <a:xfrm>
-              <a:off x="343243" y="0"/>
-              <a:ext cx="0" cy="5715000"/>
+              <a:off x="429054" y="0"/>
+              <a:ext cx="0" cy="5080000"/>
             </a:xfrm>
             <a:prstGeom prst="line">
               <a:avLst/>
             </a:prstGeom>
-            <a:ln w="25400"/>
+            <a:ln w="25400">
+              <a:solidFill>
+                <a:srgbClr val="4472C4"/>
+              </a:solidFill>
+            </a:ln>
           </p:spPr>
           <p:style>
             <a:lnRef idx="1">
@@ -12459,13 +12500,17 @@
           </p:nvCxnSpPr>
           <p:spPr>
             <a:xfrm>
-              <a:off x="429054" y="0"/>
-              <a:ext cx="0" cy="5715000"/>
+              <a:off x="536318" y="0"/>
+              <a:ext cx="0" cy="5080000"/>
             </a:xfrm>
             <a:prstGeom prst="line">
               <a:avLst/>
             </a:prstGeom>
-            <a:ln w="25400"/>
+            <a:ln w="25400">
+              <a:solidFill>
+                <a:srgbClr val="4472C4"/>
+              </a:solidFill>
+            </a:ln>
           </p:spPr>
           <p:style>
             <a:lnRef idx="1">
@@ -12494,13 +12539,17 @@
           </p:nvCxnSpPr>
           <p:spPr>
             <a:xfrm>
-              <a:off x="514865" y="0"/>
-              <a:ext cx="0" cy="5715000"/>
+              <a:off x="643581" y="0"/>
+              <a:ext cx="0" cy="5080000"/>
             </a:xfrm>
             <a:prstGeom prst="line">
               <a:avLst/>
             </a:prstGeom>
-            <a:ln w="50800"/>
+            <a:ln w="50800">
+              <a:solidFill>
+                <a:srgbClr val="4472C4"/>
+              </a:solidFill>
+            </a:ln>
           </p:spPr>
           <p:style>
             <a:lnRef idx="1">
@@ -12529,13 +12578,17 @@
           </p:nvCxnSpPr>
           <p:spPr>
             <a:xfrm>
-              <a:off x="600676" y="0"/>
-              <a:ext cx="0" cy="5715000"/>
+              <a:off x="750845" y="0"/>
+              <a:ext cx="0" cy="5080000"/>
             </a:xfrm>
             <a:prstGeom prst="line">
               <a:avLst/>
             </a:prstGeom>
-            <a:ln w="25400"/>
+            <a:ln w="25400">
+              <a:solidFill>
+                <a:srgbClr val="4472C4"/>
+              </a:solidFill>
+            </a:ln>
           </p:spPr>
           <p:style>
             <a:lnRef idx="1">
@@ -12564,13 +12617,17 @@
           </p:nvCxnSpPr>
           <p:spPr>
             <a:xfrm>
-              <a:off x="686486" y="0"/>
-              <a:ext cx="0" cy="5715000"/>
+              <a:off x="858108" y="0"/>
+              <a:ext cx="0" cy="5080000"/>
             </a:xfrm>
             <a:prstGeom prst="line">
               <a:avLst/>
             </a:prstGeom>
-            <a:ln w="25400"/>
+            <a:ln w="25400">
+              <a:solidFill>
+                <a:srgbClr val="4472C4"/>
+              </a:solidFill>
+            </a:ln>
           </p:spPr>
           <p:style>
             <a:lnRef idx="1">
@@ -12599,13 +12656,17 @@
           </p:nvCxnSpPr>
           <p:spPr>
             <a:xfrm>
-              <a:off x="772297" y="0"/>
-              <a:ext cx="0" cy="5715000"/>
+              <a:off x="965372" y="0"/>
+              <a:ext cx="0" cy="5080000"/>
             </a:xfrm>
             <a:prstGeom prst="line">
               <a:avLst/>
             </a:prstGeom>
-            <a:ln w="25400"/>
+            <a:ln w="25400">
+              <a:solidFill>
+                <a:srgbClr val="4472C4"/>
+              </a:solidFill>
+            </a:ln>
           </p:spPr>
           <p:style>
             <a:lnRef idx="1">
@@ -12634,13 +12695,17 @@
           </p:nvCxnSpPr>
           <p:spPr>
             <a:xfrm>
-              <a:off x="858108" y="0"/>
-              <a:ext cx="0" cy="5715000"/>
+              <a:off x="1072635" y="0"/>
+              <a:ext cx="0" cy="5080000"/>
             </a:xfrm>
             <a:prstGeom prst="line">
               <a:avLst/>
             </a:prstGeom>
-            <a:ln w="25400"/>
+            <a:ln w="25400">
+              <a:solidFill>
+                <a:srgbClr val="4472C4"/>
+              </a:solidFill>
+            </a:ln>
           </p:spPr>
           <p:style>
             <a:lnRef idx="1">
@@ -12669,13 +12734,17 @@
           </p:nvCxnSpPr>
           <p:spPr>
             <a:xfrm>
-              <a:off x="943919" y="0"/>
-              <a:ext cx="0" cy="5715000"/>
+              <a:off x="1179899" y="0"/>
+              <a:ext cx="0" cy="5080000"/>
             </a:xfrm>
             <a:prstGeom prst="line">
               <a:avLst/>
             </a:prstGeom>
-            <a:ln w="25400"/>
+            <a:ln w="25400">
+              <a:solidFill>
+                <a:srgbClr val="4472C4"/>
+              </a:solidFill>
+            </a:ln>
           </p:spPr>
           <p:style>
             <a:lnRef idx="1">
@@ -12704,13 +12773,17 @@
           </p:nvCxnSpPr>
           <p:spPr>
             <a:xfrm>
-              <a:off x="1029730" y="0"/>
-              <a:ext cx="0" cy="5715000"/>
+              <a:off x="1287162" y="0"/>
+              <a:ext cx="0" cy="5080000"/>
             </a:xfrm>
             <a:prstGeom prst="line">
               <a:avLst/>
             </a:prstGeom>
-            <a:ln w="50800"/>
+            <a:ln w="50800">
+              <a:solidFill>
+                <a:srgbClr val="4472C4"/>
+              </a:solidFill>
+            </a:ln>
           </p:spPr>
           <p:style>
             <a:lnRef idx="1">
@@ -12739,13 +12812,17 @@
           </p:nvCxnSpPr>
           <p:spPr>
             <a:xfrm>
-              <a:off x="1115541" y="0"/>
-              <a:ext cx="0" cy="5715000"/>
+              <a:off x="1394426" y="0"/>
+              <a:ext cx="0" cy="5080000"/>
             </a:xfrm>
             <a:prstGeom prst="line">
               <a:avLst/>
             </a:prstGeom>
-            <a:ln w="25400"/>
+            <a:ln w="25400">
+              <a:solidFill>
+                <a:srgbClr val="4472C4"/>
+              </a:solidFill>
+            </a:ln>
           </p:spPr>
           <p:style>
             <a:lnRef idx="1">
@@ -12774,13 +12851,17 @@
           </p:nvCxnSpPr>
           <p:spPr>
             <a:xfrm>
-              <a:off x="1201351" y="0"/>
-              <a:ext cx="0" cy="5715000"/>
+              <a:off x="1501689" y="0"/>
+              <a:ext cx="0" cy="5080000"/>
             </a:xfrm>
             <a:prstGeom prst="line">
               <a:avLst/>
             </a:prstGeom>
-            <a:ln w="25400"/>
+            <a:ln w="25400">
+              <a:solidFill>
+                <a:srgbClr val="4472C4"/>
+              </a:solidFill>
+            </a:ln>
           </p:spPr>
           <p:style>
             <a:lnRef idx="1">
@@ -12809,13 +12890,17 @@
           </p:nvCxnSpPr>
           <p:spPr>
             <a:xfrm>
-              <a:off x="1287162" y="0"/>
-              <a:ext cx="0" cy="5715000"/>
+              <a:off x="1608953" y="0"/>
+              <a:ext cx="0" cy="5080000"/>
             </a:xfrm>
             <a:prstGeom prst="line">
               <a:avLst/>
             </a:prstGeom>
-            <a:ln w="25400"/>
+            <a:ln w="25400">
+              <a:solidFill>
+                <a:srgbClr val="4472C4"/>
+              </a:solidFill>
+            </a:ln>
           </p:spPr>
           <p:style>
             <a:lnRef idx="1">
@@ -12844,13 +12929,17 @@
           </p:nvCxnSpPr>
           <p:spPr>
             <a:xfrm>
-              <a:off x="1372973" y="0"/>
-              <a:ext cx="0" cy="5715000"/>
+              <a:off x="1716216" y="0"/>
+              <a:ext cx="0" cy="5080000"/>
             </a:xfrm>
             <a:prstGeom prst="line">
               <a:avLst/>
             </a:prstGeom>
-            <a:ln w="25400"/>
+            <a:ln w="25400">
+              <a:solidFill>
+                <a:srgbClr val="4472C4"/>
+              </a:solidFill>
+            </a:ln>
           </p:spPr>
           <p:style>
             <a:lnRef idx="1">
@@ -12879,13 +12968,17 @@
           </p:nvCxnSpPr>
           <p:spPr>
             <a:xfrm>
-              <a:off x="1458784" y="0"/>
-              <a:ext cx="0" cy="5715000"/>
+              <a:off x="1823480" y="0"/>
+              <a:ext cx="0" cy="5080000"/>
             </a:xfrm>
             <a:prstGeom prst="line">
               <a:avLst/>
             </a:prstGeom>
-            <a:ln w="25400"/>
+            <a:ln w="25400">
+              <a:solidFill>
+                <a:srgbClr val="4472C4"/>
+              </a:solidFill>
+            </a:ln>
           </p:spPr>
           <p:style>
             <a:lnRef idx="1">
@@ -12914,13 +13007,17 @@
           </p:nvCxnSpPr>
           <p:spPr>
             <a:xfrm>
-              <a:off x="1544595" y="0"/>
-              <a:ext cx="0" cy="5715000"/>
+              <a:off x="1930743" y="0"/>
+              <a:ext cx="0" cy="5080000"/>
             </a:xfrm>
             <a:prstGeom prst="line">
               <a:avLst/>
             </a:prstGeom>
-            <a:ln w="50800"/>
+            <a:ln w="50800">
+              <a:solidFill>
+                <a:srgbClr val="4472C4"/>
+              </a:solidFill>
+            </a:ln>
           </p:spPr>
           <p:style>
             <a:lnRef idx="1">
@@ -12949,13 +13046,17 @@
           </p:nvCxnSpPr>
           <p:spPr>
             <a:xfrm>
-              <a:off x="1630406" y="0"/>
-              <a:ext cx="0" cy="5715000"/>
+              <a:off x="2038007" y="0"/>
+              <a:ext cx="0" cy="5080000"/>
             </a:xfrm>
             <a:prstGeom prst="line">
               <a:avLst/>
             </a:prstGeom>
-            <a:ln w="25400"/>
+            <a:ln w="25400">
+              <a:solidFill>
+                <a:srgbClr val="4472C4"/>
+              </a:solidFill>
+            </a:ln>
           </p:spPr>
           <p:style>
             <a:lnRef idx="1">
@@ -12984,13 +13085,17 @@
           </p:nvCxnSpPr>
           <p:spPr>
             <a:xfrm>
-              <a:off x="1716216" y="0"/>
-              <a:ext cx="0" cy="5715000"/>
+              <a:off x="2145270" y="0"/>
+              <a:ext cx="0" cy="5080000"/>
             </a:xfrm>
             <a:prstGeom prst="line">
               <a:avLst/>
             </a:prstGeom>
-            <a:ln w="25400"/>
+            <a:ln w="25400">
+              <a:solidFill>
+                <a:srgbClr val="4472C4"/>
+              </a:solidFill>
+            </a:ln>
           </p:spPr>
           <p:style>
             <a:lnRef idx="1">
@@ -13019,13 +13124,17 @@
           </p:nvCxnSpPr>
           <p:spPr>
             <a:xfrm>
-              <a:off x="1802027" y="0"/>
-              <a:ext cx="0" cy="5715000"/>
+              <a:off x="2252534" y="0"/>
+              <a:ext cx="0" cy="5080000"/>
             </a:xfrm>
             <a:prstGeom prst="line">
               <a:avLst/>
             </a:prstGeom>
-            <a:ln w="25400"/>
+            <a:ln w="25400">
+              <a:solidFill>
+                <a:srgbClr val="4472C4"/>
+              </a:solidFill>
+            </a:ln>
           </p:spPr>
           <p:style>
             <a:lnRef idx="1">
@@ -13054,13 +13163,17 @@
           </p:nvCxnSpPr>
           <p:spPr>
             <a:xfrm>
-              <a:off x="1887838" y="0"/>
-              <a:ext cx="0" cy="5715000"/>
+              <a:off x="2359797" y="0"/>
+              <a:ext cx="0" cy="5080000"/>
             </a:xfrm>
             <a:prstGeom prst="line">
               <a:avLst/>
             </a:prstGeom>
-            <a:ln w="25400"/>
+            <a:ln w="25400">
+              <a:solidFill>
+                <a:srgbClr val="4472C4"/>
+              </a:solidFill>
+            </a:ln>
           </p:spPr>
           <p:style>
             <a:lnRef idx="1">
@@ -13089,13 +13202,17 @@
           </p:nvCxnSpPr>
           <p:spPr>
             <a:xfrm>
-              <a:off x="1973649" y="0"/>
-              <a:ext cx="0" cy="5715000"/>
+              <a:off x="2467061" y="0"/>
+              <a:ext cx="0" cy="5080000"/>
             </a:xfrm>
             <a:prstGeom prst="line">
               <a:avLst/>
             </a:prstGeom>
-            <a:ln w="25400"/>
+            <a:ln w="25400">
+              <a:solidFill>
+                <a:srgbClr val="4472C4"/>
+              </a:solidFill>
+            </a:ln>
           </p:spPr>
           <p:style>
             <a:lnRef idx="1">
@@ -13124,13 +13241,17 @@
           </p:nvCxnSpPr>
           <p:spPr>
             <a:xfrm>
-              <a:off x="2059460" y="0"/>
-              <a:ext cx="0" cy="5715000"/>
+              <a:off x="2574324" y="0"/>
+              <a:ext cx="0" cy="5080000"/>
             </a:xfrm>
             <a:prstGeom prst="line">
               <a:avLst/>
             </a:prstGeom>
-            <a:ln w="50800"/>
+            <a:ln w="50800">
+              <a:solidFill>
+                <a:srgbClr val="4472C4"/>
+              </a:solidFill>
+            </a:ln>
           </p:spPr>
           <p:style>
             <a:lnRef idx="1">
@@ -13159,13 +13280,17 @@
           </p:nvCxnSpPr>
           <p:spPr>
             <a:xfrm>
-              <a:off x="2145270" y="0"/>
-              <a:ext cx="0" cy="5715000"/>
+              <a:off x="2681588" y="0"/>
+              <a:ext cx="0" cy="5080000"/>
             </a:xfrm>
             <a:prstGeom prst="line">
               <a:avLst/>
             </a:prstGeom>
-            <a:ln w="25400"/>
+            <a:ln w="25400">
+              <a:solidFill>
+                <a:srgbClr val="4472C4"/>
+              </a:solidFill>
+            </a:ln>
           </p:spPr>
           <p:style>
             <a:lnRef idx="1">
@@ -13194,13 +13319,17 @@
           </p:nvCxnSpPr>
           <p:spPr>
             <a:xfrm>
-              <a:off x="2231081" y="0"/>
-              <a:ext cx="0" cy="5715000"/>
+              <a:off x="2788851" y="0"/>
+              <a:ext cx="0" cy="5080000"/>
             </a:xfrm>
             <a:prstGeom prst="line">
               <a:avLst/>
             </a:prstGeom>
-            <a:ln w="25400"/>
+            <a:ln w="25400">
+              <a:solidFill>
+                <a:srgbClr val="4472C4"/>
+              </a:solidFill>
+            </a:ln>
           </p:spPr>
           <p:style>
             <a:lnRef idx="1">
@@ -13229,13 +13358,17 @@
           </p:nvCxnSpPr>
           <p:spPr>
             <a:xfrm>
-              <a:off x="2316892" y="0"/>
-              <a:ext cx="0" cy="5715000"/>
+              <a:off x="2896115" y="0"/>
+              <a:ext cx="0" cy="5080000"/>
             </a:xfrm>
             <a:prstGeom prst="line">
               <a:avLst/>
             </a:prstGeom>
-            <a:ln w="25400"/>
+            <a:ln w="25400">
+              <a:solidFill>
+                <a:srgbClr val="4472C4"/>
+              </a:solidFill>
+            </a:ln>
           </p:spPr>
           <p:style>
             <a:lnRef idx="1">
@@ -13264,13 +13397,17 @@
           </p:nvCxnSpPr>
           <p:spPr>
             <a:xfrm>
-              <a:off x="2402703" y="0"/>
-              <a:ext cx="0" cy="5715000"/>
+              <a:off x="3003378" y="0"/>
+              <a:ext cx="0" cy="5080000"/>
             </a:xfrm>
             <a:prstGeom prst="line">
               <a:avLst/>
             </a:prstGeom>
-            <a:ln w="25400"/>
+            <a:ln w="25400">
+              <a:solidFill>
+                <a:srgbClr val="4472C4"/>
+              </a:solidFill>
+            </a:ln>
           </p:spPr>
           <p:style>
             <a:lnRef idx="1">
@@ -13299,13 +13436,17 @@
           </p:nvCxnSpPr>
           <p:spPr>
             <a:xfrm>
-              <a:off x="2488514" y="0"/>
-              <a:ext cx="0" cy="5715000"/>
+              <a:off x="3110642" y="0"/>
+              <a:ext cx="0" cy="5080000"/>
             </a:xfrm>
             <a:prstGeom prst="line">
               <a:avLst/>
             </a:prstGeom>
-            <a:ln w="25400"/>
+            <a:ln w="25400">
+              <a:solidFill>
+                <a:srgbClr val="4472C4"/>
+              </a:solidFill>
+            </a:ln>
           </p:spPr>
           <p:style>
             <a:lnRef idx="1">
@@ -13335,10 +13476,10 @@
         </p:nvGrpSpPr>
         <p:grpSpPr>
           <a:xfrm>
-            <a:off x="419100" y="6286500"/>
+            <a:off x="419100" y="5969000"/>
             <a:ext cx="8305800" cy="381000"/>
             <a:chOff x="0" y="0"/>
-            <a:chExt cx="2552700" cy="381000"/>
+            <a:chExt cx="3187700" cy="381000"/>
           </a:xfrm>
         </p:grpSpPr>
         <p:sp>
@@ -13426,7 +13567,7 @@
           </p:nvSpPr>
           <p:spPr>
             <a:xfrm>
-              <a:off x="514865" y="0"/>
+              <a:off x="643581" y="0"/>
               <a:ext cx="12700" cy="381000"/>
             </a:xfrm>
             <a:prstGeom prst="rect">
@@ -13499,7 +13640,7 @@
           </p:nvSpPr>
           <p:spPr>
             <a:xfrm>
-              <a:off x="1029730" y="0"/>
+              <a:off x="1287162" y="0"/>
               <a:ext cx="12700" cy="381000"/>
             </a:xfrm>
             <a:prstGeom prst="rect">
@@ -13572,7 +13713,7 @@
           </p:nvSpPr>
           <p:spPr>
             <a:xfrm>
-              <a:off x="1544595" y="0"/>
+              <a:off x="1930743" y="0"/>
               <a:ext cx="12700" cy="381000"/>
             </a:xfrm>
             <a:prstGeom prst="rect">
@@ -13645,7 +13786,7 @@
           </p:nvSpPr>
           <p:spPr>
             <a:xfrm>
-              <a:off x="2059460" y="0"/>
+              <a:off x="2574324" y="0"/>
               <a:ext cx="12700" cy="381000"/>
             </a:xfrm>
             <a:prstGeom prst="rect">
@@ -13718,7 +13859,7 @@
           </p:nvSpPr>
           <p:spPr>
             <a:xfrm>
-              <a:off x="2540000" y="0"/>
+              <a:off x="3175000" y="0"/>
               <a:ext cx="12700" cy="381000"/>
             </a:xfrm>
             <a:prstGeom prst="rect">
@@ -13783,7 +13924,7 @@
     </p:spTree>
     <p:extLst>
       <p:ext uri="{BB962C8B-B14F-4D97-AF65-F5344CB8AC3E}">
-        <p14:creationId xmlns:p14="http://schemas.microsoft.com/office/powerpoint/2010/main" val="2139903488"/>
+        <p14:creationId xmlns:p14="http://schemas.microsoft.com/office/powerpoint/2010/main" val="2537636607"/>
       </p:ext>
     </p:extLst>
   </p:cSld>
@@ -13820,7 +13961,7 @@
                                       <p:cBhvr>
                                         <p:cTn id="6" dur="296000" fill="hold"/>
                                         <p:tgtEl>
-                                          <p:spTgt spid="34"/>
+                                          <p:spTgt spid="8"/>
                                         </p:tgtEl>
                                         <p:attrNameLst>
                                           <p:attrName>ppt_x</p:attrName>
@@ -13841,7 +13982,7 @@
                                       <p:cBhvr>
                                         <p:cTn id="8" dur="296000" fill="hold"/>
                                         <p:tgtEl>
-                                          <p:spTgt spid="35"/>
+                                          <p:spTgt spid="9"/>
                                         </p:tgtEl>
                                         <p:attrNameLst>
                                           <p:attrName>ppt_x</p:attrName>
@@ -13871,7 +14012,7 @@
                                       <p:cBhvr override="childStyle">
                                         <p:cTn id="11" dur="1" fill="hold"/>
                                         <p:tgtEl>
-                                          <p:spTgt spid="34"/>
+                                          <p:spTgt spid="8"/>
                                         </p:tgtEl>
                                         <p:attrNameLst>
                                           <p:attrName>style.color</p:attrName>
@@ -13885,7 +14026,7 @@
                                       <p:cBhvr>
                                         <p:cTn id="12" dur="1" fill="hold"/>
                                         <p:tgtEl>
-                                          <p:spTgt spid="34"/>
+                                          <p:spTgt spid="8"/>
                                         </p:tgtEl>
                                         <p:attrNameLst>
                                           <p:attrName>fillcolor</p:attrName>
@@ -13899,7 +14040,7 @@
                                       <p:cBhvr>
                                         <p:cTn id="13" dur="1" fill="hold"/>
                                         <p:tgtEl>
-                                          <p:spTgt spid="34"/>
+                                          <p:spTgt spid="8"/>
                                         </p:tgtEl>
                                         <p:attrNameLst>
                                           <p:attrName>stroke.color</p:attrName>
@@ -13913,7 +14054,7 @@
                                       <p:cBhvr>
                                         <p:cTn id="14" dur="1" fill="hold"/>
                                         <p:tgtEl>
-                                          <p:spTgt spid="34"/>
+                                          <p:spTgt spid="8"/>
                                         </p:tgtEl>
                                         <p:attrNameLst>
                                           <p:attrName>fill.type</p:attrName>
@@ -13936,7 +14077,7 @@
                                       <p:cBhvr override="childStyle">
                                         <p:cTn id="16" dur="1" fill="hold"/>
                                         <p:tgtEl>
-                                          <p:spTgt spid="35"/>
+                                          <p:spTgt spid="9"/>
                                         </p:tgtEl>
                                         <p:attrNameLst>
                                           <p:attrName>style.color</p:attrName>
@@ -13950,7 +14091,7 @@
                                       <p:cBhvr>
                                         <p:cTn id="17" dur="1" fill="hold"/>
                                         <p:tgtEl>
-                                          <p:spTgt spid="35"/>
+                                          <p:spTgt spid="9"/>
                                         </p:tgtEl>
                                         <p:attrNameLst>
                                           <p:attrName>fillcolor</p:attrName>
@@ -13964,7 +14105,7 @@
                                       <p:cBhvr>
                                         <p:cTn id="18" dur="1" fill="hold"/>
                                         <p:tgtEl>
-                                          <p:spTgt spid="35"/>
+                                          <p:spTgt spid="9"/>
                                         </p:tgtEl>
                                         <p:attrNameLst>
                                           <p:attrName>stroke.color</p:attrName>
@@ -13978,7 +14119,7 @@
                                       <p:cBhvr>
                                         <p:cTn id="19" dur="1" fill="hold"/>
                                         <p:tgtEl>
-                                          <p:spTgt spid="35"/>
+                                          <p:spTgt spid="9"/>
                                         </p:tgtEl>
                                         <p:attrNameLst>
                                           <p:attrName>fill.type</p:attrName>
@@ -14019,10 +14160,10 @@
       </p:par>
     </p:tnLst>
     <p:bldLst>
-      <p:bldP spid="34" grpId="0" animBg="1"/>
-      <p:bldP spid="34" grpId="1" animBg="1"/>
-      <p:bldP spid="35" grpId="0" animBg="1"/>
-      <p:bldP spid="35" grpId="1" animBg="1"/>
+      <p:bldP spid="8" grpId="0" animBg="1"/>
+      <p:bldP spid="8" grpId="1" animBg="1"/>
+      <p:bldP spid="9" grpId="0" animBg="1"/>
+      <p:bldP spid="9" grpId="1" animBg="1"/>
     </p:bldLst>
   </p:timing>
 </p:sld>
@@ -14055,7 +14196,7 @@
       </p:grpSpPr>
       <p:sp>
         <p:nvSpPr>
-          <p:cNvPr id="2" name="TimerBody"/>
+          <p:cNvPr id="16" name="TimerBody"/>
           <p:cNvSpPr/>
           <p:nvPr>
             <p:custDataLst>
@@ -14065,8 +14206,8 @@
         </p:nvSpPr>
         <p:spPr>
           <a:xfrm>
-            <a:off x="419100" y="571500"/>
-            <a:ext cx="8305800" cy="5715000"/>
+            <a:off x="419100" y="889000"/>
+            <a:ext cx="8305800" cy="5080000"/>
           </a:xfrm>
           <a:prstGeom prst="rect">
             <a:avLst/>
@@ -14107,7 +14248,7 @@
       </p:sp>
       <p:sp>
         <p:nvSpPr>
-          <p:cNvPr id="34" name="TimerSliderHead"/>
+          <p:cNvPr id="8" name="TimerSliderHead"/>
           <p:cNvSpPr/>
           <p:nvPr>
             <p:custDataLst>
@@ -14117,7 +14258,7 @@
         </p:nvSpPr>
         <p:spPr>
           <a:xfrm rot="10800000">
-            <a:off x="292100" y="444500"/>
+            <a:off x="292100" y="762000"/>
             <a:ext cx="254000" cy="254000"/>
           </a:xfrm>
           <a:prstGeom prst="triangle">
@@ -14166,7 +14307,7 @@
       </p:sp>
       <p:sp>
         <p:nvSpPr>
-          <p:cNvPr id="35" name="TimerSliderBody"/>
+          <p:cNvPr id="9" name="TimerSliderBody"/>
           <p:cNvSpPr/>
           <p:nvPr>
             <p:custDataLst>
@@ -14176,8 +14317,8 @@
         </p:nvSpPr>
         <p:spPr>
           <a:xfrm>
-            <a:off x="393700" y="571500"/>
-            <a:ext cx="50800" cy="5715000"/>
+            <a:off x="393700" y="889000"/>
+            <a:ext cx="50800" cy="5080000"/>
           </a:xfrm>
           <a:prstGeom prst="rect">
             <a:avLst/>
@@ -14235,10 +14376,10 @@
         </p:nvGrpSpPr>
         <p:grpSpPr>
           <a:xfrm>
-            <a:off x="649817" y="571500"/>
-            <a:ext cx="7844367" cy="5715000"/>
+            <a:off x="649817" y="889000"/>
+            <a:ext cx="7844367" cy="5080000"/>
             <a:chOff x="230717" y="0"/>
-            <a:chExt cx="7844367" cy="5715000"/>
+            <a:chExt cx="7844367" cy="5080000"/>
           </a:xfrm>
         </p:grpSpPr>
         <p:cxnSp>
@@ -14254,12 +14395,16 @@
           <p:spPr>
             <a:xfrm>
               <a:off x="230717" y="0"/>
-              <a:ext cx="0" cy="5715000"/>
+              <a:ext cx="0" cy="5080000"/>
             </a:xfrm>
             <a:prstGeom prst="line">
               <a:avLst/>
             </a:prstGeom>
-            <a:ln w="25400"/>
+            <a:ln w="25400">
+              <a:solidFill>
+                <a:srgbClr val="4472C4"/>
+              </a:solidFill>
+            </a:ln>
           </p:spPr>
           <p:style>
             <a:lnRef idx="1">
@@ -14289,12 +14434,16 @@
           <p:spPr>
             <a:xfrm>
               <a:off x="461433" y="0"/>
-              <a:ext cx="0" cy="5715000"/>
+              <a:ext cx="0" cy="5080000"/>
             </a:xfrm>
             <a:prstGeom prst="line">
               <a:avLst/>
             </a:prstGeom>
-            <a:ln w="25400"/>
+            <a:ln w="25400">
+              <a:solidFill>
+                <a:srgbClr val="4472C4"/>
+              </a:solidFill>
+            </a:ln>
           </p:spPr>
           <p:style>
             <a:lnRef idx="1">
@@ -14324,12 +14473,16 @@
           <p:spPr>
             <a:xfrm>
               <a:off x="692150" y="0"/>
-              <a:ext cx="0" cy="5715000"/>
+              <a:ext cx="0" cy="5080000"/>
             </a:xfrm>
             <a:prstGeom prst="line">
               <a:avLst/>
             </a:prstGeom>
-            <a:ln w="25400"/>
+            <a:ln w="25400">
+              <a:solidFill>
+                <a:srgbClr val="4472C4"/>
+              </a:solidFill>
+            </a:ln>
           </p:spPr>
           <p:style>
             <a:lnRef idx="1">
@@ -14359,12 +14512,16 @@
           <p:spPr>
             <a:xfrm>
               <a:off x="922867" y="0"/>
-              <a:ext cx="0" cy="5715000"/>
+              <a:ext cx="0" cy="5080000"/>
             </a:xfrm>
             <a:prstGeom prst="line">
               <a:avLst/>
             </a:prstGeom>
-            <a:ln w="25400"/>
+            <a:ln w="25400">
+              <a:solidFill>
+                <a:srgbClr val="4472C4"/>
+              </a:solidFill>
+            </a:ln>
           </p:spPr>
           <p:style>
             <a:lnRef idx="1">
@@ -14394,12 +14551,16 @@
           <p:spPr>
             <a:xfrm>
               <a:off x="1153583" y="0"/>
-              <a:ext cx="0" cy="5715000"/>
+              <a:ext cx="0" cy="5080000"/>
             </a:xfrm>
             <a:prstGeom prst="line">
               <a:avLst/>
             </a:prstGeom>
-            <a:ln w="25400"/>
+            <a:ln w="25400">
+              <a:solidFill>
+                <a:srgbClr val="4472C4"/>
+              </a:solidFill>
+            </a:ln>
           </p:spPr>
           <p:style>
             <a:lnRef idx="1">
@@ -14429,12 +14590,16 @@
           <p:spPr>
             <a:xfrm>
               <a:off x="1384300" y="0"/>
-              <a:ext cx="0" cy="5715000"/>
+              <a:ext cx="0" cy="5080000"/>
             </a:xfrm>
             <a:prstGeom prst="line">
               <a:avLst/>
             </a:prstGeom>
-            <a:ln w="50800"/>
+            <a:ln w="50800">
+              <a:solidFill>
+                <a:srgbClr val="4472C4"/>
+              </a:solidFill>
+            </a:ln>
           </p:spPr>
           <p:style>
             <a:lnRef idx="1">
@@ -14464,12 +14629,16 @@
           <p:spPr>
             <a:xfrm>
               <a:off x="1615017" y="0"/>
-              <a:ext cx="0" cy="5715000"/>
+              <a:ext cx="0" cy="5080000"/>
             </a:xfrm>
             <a:prstGeom prst="line">
               <a:avLst/>
             </a:prstGeom>
-            <a:ln w="25400"/>
+            <a:ln w="25400">
+              <a:solidFill>
+                <a:srgbClr val="4472C4"/>
+              </a:solidFill>
+            </a:ln>
           </p:spPr>
           <p:style>
             <a:lnRef idx="1">
@@ -14499,12 +14668,16 @@
           <p:spPr>
             <a:xfrm>
               <a:off x="1845733" y="0"/>
-              <a:ext cx="0" cy="5715000"/>
+              <a:ext cx="0" cy="5080000"/>
             </a:xfrm>
             <a:prstGeom prst="line">
               <a:avLst/>
             </a:prstGeom>
-            <a:ln w="25400"/>
+            <a:ln w="25400">
+              <a:solidFill>
+                <a:srgbClr val="4472C4"/>
+              </a:solidFill>
+            </a:ln>
           </p:spPr>
           <p:style>
             <a:lnRef idx="1">
@@ -14534,12 +14707,16 @@
           <p:spPr>
             <a:xfrm>
               <a:off x="2076450" y="0"/>
-              <a:ext cx="0" cy="5715000"/>
+              <a:ext cx="0" cy="5080000"/>
             </a:xfrm>
             <a:prstGeom prst="line">
               <a:avLst/>
             </a:prstGeom>
-            <a:ln w="25400"/>
+            <a:ln w="25400">
+              <a:solidFill>
+                <a:srgbClr val="4472C4"/>
+              </a:solidFill>
+            </a:ln>
           </p:spPr>
           <p:style>
             <a:lnRef idx="1">
@@ -14569,12 +14746,16 @@
           <p:spPr>
             <a:xfrm>
               <a:off x="2307167" y="0"/>
-              <a:ext cx="0" cy="5715000"/>
+              <a:ext cx="0" cy="5080000"/>
             </a:xfrm>
             <a:prstGeom prst="line">
               <a:avLst/>
             </a:prstGeom>
-            <a:ln w="25400"/>
+            <a:ln w="25400">
+              <a:solidFill>
+                <a:srgbClr val="4472C4"/>
+              </a:solidFill>
+            </a:ln>
           </p:spPr>
           <p:style>
             <a:lnRef idx="1">
@@ -14604,12 +14785,16 @@
           <p:spPr>
             <a:xfrm>
               <a:off x="2537883" y="0"/>
-              <a:ext cx="0" cy="5715000"/>
+              <a:ext cx="0" cy="5080000"/>
             </a:xfrm>
             <a:prstGeom prst="line">
               <a:avLst/>
             </a:prstGeom>
-            <a:ln w="25400"/>
+            <a:ln w="25400">
+              <a:solidFill>
+                <a:srgbClr val="4472C4"/>
+              </a:solidFill>
+            </a:ln>
           </p:spPr>
           <p:style>
             <a:lnRef idx="1">
@@ -14639,12 +14824,16 @@
           <p:spPr>
             <a:xfrm>
               <a:off x="2768600" y="0"/>
-              <a:ext cx="0" cy="5715000"/>
+              <a:ext cx="0" cy="5080000"/>
             </a:xfrm>
             <a:prstGeom prst="line">
               <a:avLst/>
             </a:prstGeom>
-            <a:ln w="50800"/>
+            <a:ln w="50800">
+              <a:solidFill>
+                <a:srgbClr val="4472C4"/>
+              </a:solidFill>
+            </a:ln>
           </p:spPr>
           <p:style>
             <a:lnRef idx="1">
@@ -14674,12 +14863,16 @@
           <p:spPr>
             <a:xfrm>
               <a:off x="2999317" y="0"/>
-              <a:ext cx="0" cy="5715000"/>
+              <a:ext cx="0" cy="5080000"/>
             </a:xfrm>
             <a:prstGeom prst="line">
               <a:avLst/>
             </a:prstGeom>
-            <a:ln w="25400"/>
+            <a:ln w="25400">
+              <a:solidFill>
+                <a:srgbClr val="4472C4"/>
+              </a:solidFill>
+            </a:ln>
           </p:spPr>
           <p:style>
             <a:lnRef idx="1">
@@ -14709,12 +14902,16 @@
           <p:spPr>
             <a:xfrm>
               <a:off x="3230033" y="0"/>
-              <a:ext cx="0" cy="5715000"/>
+              <a:ext cx="0" cy="5080000"/>
             </a:xfrm>
             <a:prstGeom prst="line">
               <a:avLst/>
             </a:prstGeom>
-            <a:ln w="25400"/>
+            <a:ln w="25400">
+              <a:solidFill>
+                <a:srgbClr val="4472C4"/>
+              </a:solidFill>
+            </a:ln>
           </p:spPr>
           <p:style>
             <a:lnRef idx="1">
@@ -14744,12 +14941,16 @@
           <p:spPr>
             <a:xfrm>
               <a:off x="3460750" y="0"/>
-              <a:ext cx="0" cy="5715000"/>
+              <a:ext cx="0" cy="5080000"/>
             </a:xfrm>
             <a:prstGeom prst="line">
               <a:avLst/>
             </a:prstGeom>
-            <a:ln w="25400"/>
+            <a:ln w="25400">
+              <a:solidFill>
+                <a:srgbClr val="4472C4"/>
+              </a:solidFill>
+            </a:ln>
           </p:spPr>
           <p:style>
             <a:lnRef idx="1">
@@ -14779,12 +14980,16 @@
           <p:spPr>
             <a:xfrm>
               <a:off x="3691467" y="0"/>
-              <a:ext cx="0" cy="5715000"/>
+              <a:ext cx="0" cy="5080000"/>
             </a:xfrm>
             <a:prstGeom prst="line">
               <a:avLst/>
             </a:prstGeom>
-            <a:ln w="25400"/>
+            <a:ln w="25400">
+              <a:solidFill>
+                <a:srgbClr val="4472C4"/>
+              </a:solidFill>
+            </a:ln>
           </p:spPr>
           <p:style>
             <a:lnRef idx="1">
@@ -14814,12 +15019,16 @@
           <p:spPr>
             <a:xfrm>
               <a:off x="3922183" y="0"/>
-              <a:ext cx="0" cy="5715000"/>
+              <a:ext cx="0" cy="5080000"/>
             </a:xfrm>
             <a:prstGeom prst="line">
               <a:avLst/>
             </a:prstGeom>
-            <a:ln w="25400"/>
+            <a:ln w="25400">
+              <a:solidFill>
+                <a:srgbClr val="4472C4"/>
+              </a:solidFill>
+            </a:ln>
           </p:spPr>
           <p:style>
             <a:lnRef idx="1">
@@ -14849,12 +15058,16 @@
           <p:spPr>
             <a:xfrm>
               <a:off x="4152900" y="0"/>
-              <a:ext cx="0" cy="5715000"/>
+              <a:ext cx="0" cy="5080000"/>
             </a:xfrm>
             <a:prstGeom prst="line">
               <a:avLst/>
             </a:prstGeom>
-            <a:ln w="50800"/>
+            <a:ln w="50800">
+              <a:solidFill>
+                <a:srgbClr val="4472C4"/>
+              </a:solidFill>
+            </a:ln>
           </p:spPr>
           <p:style>
             <a:lnRef idx="1">
@@ -14884,12 +15097,16 @@
           <p:spPr>
             <a:xfrm>
               <a:off x="4383617" y="0"/>
-              <a:ext cx="0" cy="5715000"/>
+              <a:ext cx="0" cy="5080000"/>
             </a:xfrm>
             <a:prstGeom prst="line">
               <a:avLst/>
             </a:prstGeom>
-            <a:ln w="25400"/>
+            <a:ln w="25400">
+              <a:solidFill>
+                <a:srgbClr val="4472C4"/>
+              </a:solidFill>
+            </a:ln>
           </p:spPr>
           <p:style>
             <a:lnRef idx="1">
@@ -14919,12 +15136,16 @@
           <p:spPr>
             <a:xfrm>
               <a:off x="4614333" y="0"/>
-              <a:ext cx="0" cy="5715000"/>
+              <a:ext cx="0" cy="5080000"/>
             </a:xfrm>
             <a:prstGeom prst="line">
               <a:avLst/>
             </a:prstGeom>
-            <a:ln w="25400"/>
+            <a:ln w="25400">
+              <a:solidFill>
+                <a:srgbClr val="4472C4"/>
+              </a:solidFill>
+            </a:ln>
           </p:spPr>
           <p:style>
             <a:lnRef idx="1">
@@ -14954,12 +15175,16 @@
           <p:spPr>
             <a:xfrm>
               <a:off x="4845050" y="0"/>
-              <a:ext cx="0" cy="5715000"/>
+              <a:ext cx="0" cy="5080000"/>
             </a:xfrm>
             <a:prstGeom prst="line">
               <a:avLst/>
             </a:prstGeom>
-            <a:ln w="25400"/>
+            <a:ln w="25400">
+              <a:solidFill>
+                <a:srgbClr val="4472C4"/>
+              </a:solidFill>
+            </a:ln>
           </p:spPr>
           <p:style>
             <a:lnRef idx="1">
@@ -14989,12 +15214,16 @@
           <p:spPr>
             <a:xfrm>
               <a:off x="5075767" y="0"/>
-              <a:ext cx="0" cy="5715000"/>
+              <a:ext cx="0" cy="5080000"/>
             </a:xfrm>
             <a:prstGeom prst="line">
               <a:avLst/>
             </a:prstGeom>
-            <a:ln w="25400"/>
+            <a:ln w="25400">
+              <a:solidFill>
+                <a:srgbClr val="4472C4"/>
+              </a:solidFill>
+            </a:ln>
           </p:spPr>
           <p:style>
             <a:lnRef idx="1">
@@ -15024,12 +15253,16 @@
           <p:spPr>
             <a:xfrm>
               <a:off x="5306483" y="0"/>
-              <a:ext cx="0" cy="5715000"/>
+              <a:ext cx="0" cy="5080000"/>
             </a:xfrm>
             <a:prstGeom prst="line">
               <a:avLst/>
             </a:prstGeom>
-            <a:ln w="25400"/>
+            <a:ln w="25400">
+              <a:solidFill>
+                <a:srgbClr val="4472C4"/>
+              </a:solidFill>
+            </a:ln>
           </p:spPr>
           <p:style>
             <a:lnRef idx="1">
@@ -15059,12 +15292,16 @@
           <p:spPr>
             <a:xfrm>
               <a:off x="5537200" y="0"/>
-              <a:ext cx="0" cy="5715000"/>
+              <a:ext cx="0" cy="5080000"/>
             </a:xfrm>
             <a:prstGeom prst="line">
               <a:avLst/>
             </a:prstGeom>
-            <a:ln w="50800"/>
+            <a:ln w="50800">
+              <a:solidFill>
+                <a:srgbClr val="4472C4"/>
+              </a:solidFill>
+            </a:ln>
           </p:spPr>
           <p:style>
             <a:lnRef idx="1">
@@ -15094,12 +15331,16 @@
           <p:spPr>
             <a:xfrm>
               <a:off x="5767917" y="0"/>
-              <a:ext cx="0" cy="5715000"/>
+              <a:ext cx="0" cy="5080000"/>
             </a:xfrm>
             <a:prstGeom prst="line">
               <a:avLst/>
             </a:prstGeom>
-            <a:ln w="25400"/>
+            <a:ln w="25400">
+              <a:solidFill>
+                <a:srgbClr val="4472C4"/>
+              </a:solidFill>
+            </a:ln>
           </p:spPr>
           <p:style>
             <a:lnRef idx="1">
@@ -15129,12 +15370,16 @@
           <p:spPr>
             <a:xfrm>
               <a:off x="5998633" y="0"/>
-              <a:ext cx="0" cy="5715000"/>
+              <a:ext cx="0" cy="5080000"/>
             </a:xfrm>
             <a:prstGeom prst="line">
               <a:avLst/>
             </a:prstGeom>
-            <a:ln w="25400"/>
+            <a:ln w="25400">
+              <a:solidFill>
+                <a:srgbClr val="4472C4"/>
+              </a:solidFill>
+            </a:ln>
           </p:spPr>
           <p:style>
             <a:lnRef idx="1">
@@ -15164,12 +15409,16 @@
           <p:spPr>
             <a:xfrm>
               <a:off x="6229350" y="0"/>
-              <a:ext cx="0" cy="5715000"/>
+              <a:ext cx="0" cy="5080000"/>
             </a:xfrm>
             <a:prstGeom prst="line">
               <a:avLst/>
             </a:prstGeom>
-            <a:ln w="25400"/>
+            <a:ln w="25400">
+              <a:solidFill>
+                <a:srgbClr val="4472C4"/>
+              </a:solidFill>
+            </a:ln>
           </p:spPr>
           <p:style>
             <a:lnRef idx="1">
@@ -15199,12 +15448,16 @@
           <p:spPr>
             <a:xfrm>
               <a:off x="6460067" y="0"/>
-              <a:ext cx="0" cy="5715000"/>
+              <a:ext cx="0" cy="5080000"/>
             </a:xfrm>
             <a:prstGeom prst="line">
               <a:avLst/>
             </a:prstGeom>
-            <a:ln w="25400"/>
+            <a:ln w="25400">
+              <a:solidFill>
+                <a:srgbClr val="4472C4"/>
+              </a:solidFill>
+            </a:ln>
           </p:spPr>
           <p:style>
             <a:lnRef idx="1">
@@ -15234,12 +15487,16 @@
           <p:spPr>
             <a:xfrm>
               <a:off x="6690784" y="0"/>
-              <a:ext cx="0" cy="5715000"/>
+              <a:ext cx="0" cy="5080000"/>
             </a:xfrm>
             <a:prstGeom prst="line">
               <a:avLst/>
             </a:prstGeom>
-            <a:ln w="25400"/>
+            <a:ln w="25400">
+              <a:solidFill>
+                <a:srgbClr val="4472C4"/>
+              </a:solidFill>
+            </a:ln>
           </p:spPr>
           <p:style>
             <a:lnRef idx="1">
@@ -15269,12 +15526,16 @@
           <p:spPr>
             <a:xfrm>
               <a:off x="6921500" y="0"/>
-              <a:ext cx="0" cy="5715000"/>
+              <a:ext cx="0" cy="5080000"/>
             </a:xfrm>
             <a:prstGeom prst="line">
               <a:avLst/>
             </a:prstGeom>
-            <a:ln w="50800"/>
+            <a:ln w="50800">
+              <a:solidFill>
+                <a:srgbClr val="4472C4"/>
+              </a:solidFill>
+            </a:ln>
           </p:spPr>
           <p:style>
             <a:lnRef idx="1">
@@ -15304,12 +15565,16 @@
           <p:spPr>
             <a:xfrm>
               <a:off x="7152217" y="0"/>
-              <a:ext cx="0" cy="5715000"/>
+              <a:ext cx="0" cy="5080000"/>
             </a:xfrm>
             <a:prstGeom prst="line">
               <a:avLst/>
             </a:prstGeom>
-            <a:ln w="25400"/>
+            <a:ln w="25400">
+              <a:solidFill>
+                <a:srgbClr val="4472C4"/>
+              </a:solidFill>
+            </a:ln>
           </p:spPr>
           <p:style>
             <a:lnRef idx="1">
@@ -15339,12 +15604,16 @@
           <p:spPr>
             <a:xfrm>
               <a:off x="7382934" y="0"/>
-              <a:ext cx="0" cy="5715000"/>
+              <a:ext cx="0" cy="5080000"/>
             </a:xfrm>
             <a:prstGeom prst="line">
               <a:avLst/>
             </a:prstGeom>
-            <a:ln w="25400"/>
+            <a:ln w="25400">
+              <a:solidFill>
+                <a:srgbClr val="4472C4"/>
+              </a:solidFill>
+            </a:ln>
           </p:spPr>
           <p:style>
             <a:lnRef idx="1">
@@ -15374,12 +15643,16 @@
           <p:spPr>
             <a:xfrm>
               <a:off x="7613650" y="0"/>
-              <a:ext cx="0" cy="5715000"/>
+              <a:ext cx="0" cy="5080000"/>
             </a:xfrm>
             <a:prstGeom prst="line">
               <a:avLst/>
             </a:prstGeom>
-            <a:ln w="25400"/>
+            <a:ln w="25400">
+              <a:solidFill>
+                <a:srgbClr val="4472C4"/>
+              </a:solidFill>
+            </a:ln>
           </p:spPr>
           <p:style>
             <a:lnRef idx="1">
@@ -15409,12 +15682,16 @@
           <p:spPr>
             <a:xfrm>
               <a:off x="7844367" y="0"/>
-              <a:ext cx="0" cy="5715000"/>
+              <a:ext cx="0" cy="5080000"/>
             </a:xfrm>
             <a:prstGeom prst="line">
               <a:avLst/>
             </a:prstGeom>
-            <a:ln w="25400"/>
+            <a:ln w="25400">
+              <a:solidFill>
+                <a:srgbClr val="4472C4"/>
+              </a:solidFill>
+            </a:ln>
           </p:spPr>
           <p:style>
             <a:lnRef idx="1">
@@ -15444,12 +15721,16 @@
           <p:spPr>
             <a:xfrm>
               <a:off x="8075084" y="0"/>
-              <a:ext cx="0" cy="5715000"/>
+              <a:ext cx="0" cy="5080000"/>
             </a:xfrm>
             <a:prstGeom prst="line">
               <a:avLst/>
             </a:prstGeom>
-            <a:ln w="25400"/>
+            <a:ln w="25400">
+              <a:solidFill>
+                <a:srgbClr val="4472C4"/>
+              </a:solidFill>
+            </a:ln>
           </p:spPr>
           <p:style>
             <a:lnRef idx="1">
@@ -15479,7 +15760,7 @@
         </p:nvGrpSpPr>
         <p:grpSpPr>
           <a:xfrm>
-            <a:off x="419100" y="6286500"/>
+            <a:off x="419100" y="5969000"/>
             <a:ext cx="8305800" cy="381000"/>
             <a:chOff x="0" y="0"/>
             <a:chExt cx="8318500" cy="381000"/>
@@ -16000,7 +16281,7 @@
     </p:spTree>
     <p:extLst>
       <p:ext uri="{BB962C8B-B14F-4D97-AF65-F5344CB8AC3E}">
-        <p14:creationId xmlns:p14="http://schemas.microsoft.com/office/powerpoint/2010/main" val="62666803"/>
+        <p14:creationId xmlns:p14="http://schemas.microsoft.com/office/powerpoint/2010/main" val="3582498107"/>
       </p:ext>
     </p:extLst>
   </p:cSld>
@@ -16037,7 +16318,7 @@
                                       <p:cBhvr>
                                         <p:cTn id="6" dur="360000" fill="hold"/>
                                         <p:tgtEl>
-                                          <p:spTgt spid="34"/>
+                                          <p:spTgt spid="8"/>
                                         </p:tgtEl>
                                         <p:attrNameLst>
                                           <p:attrName>ppt_x</p:attrName>
@@ -16058,7 +16339,7 @@
                                       <p:cBhvr>
                                         <p:cTn id="8" dur="360000" fill="hold"/>
                                         <p:tgtEl>
-                                          <p:spTgt spid="35"/>
+                                          <p:spTgt spid="9"/>
                                         </p:tgtEl>
                                         <p:attrNameLst>
                                           <p:attrName>ppt_x</p:attrName>
@@ -16088,7 +16369,7 @@
                                       <p:cBhvr override="childStyle">
                                         <p:cTn id="11" dur="1" fill="hold"/>
                                         <p:tgtEl>
-                                          <p:spTgt spid="34"/>
+                                          <p:spTgt spid="8"/>
                                         </p:tgtEl>
                                         <p:attrNameLst>
                                           <p:attrName>style.color</p:attrName>
@@ -16102,7 +16383,7 @@
                                       <p:cBhvr>
                                         <p:cTn id="12" dur="1" fill="hold"/>
                                         <p:tgtEl>
-                                          <p:spTgt spid="34"/>
+                                          <p:spTgt spid="8"/>
                                         </p:tgtEl>
                                         <p:attrNameLst>
                                           <p:attrName>fillcolor</p:attrName>
@@ -16116,7 +16397,7 @@
                                       <p:cBhvr>
                                         <p:cTn id="13" dur="1" fill="hold"/>
                                         <p:tgtEl>
-                                          <p:spTgt spid="34"/>
+                                          <p:spTgt spid="8"/>
                                         </p:tgtEl>
                                         <p:attrNameLst>
                                           <p:attrName>stroke.color</p:attrName>
@@ -16130,7 +16411,7 @@
                                       <p:cBhvr>
                                         <p:cTn id="14" dur="1" fill="hold"/>
                                         <p:tgtEl>
-                                          <p:spTgt spid="34"/>
+                                          <p:spTgt spid="8"/>
                                         </p:tgtEl>
                                         <p:attrNameLst>
                                           <p:attrName>fill.type</p:attrName>
@@ -16153,7 +16434,7 @@
                                       <p:cBhvr override="childStyle">
                                         <p:cTn id="16" dur="1" fill="hold"/>
                                         <p:tgtEl>
-                                          <p:spTgt spid="35"/>
+                                          <p:spTgt spid="9"/>
                                         </p:tgtEl>
                                         <p:attrNameLst>
                                           <p:attrName>style.color</p:attrName>
@@ -16167,7 +16448,7 @@
                                       <p:cBhvr>
                                         <p:cTn id="17" dur="1" fill="hold"/>
                                         <p:tgtEl>
-                                          <p:spTgt spid="35"/>
+                                          <p:spTgt spid="9"/>
                                         </p:tgtEl>
                                         <p:attrNameLst>
                                           <p:attrName>fillcolor</p:attrName>
@@ -16181,7 +16462,7 @@
                                       <p:cBhvr>
                                         <p:cTn id="18" dur="1" fill="hold"/>
                                         <p:tgtEl>
-                                          <p:spTgt spid="35"/>
+                                          <p:spTgt spid="9"/>
                                         </p:tgtEl>
                                         <p:attrNameLst>
                                           <p:attrName>stroke.color</p:attrName>
@@ -16195,7 +16476,7 @@
                                       <p:cBhvr>
                                         <p:cTn id="19" dur="1" fill="hold"/>
                                         <p:tgtEl>
-                                          <p:spTgt spid="35"/>
+                                          <p:spTgt spid="9"/>
                                         </p:tgtEl>
                                         <p:attrNameLst>
                                           <p:attrName>fill.type</p:attrName>
@@ -16236,10 +16517,10 @@
       </p:par>
     </p:tnLst>
     <p:bldLst>
-      <p:bldP spid="34" grpId="0" animBg="1"/>
-      <p:bldP spid="34" grpId="1" animBg="1"/>
-      <p:bldP spid="35" grpId="0" animBg="1"/>
-      <p:bldP spid="35" grpId="1" animBg="1"/>
+      <p:bldP spid="8" grpId="0" animBg="1"/>
+      <p:bldP spid="8" grpId="1" animBg="1"/>
+      <p:bldP spid="9" grpId="0" animBg="1"/>
+      <p:bldP spid="9" grpId="1" animBg="1"/>
     </p:bldLst>
   </p:timing>
 </p:sld>
@@ -16519,7 +16800,7 @@
       </p:grpSpPr>
       <p:sp>
         <p:nvSpPr>
-          <p:cNvPr id="19" name="TimerBody"/>
+          <p:cNvPr id="2" name="TimerBody"/>
           <p:cNvSpPr/>
           <p:nvPr>
             <p:custDataLst>
@@ -16571,7 +16852,7 @@
       </p:sp>
       <p:grpSp>
         <p:nvGrpSpPr>
-          <p:cNvPr id="32" name="TimerLineMarkerGroup"/>
+          <p:cNvPr id="12" name="TimerLineMarkerGroup"/>
           <p:cNvGrpSpPr/>
           <p:nvPr>
             <p:custDataLst>
@@ -16581,15 +16862,171 @@
         </p:nvGrpSpPr>
         <p:grpSpPr>
           <a:xfrm>
-            <a:off x="2032000" y="3111500"/>
-            <a:ext cx="5080000" cy="635000"/>
-            <a:chOff x="1270000" y="0"/>
-            <a:chExt cx="5080000" cy="635000"/>
+            <a:off x="1934308" y="3111500"/>
+            <a:ext cx="5861538" cy="635000"/>
+            <a:chOff x="1172308" y="0"/>
+            <a:chExt cx="5861538" cy="635000"/>
           </a:xfrm>
         </p:grpSpPr>
         <p:cxnSp>
           <p:nvCxnSpPr>
-            <p:cNvPr id="22" name="TimerLineMarker10"/>
+            <p:cNvPr id="4" name="TimerLineMarker10"/>
+            <p:cNvCxnSpPr/>
+            <p:nvPr>
+              <p:custDataLst>
+                <p:tags r:id="rId9"/>
+              </p:custDataLst>
+            </p:nvPr>
+          </p:nvCxnSpPr>
+          <p:spPr>
+            <a:xfrm>
+              <a:off x="1172308" y="0"/>
+              <a:ext cx="0" cy="635000"/>
+            </a:xfrm>
+            <a:prstGeom prst="line">
+              <a:avLst/>
+            </a:prstGeom>
+            <a:ln w="25400">
+              <a:solidFill>
+                <a:srgbClr val="4472C4"/>
+              </a:solidFill>
+            </a:ln>
+          </p:spPr>
+          <p:style>
+            <a:lnRef idx="1">
+              <a:schemeClr val="accent1"/>
+            </a:lnRef>
+            <a:fillRef idx="0">
+              <a:schemeClr val="accent1"/>
+            </a:fillRef>
+            <a:effectRef idx="0">
+              <a:schemeClr val="accent1"/>
+            </a:effectRef>
+            <a:fontRef idx="minor">
+              <a:schemeClr val="tx1"/>
+            </a:fontRef>
+          </p:style>
+        </p:cxnSp>
+        <p:cxnSp>
+          <p:nvCxnSpPr>
+            <p:cNvPr id="5" name="TimerLineMarker20"/>
+            <p:cNvCxnSpPr/>
+            <p:nvPr>
+              <p:custDataLst>
+                <p:tags r:id="rId10"/>
+              </p:custDataLst>
+            </p:nvPr>
+          </p:nvCxnSpPr>
+          <p:spPr>
+            <a:xfrm>
+              <a:off x="2344615" y="0"/>
+              <a:ext cx="0" cy="635000"/>
+            </a:xfrm>
+            <a:prstGeom prst="line">
+              <a:avLst/>
+            </a:prstGeom>
+            <a:ln w="25400">
+              <a:solidFill>
+                <a:srgbClr val="4472C4"/>
+              </a:solidFill>
+            </a:ln>
+          </p:spPr>
+          <p:style>
+            <a:lnRef idx="1">
+              <a:schemeClr val="accent1"/>
+            </a:lnRef>
+            <a:fillRef idx="0">
+              <a:schemeClr val="accent1"/>
+            </a:fillRef>
+            <a:effectRef idx="0">
+              <a:schemeClr val="accent1"/>
+            </a:effectRef>
+            <a:fontRef idx="minor">
+              <a:schemeClr val="tx1"/>
+            </a:fontRef>
+          </p:style>
+        </p:cxnSp>
+        <p:cxnSp>
+          <p:nvCxnSpPr>
+            <p:cNvPr id="6" name="TimerLineMarker30"/>
+            <p:cNvCxnSpPr/>
+            <p:nvPr>
+              <p:custDataLst>
+                <p:tags r:id="rId11"/>
+              </p:custDataLst>
+            </p:nvPr>
+          </p:nvCxnSpPr>
+          <p:spPr>
+            <a:xfrm>
+              <a:off x="3516923" y="0"/>
+              <a:ext cx="0" cy="635000"/>
+            </a:xfrm>
+            <a:prstGeom prst="line">
+              <a:avLst/>
+            </a:prstGeom>
+            <a:ln w="25400">
+              <a:solidFill>
+                <a:srgbClr val="4472C4"/>
+              </a:solidFill>
+            </a:ln>
+          </p:spPr>
+          <p:style>
+            <a:lnRef idx="1">
+              <a:schemeClr val="accent1"/>
+            </a:lnRef>
+            <a:fillRef idx="0">
+              <a:schemeClr val="accent1"/>
+            </a:fillRef>
+            <a:effectRef idx="0">
+              <a:schemeClr val="accent1"/>
+            </a:effectRef>
+            <a:fontRef idx="minor">
+              <a:schemeClr val="tx1"/>
+            </a:fontRef>
+          </p:style>
+        </p:cxnSp>
+        <p:cxnSp>
+          <p:nvCxnSpPr>
+            <p:cNvPr id="7" name="TimerLineMarker40"/>
+            <p:cNvCxnSpPr/>
+            <p:nvPr>
+              <p:custDataLst>
+                <p:tags r:id="rId12"/>
+              </p:custDataLst>
+            </p:nvPr>
+          </p:nvCxnSpPr>
+          <p:spPr>
+            <a:xfrm>
+              <a:off x="4689231" y="0"/>
+              <a:ext cx="0" cy="635000"/>
+            </a:xfrm>
+            <a:prstGeom prst="line">
+              <a:avLst/>
+            </a:prstGeom>
+            <a:ln w="25400">
+              <a:solidFill>
+                <a:srgbClr val="4472C4"/>
+              </a:solidFill>
+            </a:ln>
+          </p:spPr>
+          <p:style>
+            <a:lnRef idx="1">
+              <a:schemeClr val="accent1"/>
+            </a:lnRef>
+            <a:fillRef idx="0">
+              <a:schemeClr val="accent1"/>
+            </a:fillRef>
+            <a:effectRef idx="0">
+              <a:schemeClr val="accent1"/>
+            </a:effectRef>
+            <a:fontRef idx="minor">
+              <a:schemeClr val="tx1"/>
+            </a:fontRef>
+          </p:style>
+        </p:cxnSp>
+        <p:cxnSp>
+          <p:nvCxnSpPr>
+            <p:cNvPr id="8" name="TimerLineMarker50"/>
             <p:cNvCxnSpPr/>
             <p:nvPr>
               <p:custDataLst>
@@ -16599,13 +17036,17 @@
           </p:nvCxnSpPr>
           <p:spPr>
             <a:xfrm>
-              <a:off x="1270000" y="0"/>
+              <a:off x="5861538" y="0"/>
               <a:ext cx="0" cy="635000"/>
             </a:xfrm>
             <a:prstGeom prst="line">
               <a:avLst/>
             </a:prstGeom>
-            <a:ln w="25400"/>
+            <a:ln w="25400">
+              <a:solidFill>
+                <a:srgbClr val="4472C4"/>
+              </a:solidFill>
+            </a:ln>
           </p:spPr>
           <p:style>
             <a:lnRef idx="1">
@@ -16624,7 +17065,7 @@
         </p:cxnSp>
         <p:cxnSp>
           <p:nvCxnSpPr>
-            <p:cNvPr id="24" name="TimerLineMarker20"/>
+            <p:cNvPr id="10" name="TimerLineMarker60"/>
             <p:cNvCxnSpPr/>
             <p:nvPr>
               <p:custDataLst>
@@ -16634,118 +17075,17 @@
           </p:nvCxnSpPr>
           <p:spPr>
             <a:xfrm>
-              <a:off x="2540000" y="0"/>
+              <a:off x="7033846" y="0"/>
               <a:ext cx="0" cy="635000"/>
             </a:xfrm>
             <a:prstGeom prst="line">
               <a:avLst/>
             </a:prstGeom>
-            <a:ln w="25400"/>
-          </p:spPr>
-          <p:style>
-            <a:lnRef idx="1">
-              <a:schemeClr val="accent1"/>
-            </a:lnRef>
-            <a:fillRef idx="0">
-              <a:schemeClr val="accent1"/>
-            </a:fillRef>
-            <a:effectRef idx="0">
-              <a:schemeClr val="accent1"/>
-            </a:effectRef>
-            <a:fontRef idx="minor">
-              <a:schemeClr val="tx1"/>
-            </a:fontRef>
-          </p:style>
-        </p:cxnSp>
-        <p:cxnSp>
-          <p:nvCxnSpPr>
-            <p:cNvPr id="26" name="TimerLineMarker30"/>
-            <p:cNvCxnSpPr/>
-            <p:nvPr>
-              <p:custDataLst>
-                <p:tags r:id="rId15"/>
-              </p:custDataLst>
-            </p:nvPr>
-          </p:nvCxnSpPr>
-          <p:spPr>
-            <a:xfrm>
-              <a:off x="3810000" y="0"/>
-              <a:ext cx="0" cy="635000"/>
-            </a:xfrm>
-            <a:prstGeom prst="line">
-              <a:avLst/>
-            </a:prstGeom>
-            <a:ln w="25400"/>
-          </p:spPr>
-          <p:style>
-            <a:lnRef idx="1">
-              <a:schemeClr val="accent1"/>
-            </a:lnRef>
-            <a:fillRef idx="0">
-              <a:schemeClr val="accent1"/>
-            </a:fillRef>
-            <a:effectRef idx="0">
-              <a:schemeClr val="accent1"/>
-            </a:effectRef>
-            <a:fontRef idx="minor">
-              <a:schemeClr val="tx1"/>
-            </a:fontRef>
-          </p:style>
-        </p:cxnSp>
-        <p:cxnSp>
-          <p:nvCxnSpPr>
-            <p:cNvPr id="28" name="TimerLineMarker40"/>
-            <p:cNvCxnSpPr/>
-            <p:nvPr>
-              <p:custDataLst>
-                <p:tags r:id="rId16"/>
-              </p:custDataLst>
-            </p:nvPr>
-          </p:nvCxnSpPr>
-          <p:spPr>
-            <a:xfrm>
-              <a:off x="5080000" y="0"/>
-              <a:ext cx="0" cy="635000"/>
-            </a:xfrm>
-            <a:prstGeom prst="line">
-              <a:avLst/>
-            </a:prstGeom>
-            <a:ln w="25400"/>
-          </p:spPr>
-          <p:style>
-            <a:lnRef idx="1">
-              <a:schemeClr val="accent1"/>
-            </a:lnRef>
-            <a:fillRef idx="0">
-              <a:schemeClr val="accent1"/>
-            </a:fillRef>
-            <a:effectRef idx="0">
-              <a:schemeClr val="accent1"/>
-            </a:effectRef>
-            <a:fontRef idx="minor">
-              <a:schemeClr val="tx1"/>
-            </a:fontRef>
-          </p:style>
-        </p:cxnSp>
-        <p:cxnSp>
-          <p:nvCxnSpPr>
-            <p:cNvPr id="30" name="TimerLineMarker50"/>
-            <p:cNvCxnSpPr/>
-            <p:nvPr>
-              <p:custDataLst>
-                <p:tags r:id="rId17"/>
-              </p:custDataLst>
-            </p:nvPr>
-          </p:nvCxnSpPr>
-          <p:spPr>
-            <a:xfrm>
-              <a:off x="6350000" y="0"/>
-              <a:ext cx="0" cy="635000"/>
-            </a:xfrm>
-            <a:prstGeom prst="line">
-              <a:avLst/>
-            </a:prstGeom>
-            <a:ln w="25400"/>
+            <a:ln w="50800">
+              <a:solidFill>
+                <a:srgbClr val="4472C4"/>
+              </a:solidFill>
+            </a:ln>
           </p:spPr>
           <p:style>
             <a:lnRef idx="1">
@@ -16765,7 +17105,7 @@
       </p:grpSp>
       <p:grpSp>
         <p:nvGrpSpPr>
-          <p:cNvPr id="33" name="TimerTimeMarkerGroup"/>
+          <p:cNvPr id="13" name="TimerTimeMarkerGroup"/>
           <p:cNvGrpSpPr/>
           <p:nvPr>
             <p:custDataLst>
@@ -16783,7 +17123,7 @@
         </p:grpSpPr>
         <p:sp>
           <p:nvSpPr>
-            <p:cNvPr id="20" name="TimerTimeMarker0"/>
+            <p:cNvPr id="3" name="TimerTimeMarker0"/>
             <p:cNvSpPr/>
             <p:nvPr>
               <p:custDataLst>
@@ -16856,7 +17196,7 @@
         </p:sp>
         <p:sp>
           <p:nvSpPr>
-            <p:cNvPr id="21" name="TimerTimeMarker10"/>
+            <p:cNvPr id="9" name="TimerTimeMarker60"/>
             <p:cNvSpPr/>
             <p:nvPr>
               <p:custDataLst>
@@ -16866,7 +17206,7 @@
           </p:nvSpPr>
           <p:spPr>
             <a:xfrm>
-              <a:off x="1270000" y="0"/>
+              <a:off x="7033846" y="0"/>
               <a:ext cx="12700" cy="381000"/>
             </a:xfrm>
             <a:prstGeom prst="rect">
@@ -16917,7 +17257,7 @@
                     <a:srgbClr val="5A5A5A"/>
                   </a:solidFill>
                 </a:rPr>
-                <a:t>10</a:t>
+                <a:t>1</a:t>
               </a:r>
               <a:endParaRPr lang="en-US">
                 <a:solidFill>
@@ -16929,303 +17269,11 @@
         </p:sp>
         <p:sp>
           <p:nvSpPr>
-            <p:cNvPr id="23" name="TimerTimeMarker20"/>
+            <p:cNvPr id="11" name="TimerTimeMarker65"/>
             <p:cNvSpPr/>
             <p:nvPr>
               <p:custDataLst>
                 <p:tags r:id="rId8"/>
-              </p:custDataLst>
-            </p:nvPr>
-          </p:nvSpPr>
-          <p:spPr>
-            <a:xfrm>
-              <a:off x="2540000" y="0"/>
-              <a:ext cx="12700" cy="381000"/>
-            </a:xfrm>
-            <a:prstGeom prst="rect">
-              <a:avLst/>
-            </a:prstGeom>
-            <a:solidFill>
-              <a:schemeClr val="accent1">
-                <a:alpha val="0"/>
-              </a:schemeClr>
-            </a:solidFill>
-            <a:ln w="25400" cap="flat" cmpd="sng" algn="ctr">
-              <a:solidFill>
-                <a:schemeClr val="accent1">
-                  <a:shade val="50000"/>
-                  <a:alpha val="0"/>
-                </a:schemeClr>
-              </a:solidFill>
-              <a:prstDash val="solid"/>
-              <a:round/>
-              <a:headEnd type="none" w="med" len="med"/>
-              <a:tailEnd type="none" w="med" len="med"/>
-            </a:ln>
-          </p:spPr>
-          <p:style>
-            <a:lnRef idx="2">
-              <a:schemeClr val="accent1">
-                <a:shade val="50000"/>
-              </a:schemeClr>
-            </a:lnRef>
-            <a:fillRef idx="1">
-              <a:schemeClr val="accent1"/>
-            </a:fillRef>
-            <a:effectRef idx="0">
-              <a:schemeClr val="accent1"/>
-            </a:effectRef>
-            <a:fontRef idx="minor">
-              <a:schemeClr val="lt1"/>
-            </a:fontRef>
-          </p:style>
-          <p:txBody>
-            <a:bodyPr wrap="none" rtlCol="0" anchor="ctr"/>
-            <a:lstStyle/>
-            <a:p>
-              <a:pPr algn="ctr"/>
-              <a:r>
-                <a:rPr lang="en-US" smtClean="0">
-                  <a:solidFill>
-                    <a:srgbClr val="5A5A5A"/>
-                  </a:solidFill>
-                </a:rPr>
-                <a:t>20</a:t>
-              </a:r>
-              <a:endParaRPr lang="en-US">
-                <a:solidFill>
-                  <a:srgbClr val="5A5A5A"/>
-                </a:solidFill>
-              </a:endParaRPr>
-            </a:p>
-          </p:txBody>
-        </p:sp>
-        <p:sp>
-          <p:nvSpPr>
-            <p:cNvPr id="25" name="TimerTimeMarker30"/>
-            <p:cNvSpPr/>
-            <p:nvPr>
-              <p:custDataLst>
-                <p:tags r:id="rId9"/>
-              </p:custDataLst>
-            </p:nvPr>
-          </p:nvSpPr>
-          <p:spPr>
-            <a:xfrm>
-              <a:off x="3810000" y="0"/>
-              <a:ext cx="12700" cy="381000"/>
-            </a:xfrm>
-            <a:prstGeom prst="rect">
-              <a:avLst/>
-            </a:prstGeom>
-            <a:solidFill>
-              <a:schemeClr val="accent1">
-                <a:alpha val="0"/>
-              </a:schemeClr>
-            </a:solidFill>
-            <a:ln w="25400" cap="flat" cmpd="sng" algn="ctr">
-              <a:solidFill>
-                <a:schemeClr val="accent1">
-                  <a:shade val="50000"/>
-                  <a:alpha val="0"/>
-                </a:schemeClr>
-              </a:solidFill>
-              <a:prstDash val="solid"/>
-              <a:round/>
-              <a:headEnd type="none" w="med" len="med"/>
-              <a:tailEnd type="none" w="med" len="med"/>
-            </a:ln>
-          </p:spPr>
-          <p:style>
-            <a:lnRef idx="2">
-              <a:schemeClr val="accent1">
-                <a:shade val="50000"/>
-              </a:schemeClr>
-            </a:lnRef>
-            <a:fillRef idx="1">
-              <a:schemeClr val="accent1"/>
-            </a:fillRef>
-            <a:effectRef idx="0">
-              <a:schemeClr val="accent1"/>
-            </a:effectRef>
-            <a:fontRef idx="minor">
-              <a:schemeClr val="lt1"/>
-            </a:fontRef>
-          </p:style>
-          <p:txBody>
-            <a:bodyPr wrap="none" rtlCol="0" anchor="ctr"/>
-            <a:lstStyle/>
-            <a:p>
-              <a:pPr algn="ctr"/>
-              <a:r>
-                <a:rPr lang="en-US" smtClean="0">
-                  <a:solidFill>
-                    <a:srgbClr val="5A5A5A"/>
-                  </a:solidFill>
-                </a:rPr>
-                <a:t>30</a:t>
-              </a:r>
-              <a:endParaRPr lang="en-US">
-                <a:solidFill>
-                  <a:srgbClr val="5A5A5A"/>
-                </a:solidFill>
-              </a:endParaRPr>
-            </a:p>
-          </p:txBody>
-        </p:sp>
-        <p:sp>
-          <p:nvSpPr>
-            <p:cNvPr id="27" name="TimerTimeMarker40"/>
-            <p:cNvSpPr/>
-            <p:nvPr>
-              <p:custDataLst>
-                <p:tags r:id="rId10"/>
-              </p:custDataLst>
-            </p:nvPr>
-          </p:nvSpPr>
-          <p:spPr>
-            <a:xfrm>
-              <a:off x="5080000" y="0"/>
-              <a:ext cx="12700" cy="381000"/>
-            </a:xfrm>
-            <a:prstGeom prst="rect">
-              <a:avLst/>
-            </a:prstGeom>
-            <a:solidFill>
-              <a:schemeClr val="accent1">
-                <a:alpha val="0"/>
-              </a:schemeClr>
-            </a:solidFill>
-            <a:ln w="25400" cap="flat" cmpd="sng" algn="ctr">
-              <a:solidFill>
-                <a:schemeClr val="accent1">
-                  <a:shade val="50000"/>
-                  <a:alpha val="0"/>
-                </a:schemeClr>
-              </a:solidFill>
-              <a:prstDash val="solid"/>
-              <a:round/>
-              <a:headEnd type="none" w="med" len="med"/>
-              <a:tailEnd type="none" w="med" len="med"/>
-            </a:ln>
-          </p:spPr>
-          <p:style>
-            <a:lnRef idx="2">
-              <a:schemeClr val="accent1">
-                <a:shade val="50000"/>
-              </a:schemeClr>
-            </a:lnRef>
-            <a:fillRef idx="1">
-              <a:schemeClr val="accent1"/>
-            </a:fillRef>
-            <a:effectRef idx="0">
-              <a:schemeClr val="accent1"/>
-            </a:effectRef>
-            <a:fontRef idx="minor">
-              <a:schemeClr val="lt1"/>
-            </a:fontRef>
-          </p:style>
-          <p:txBody>
-            <a:bodyPr wrap="none" rtlCol="0" anchor="ctr"/>
-            <a:lstStyle/>
-            <a:p>
-              <a:pPr algn="ctr"/>
-              <a:r>
-                <a:rPr lang="en-US" smtClean="0">
-                  <a:solidFill>
-                    <a:srgbClr val="5A5A5A"/>
-                  </a:solidFill>
-                </a:rPr>
-                <a:t>40</a:t>
-              </a:r>
-              <a:endParaRPr lang="en-US">
-                <a:solidFill>
-                  <a:srgbClr val="5A5A5A"/>
-                </a:solidFill>
-              </a:endParaRPr>
-            </a:p>
-          </p:txBody>
-        </p:sp>
-        <p:sp>
-          <p:nvSpPr>
-            <p:cNvPr id="29" name="TimerTimeMarker50"/>
-            <p:cNvSpPr/>
-            <p:nvPr>
-              <p:custDataLst>
-                <p:tags r:id="rId11"/>
-              </p:custDataLst>
-            </p:nvPr>
-          </p:nvSpPr>
-          <p:spPr>
-            <a:xfrm>
-              <a:off x="6350000" y="0"/>
-              <a:ext cx="12700" cy="381000"/>
-            </a:xfrm>
-            <a:prstGeom prst="rect">
-              <a:avLst/>
-            </a:prstGeom>
-            <a:solidFill>
-              <a:schemeClr val="accent1">
-                <a:alpha val="0"/>
-              </a:schemeClr>
-            </a:solidFill>
-            <a:ln w="25400" cap="flat" cmpd="sng" algn="ctr">
-              <a:solidFill>
-                <a:schemeClr val="accent1">
-                  <a:shade val="50000"/>
-                  <a:alpha val="0"/>
-                </a:schemeClr>
-              </a:solidFill>
-              <a:prstDash val="solid"/>
-              <a:round/>
-              <a:headEnd type="none" w="med" len="med"/>
-              <a:tailEnd type="none" w="med" len="med"/>
-            </a:ln>
-          </p:spPr>
-          <p:style>
-            <a:lnRef idx="2">
-              <a:schemeClr val="accent1">
-                <a:shade val="50000"/>
-              </a:schemeClr>
-            </a:lnRef>
-            <a:fillRef idx="1">
-              <a:schemeClr val="accent1"/>
-            </a:fillRef>
-            <a:effectRef idx="0">
-              <a:schemeClr val="accent1"/>
-            </a:effectRef>
-            <a:fontRef idx="minor">
-              <a:schemeClr val="lt1"/>
-            </a:fontRef>
-          </p:style>
-          <p:txBody>
-            <a:bodyPr wrap="none" rtlCol="0" anchor="ctr"/>
-            <a:lstStyle/>
-            <a:p>
-              <a:pPr algn="ctr"/>
-              <a:r>
-                <a:rPr lang="en-US" smtClean="0">
-                  <a:solidFill>
-                    <a:srgbClr val="5A5A5A"/>
-                  </a:solidFill>
-                </a:rPr>
-                <a:t>50</a:t>
-              </a:r>
-              <a:endParaRPr lang="en-US">
-                <a:solidFill>
-                  <a:srgbClr val="5A5A5A"/>
-                </a:solidFill>
-              </a:endParaRPr>
-            </a:p>
-          </p:txBody>
-        </p:sp>
-        <p:sp>
-          <p:nvSpPr>
-            <p:cNvPr id="31" name="TimerTimeMarker60"/>
-            <p:cNvSpPr/>
-            <p:nvPr>
-              <p:custDataLst>
-                <p:tags r:id="rId12"/>
               </p:custDataLst>
             </p:nvPr>
           </p:nvSpPr>
@@ -17282,7 +17330,7 @@
                     <a:srgbClr val="5A5A5A"/>
                   </a:solidFill>
                 </a:rPr>
-                <a:t>60</a:t>
+                <a:t>1.05</a:t>
               </a:r>
               <a:endParaRPr lang="en-US">
                 <a:solidFill>
@@ -17295,7 +17343,7 @@
       </p:grpSp>
       <p:sp>
         <p:nvSpPr>
-          <p:cNvPr id="34" name="TimerSliderHead"/>
+          <p:cNvPr id="14" name="TimerSliderHead"/>
           <p:cNvSpPr/>
           <p:nvPr>
             <p:custDataLst>
@@ -17354,7 +17402,7 @@
       </p:sp>
       <p:sp>
         <p:nvSpPr>
-          <p:cNvPr id="35" name="TimerSliderBody"/>
+          <p:cNvPr id="15" name="TimerSliderBody"/>
           <p:cNvSpPr/>
           <p:nvPr>
             <p:custDataLst>
@@ -17414,7 +17462,7 @@
     </p:spTree>
     <p:extLst>
       <p:ext uri="{BB962C8B-B14F-4D97-AF65-F5344CB8AC3E}">
-        <p14:creationId xmlns:p14="http://schemas.microsoft.com/office/powerpoint/2010/main" val="1923309074"/>
+        <p14:creationId xmlns:p14="http://schemas.microsoft.com/office/powerpoint/2010/main" val="2020293490"/>
       </p:ext>
     </p:extLst>
   </p:cSld>
@@ -17449,9 +17497,9 @@
                                   <p:childTnLst>
                                     <p:animMotion origin="layout" path="M 0 0 L 0.8333333 0 E" pathEditMode="relative" ptsTypes="">
                                       <p:cBhvr>
-                                        <p:cTn id="6" dur="60000" fill="hold"/>
+                                        <p:cTn id="6" dur="65000" fill="hold"/>
                                         <p:tgtEl>
-                                          <p:spTgt spid="34"/>
+                                          <p:spTgt spid="14"/>
                                         </p:tgtEl>
                                         <p:attrNameLst>
                                           <p:attrName>ppt_x</p:attrName>
@@ -17470,9 +17518,9 @@
                                   <p:childTnLst>
                                     <p:animMotion origin="layout" path="M 0 0 L 0.8333333 0 E" pathEditMode="relative" ptsTypes="">
                                       <p:cBhvr>
-                                        <p:cTn id="8" dur="60000" fill="hold"/>
+                                        <p:cTn id="8" dur="65000" fill="hold"/>
                                         <p:tgtEl>
-                                          <p:spTgt spid="35"/>
+                                          <p:spTgt spid="15"/>
                                         </p:tgtEl>
                                         <p:attrNameLst>
                                           <p:attrName>ppt_x</p:attrName>
@@ -17489,7 +17537,7 @@
                         <p:par>
                           <p:cTn id="9" fill="hold">
                             <p:stCondLst>
-                              <p:cond delay="60000"/>
+                              <p:cond delay="65000"/>
                             </p:stCondLst>
                             <p:childTnLst>
                               <p:par>
@@ -17502,7 +17550,7 @@
                                       <p:cBhvr override="childStyle">
                                         <p:cTn id="11" dur="1" fill="hold"/>
                                         <p:tgtEl>
-                                          <p:spTgt spid="34"/>
+                                          <p:spTgt spid="14"/>
                                         </p:tgtEl>
                                         <p:attrNameLst>
                                           <p:attrName>style.color</p:attrName>
@@ -17516,7 +17564,7 @@
                                       <p:cBhvr>
                                         <p:cTn id="12" dur="1" fill="hold"/>
                                         <p:tgtEl>
-                                          <p:spTgt spid="34"/>
+                                          <p:spTgt spid="14"/>
                                         </p:tgtEl>
                                         <p:attrNameLst>
                                           <p:attrName>fillcolor</p:attrName>
@@ -17530,7 +17578,7 @@
                                       <p:cBhvr>
                                         <p:cTn id="13" dur="1" fill="hold"/>
                                         <p:tgtEl>
-                                          <p:spTgt spid="34"/>
+                                          <p:spTgt spid="14"/>
                                         </p:tgtEl>
                                         <p:attrNameLst>
                                           <p:attrName>stroke.color</p:attrName>
@@ -17544,7 +17592,7 @@
                                       <p:cBhvr>
                                         <p:cTn id="14" dur="1" fill="hold"/>
                                         <p:tgtEl>
-                                          <p:spTgt spid="34"/>
+                                          <p:spTgt spid="14"/>
                                         </p:tgtEl>
                                         <p:attrNameLst>
                                           <p:attrName>fill.type</p:attrName>
@@ -17567,7 +17615,7 @@
                                       <p:cBhvr override="childStyle">
                                         <p:cTn id="16" dur="1" fill="hold"/>
                                         <p:tgtEl>
-                                          <p:spTgt spid="35"/>
+                                          <p:spTgt spid="15"/>
                                         </p:tgtEl>
                                         <p:attrNameLst>
                                           <p:attrName>style.color</p:attrName>
@@ -17581,7 +17629,7 @@
                                       <p:cBhvr>
                                         <p:cTn id="17" dur="1" fill="hold"/>
                                         <p:tgtEl>
-                                          <p:spTgt spid="35"/>
+                                          <p:spTgt spid="15"/>
                                         </p:tgtEl>
                                         <p:attrNameLst>
                                           <p:attrName>fillcolor</p:attrName>
@@ -17595,7 +17643,7 @@
                                       <p:cBhvr>
                                         <p:cTn id="18" dur="1" fill="hold"/>
                                         <p:tgtEl>
-                                          <p:spTgt spid="35"/>
+                                          <p:spTgt spid="15"/>
                                         </p:tgtEl>
                                         <p:attrNameLst>
                                           <p:attrName>stroke.color</p:attrName>
@@ -17609,7 +17657,7 @@
                                       <p:cBhvr>
                                         <p:cTn id="19" dur="1" fill="hold"/>
                                         <p:tgtEl>
-                                          <p:spTgt spid="35"/>
+                                          <p:spTgt spid="15"/>
                                         </p:tgtEl>
                                         <p:attrNameLst>
                                           <p:attrName>fill.type</p:attrName>
@@ -17650,10 +17698,10 @@
       </p:par>
     </p:tnLst>
     <p:bldLst>
-      <p:bldP spid="34" grpId="0" animBg="1"/>
-      <p:bldP spid="34" grpId="1" animBg="1"/>
-      <p:bldP spid="35" grpId="0" animBg="1"/>
-      <p:bldP spid="35" grpId="1" animBg="1"/>
+      <p:bldP spid="14" grpId="0" animBg="1"/>
+      <p:bldP spid="14" grpId="1" animBg="1"/>
+      <p:bldP spid="15" grpId="0" animBg="1"/>
+      <p:bldP spid="15" grpId="1" animBg="1"/>
     </p:bldLst>
   </p:timing>
 </p:sld>
@@ -17686,7 +17734,7 @@
       </p:grpSpPr>
       <p:sp>
         <p:nvSpPr>
-          <p:cNvPr id="19" name="TimerBody"/>
+          <p:cNvPr id="2" name="TimerBody"/>
           <p:cNvSpPr/>
           <p:nvPr>
             <p:custDataLst>
@@ -17696,8 +17744,8 @@
         </p:nvSpPr>
         <p:spPr>
           <a:xfrm>
-            <a:off x="3302000" y="3111500"/>
-            <a:ext cx="2540000" cy="635000"/>
+            <a:off x="2984500" y="3111500"/>
+            <a:ext cx="3175000" cy="635000"/>
           </a:xfrm>
           <a:prstGeom prst="rect">
             <a:avLst/>
@@ -17738,7 +17786,7 @@
       </p:sp>
       <p:grpSp>
         <p:nvGrpSpPr>
-          <p:cNvPr id="32" name="TimerLineMarkerGroup"/>
+          <p:cNvPr id="12" name="TimerLineMarkerGroup"/>
           <p:cNvGrpSpPr/>
           <p:nvPr>
             <p:custDataLst>
@@ -17748,15 +17796,171 @@
         </p:nvGrpSpPr>
         <p:grpSpPr>
           <a:xfrm>
-            <a:off x="3725334" y="3111500"/>
-            <a:ext cx="1693333" cy="635000"/>
-            <a:chOff x="1270000" y="0"/>
-            <a:chExt cx="5080000" cy="635000"/>
+            <a:off x="3472962" y="3111500"/>
+            <a:ext cx="2442308" cy="635000"/>
+            <a:chOff x="1172308" y="0"/>
+            <a:chExt cx="5861538" cy="635000"/>
           </a:xfrm>
         </p:grpSpPr>
         <p:cxnSp>
           <p:nvCxnSpPr>
-            <p:cNvPr id="22" name="TimerLineMarker10"/>
+            <p:cNvPr id="4" name="TimerLineMarker10"/>
+            <p:cNvCxnSpPr/>
+            <p:nvPr>
+              <p:custDataLst>
+                <p:tags r:id="rId9"/>
+              </p:custDataLst>
+            </p:nvPr>
+          </p:nvCxnSpPr>
+          <p:spPr>
+            <a:xfrm>
+              <a:off x="1172308" y="0"/>
+              <a:ext cx="0" cy="635000"/>
+            </a:xfrm>
+            <a:prstGeom prst="line">
+              <a:avLst/>
+            </a:prstGeom>
+            <a:ln w="25400">
+              <a:solidFill>
+                <a:srgbClr val="4472C4"/>
+              </a:solidFill>
+            </a:ln>
+          </p:spPr>
+          <p:style>
+            <a:lnRef idx="1">
+              <a:schemeClr val="accent1"/>
+            </a:lnRef>
+            <a:fillRef idx="0">
+              <a:schemeClr val="accent1"/>
+            </a:fillRef>
+            <a:effectRef idx="0">
+              <a:schemeClr val="accent1"/>
+            </a:effectRef>
+            <a:fontRef idx="minor">
+              <a:schemeClr val="tx1"/>
+            </a:fontRef>
+          </p:style>
+        </p:cxnSp>
+        <p:cxnSp>
+          <p:nvCxnSpPr>
+            <p:cNvPr id="5" name="TimerLineMarker20"/>
+            <p:cNvCxnSpPr/>
+            <p:nvPr>
+              <p:custDataLst>
+                <p:tags r:id="rId10"/>
+              </p:custDataLst>
+            </p:nvPr>
+          </p:nvCxnSpPr>
+          <p:spPr>
+            <a:xfrm>
+              <a:off x="2344615" y="0"/>
+              <a:ext cx="0" cy="635000"/>
+            </a:xfrm>
+            <a:prstGeom prst="line">
+              <a:avLst/>
+            </a:prstGeom>
+            <a:ln w="25400">
+              <a:solidFill>
+                <a:srgbClr val="4472C4"/>
+              </a:solidFill>
+            </a:ln>
+          </p:spPr>
+          <p:style>
+            <a:lnRef idx="1">
+              <a:schemeClr val="accent1"/>
+            </a:lnRef>
+            <a:fillRef idx="0">
+              <a:schemeClr val="accent1"/>
+            </a:fillRef>
+            <a:effectRef idx="0">
+              <a:schemeClr val="accent1"/>
+            </a:effectRef>
+            <a:fontRef idx="minor">
+              <a:schemeClr val="tx1"/>
+            </a:fontRef>
+          </p:style>
+        </p:cxnSp>
+        <p:cxnSp>
+          <p:nvCxnSpPr>
+            <p:cNvPr id="6" name="TimerLineMarker30"/>
+            <p:cNvCxnSpPr/>
+            <p:nvPr>
+              <p:custDataLst>
+                <p:tags r:id="rId11"/>
+              </p:custDataLst>
+            </p:nvPr>
+          </p:nvCxnSpPr>
+          <p:spPr>
+            <a:xfrm>
+              <a:off x="3516923" y="0"/>
+              <a:ext cx="0" cy="635000"/>
+            </a:xfrm>
+            <a:prstGeom prst="line">
+              <a:avLst/>
+            </a:prstGeom>
+            <a:ln w="25400">
+              <a:solidFill>
+                <a:srgbClr val="4472C4"/>
+              </a:solidFill>
+            </a:ln>
+          </p:spPr>
+          <p:style>
+            <a:lnRef idx="1">
+              <a:schemeClr val="accent1"/>
+            </a:lnRef>
+            <a:fillRef idx="0">
+              <a:schemeClr val="accent1"/>
+            </a:fillRef>
+            <a:effectRef idx="0">
+              <a:schemeClr val="accent1"/>
+            </a:effectRef>
+            <a:fontRef idx="minor">
+              <a:schemeClr val="tx1"/>
+            </a:fontRef>
+          </p:style>
+        </p:cxnSp>
+        <p:cxnSp>
+          <p:nvCxnSpPr>
+            <p:cNvPr id="7" name="TimerLineMarker40"/>
+            <p:cNvCxnSpPr/>
+            <p:nvPr>
+              <p:custDataLst>
+                <p:tags r:id="rId12"/>
+              </p:custDataLst>
+            </p:nvPr>
+          </p:nvCxnSpPr>
+          <p:spPr>
+            <a:xfrm>
+              <a:off x="4689231" y="0"/>
+              <a:ext cx="0" cy="635000"/>
+            </a:xfrm>
+            <a:prstGeom prst="line">
+              <a:avLst/>
+            </a:prstGeom>
+            <a:ln w="25400">
+              <a:solidFill>
+                <a:srgbClr val="4472C4"/>
+              </a:solidFill>
+            </a:ln>
+          </p:spPr>
+          <p:style>
+            <a:lnRef idx="1">
+              <a:schemeClr val="accent1"/>
+            </a:lnRef>
+            <a:fillRef idx="0">
+              <a:schemeClr val="accent1"/>
+            </a:fillRef>
+            <a:effectRef idx="0">
+              <a:schemeClr val="accent1"/>
+            </a:effectRef>
+            <a:fontRef idx="minor">
+              <a:schemeClr val="tx1"/>
+            </a:fontRef>
+          </p:style>
+        </p:cxnSp>
+        <p:cxnSp>
+          <p:nvCxnSpPr>
+            <p:cNvPr id="8" name="TimerLineMarker50"/>
             <p:cNvCxnSpPr/>
             <p:nvPr>
               <p:custDataLst>
@@ -17766,13 +17970,17 @@
           </p:nvCxnSpPr>
           <p:spPr>
             <a:xfrm>
-              <a:off x="1270000" y="0"/>
+              <a:off x="5861538" y="0"/>
               <a:ext cx="0" cy="635000"/>
             </a:xfrm>
             <a:prstGeom prst="line">
               <a:avLst/>
             </a:prstGeom>
-            <a:ln w="25400"/>
+            <a:ln w="25400">
+              <a:solidFill>
+                <a:srgbClr val="4472C4"/>
+              </a:solidFill>
+            </a:ln>
           </p:spPr>
           <p:style>
             <a:lnRef idx="1">
@@ -17791,7 +17999,7 @@
         </p:cxnSp>
         <p:cxnSp>
           <p:nvCxnSpPr>
-            <p:cNvPr id="24" name="TimerLineMarker20"/>
+            <p:cNvPr id="10" name="TimerLineMarker60"/>
             <p:cNvCxnSpPr/>
             <p:nvPr>
               <p:custDataLst>
@@ -17801,118 +18009,17 @@
           </p:nvCxnSpPr>
           <p:spPr>
             <a:xfrm>
-              <a:off x="2540000" y="0"/>
+              <a:off x="7033846" y="0"/>
               <a:ext cx="0" cy="635000"/>
             </a:xfrm>
             <a:prstGeom prst="line">
               <a:avLst/>
             </a:prstGeom>
-            <a:ln w="25400"/>
-          </p:spPr>
-          <p:style>
-            <a:lnRef idx="1">
-              <a:schemeClr val="accent1"/>
-            </a:lnRef>
-            <a:fillRef idx="0">
-              <a:schemeClr val="accent1"/>
-            </a:fillRef>
-            <a:effectRef idx="0">
-              <a:schemeClr val="accent1"/>
-            </a:effectRef>
-            <a:fontRef idx="minor">
-              <a:schemeClr val="tx1"/>
-            </a:fontRef>
-          </p:style>
-        </p:cxnSp>
-        <p:cxnSp>
-          <p:nvCxnSpPr>
-            <p:cNvPr id="26" name="TimerLineMarker30"/>
-            <p:cNvCxnSpPr/>
-            <p:nvPr>
-              <p:custDataLst>
-                <p:tags r:id="rId15"/>
-              </p:custDataLst>
-            </p:nvPr>
-          </p:nvCxnSpPr>
-          <p:spPr>
-            <a:xfrm>
-              <a:off x="3810000" y="0"/>
-              <a:ext cx="0" cy="635000"/>
-            </a:xfrm>
-            <a:prstGeom prst="line">
-              <a:avLst/>
-            </a:prstGeom>
-            <a:ln w="25400"/>
-          </p:spPr>
-          <p:style>
-            <a:lnRef idx="1">
-              <a:schemeClr val="accent1"/>
-            </a:lnRef>
-            <a:fillRef idx="0">
-              <a:schemeClr val="accent1"/>
-            </a:fillRef>
-            <a:effectRef idx="0">
-              <a:schemeClr val="accent1"/>
-            </a:effectRef>
-            <a:fontRef idx="minor">
-              <a:schemeClr val="tx1"/>
-            </a:fontRef>
-          </p:style>
-        </p:cxnSp>
-        <p:cxnSp>
-          <p:nvCxnSpPr>
-            <p:cNvPr id="28" name="TimerLineMarker40"/>
-            <p:cNvCxnSpPr/>
-            <p:nvPr>
-              <p:custDataLst>
-                <p:tags r:id="rId16"/>
-              </p:custDataLst>
-            </p:nvPr>
-          </p:nvCxnSpPr>
-          <p:spPr>
-            <a:xfrm>
-              <a:off x="5080000" y="0"/>
-              <a:ext cx="0" cy="635000"/>
-            </a:xfrm>
-            <a:prstGeom prst="line">
-              <a:avLst/>
-            </a:prstGeom>
-            <a:ln w="25400"/>
-          </p:spPr>
-          <p:style>
-            <a:lnRef idx="1">
-              <a:schemeClr val="accent1"/>
-            </a:lnRef>
-            <a:fillRef idx="0">
-              <a:schemeClr val="accent1"/>
-            </a:fillRef>
-            <a:effectRef idx="0">
-              <a:schemeClr val="accent1"/>
-            </a:effectRef>
-            <a:fontRef idx="minor">
-              <a:schemeClr val="tx1"/>
-            </a:fontRef>
-          </p:style>
-        </p:cxnSp>
-        <p:cxnSp>
-          <p:nvCxnSpPr>
-            <p:cNvPr id="30" name="TimerLineMarker50"/>
-            <p:cNvCxnSpPr/>
-            <p:nvPr>
-              <p:custDataLst>
-                <p:tags r:id="rId17"/>
-              </p:custDataLst>
-            </p:nvPr>
-          </p:nvCxnSpPr>
-          <p:spPr>
-            <a:xfrm>
-              <a:off x="6350000" y="0"/>
-              <a:ext cx="0" cy="635000"/>
-            </a:xfrm>
-            <a:prstGeom prst="line">
-              <a:avLst/>
-            </a:prstGeom>
-            <a:ln w="25400"/>
+            <a:ln w="50800">
+              <a:solidFill>
+                <a:srgbClr val="4472C4"/>
+              </a:solidFill>
+            </a:ln>
           </p:spPr>
           <p:style>
             <a:lnRef idx="1">
@@ -17932,7 +18039,7 @@
       </p:grpSp>
       <p:grpSp>
         <p:nvGrpSpPr>
-          <p:cNvPr id="33" name="TimerTimeMarkerGroup"/>
+          <p:cNvPr id="13" name="TimerTimeMarkerGroup"/>
           <p:cNvGrpSpPr/>
           <p:nvPr>
             <p:custDataLst>
@@ -17942,15 +18049,15 @@
         </p:nvGrpSpPr>
         <p:grpSpPr>
           <a:xfrm>
-            <a:off x="3302000" y="3746500"/>
-            <a:ext cx="2540000" cy="381000"/>
+            <a:off x="2984500" y="3746500"/>
+            <a:ext cx="3175000" cy="381000"/>
             <a:chOff x="0" y="0"/>
             <a:chExt cx="7632700" cy="381000"/>
           </a:xfrm>
         </p:grpSpPr>
         <p:sp>
           <p:nvSpPr>
-            <p:cNvPr id="20" name="TimerTimeMarker0"/>
+            <p:cNvPr id="3" name="TimerTimeMarker0"/>
             <p:cNvSpPr/>
             <p:nvPr>
               <p:custDataLst>
@@ -18023,7 +18130,7 @@
         </p:sp>
         <p:sp>
           <p:nvSpPr>
-            <p:cNvPr id="21" name="TimerTimeMarker10"/>
+            <p:cNvPr id="9" name="TimerTimeMarker60"/>
             <p:cNvSpPr/>
             <p:nvPr>
               <p:custDataLst>
@@ -18033,7 +18140,7 @@
           </p:nvSpPr>
           <p:spPr>
             <a:xfrm>
-              <a:off x="1270000" y="0"/>
+              <a:off x="7033846" y="0"/>
               <a:ext cx="12700" cy="381000"/>
             </a:xfrm>
             <a:prstGeom prst="rect">
@@ -18084,7 +18191,7 @@
                     <a:srgbClr val="5A5A5A"/>
                   </a:solidFill>
                 </a:rPr>
-                <a:t>10</a:t>
+                <a:t>1</a:t>
               </a:r>
               <a:endParaRPr lang="en-US">
                 <a:solidFill>
@@ -18096,303 +18203,11 @@
         </p:sp>
         <p:sp>
           <p:nvSpPr>
-            <p:cNvPr id="23" name="TimerTimeMarker20"/>
+            <p:cNvPr id="11" name="TimerTimeMarker65"/>
             <p:cNvSpPr/>
             <p:nvPr>
               <p:custDataLst>
                 <p:tags r:id="rId8"/>
-              </p:custDataLst>
-            </p:nvPr>
-          </p:nvSpPr>
-          <p:spPr>
-            <a:xfrm>
-              <a:off x="2540000" y="0"/>
-              <a:ext cx="12700" cy="381000"/>
-            </a:xfrm>
-            <a:prstGeom prst="rect">
-              <a:avLst/>
-            </a:prstGeom>
-            <a:solidFill>
-              <a:schemeClr val="accent1">
-                <a:alpha val="0"/>
-              </a:schemeClr>
-            </a:solidFill>
-            <a:ln w="25400" cap="flat" cmpd="sng" algn="ctr">
-              <a:solidFill>
-                <a:schemeClr val="accent1">
-                  <a:shade val="50000"/>
-                  <a:alpha val="0"/>
-                </a:schemeClr>
-              </a:solidFill>
-              <a:prstDash val="solid"/>
-              <a:round/>
-              <a:headEnd type="none" w="med" len="med"/>
-              <a:tailEnd type="none" w="med" len="med"/>
-            </a:ln>
-          </p:spPr>
-          <p:style>
-            <a:lnRef idx="2">
-              <a:schemeClr val="accent1">
-                <a:shade val="50000"/>
-              </a:schemeClr>
-            </a:lnRef>
-            <a:fillRef idx="1">
-              <a:schemeClr val="accent1"/>
-            </a:fillRef>
-            <a:effectRef idx="0">
-              <a:schemeClr val="accent1"/>
-            </a:effectRef>
-            <a:fontRef idx="minor">
-              <a:schemeClr val="lt1"/>
-            </a:fontRef>
-          </p:style>
-          <p:txBody>
-            <a:bodyPr wrap="none" rtlCol="0" anchor="ctr"/>
-            <a:lstStyle/>
-            <a:p>
-              <a:pPr algn="ctr"/>
-              <a:r>
-                <a:rPr lang="en-US" smtClean="0">
-                  <a:solidFill>
-                    <a:srgbClr val="5A5A5A"/>
-                  </a:solidFill>
-                </a:rPr>
-                <a:t>20</a:t>
-              </a:r>
-              <a:endParaRPr lang="en-US">
-                <a:solidFill>
-                  <a:srgbClr val="5A5A5A"/>
-                </a:solidFill>
-              </a:endParaRPr>
-            </a:p>
-          </p:txBody>
-        </p:sp>
-        <p:sp>
-          <p:nvSpPr>
-            <p:cNvPr id="25" name="TimerTimeMarker30"/>
-            <p:cNvSpPr/>
-            <p:nvPr>
-              <p:custDataLst>
-                <p:tags r:id="rId9"/>
-              </p:custDataLst>
-            </p:nvPr>
-          </p:nvSpPr>
-          <p:spPr>
-            <a:xfrm>
-              <a:off x="3810000" y="0"/>
-              <a:ext cx="12700" cy="381000"/>
-            </a:xfrm>
-            <a:prstGeom prst="rect">
-              <a:avLst/>
-            </a:prstGeom>
-            <a:solidFill>
-              <a:schemeClr val="accent1">
-                <a:alpha val="0"/>
-              </a:schemeClr>
-            </a:solidFill>
-            <a:ln w="25400" cap="flat" cmpd="sng" algn="ctr">
-              <a:solidFill>
-                <a:schemeClr val="accent1">
-                  <a:shade val="50000"/>
-                  <a:alpha val="0"/>
-                </a:schemeClr>
-              </a:solidFill>
-              <a:prstDash val="solid"/>
-              <a:round/>
-              <a:headEnd type="none" w="med" len="med"/>
-              <a:tailEnd type="none" w="med" len="med"/>
-            </a:ln>
-          </p:spPr>
-          <p:style>
-            <a:lnRef idx="2">
-              <a:schemeClr val="accent1">
-                <a:shade val="50000"/>
-              </a:schemeClr>
-            </a:lnRef>
-            <a:fillRef idx="1">
-              <a:schemeClr val="accent1"/>
-            </a:fillRef>
-            <a:effectRef idx="0">
-              <a:schemeClr val="accent1"/>
-            </a:effectRef>
-            <a:fontRef idx="minor">
-              <a:schemeClr val="lt1"/>
-            </a:fontRef>
-          </p:style>
-          <p:txBody>
-            <a:bodyPr wrap="none" rtlCol="0" anchor="ctr"/>
-            <a:lstStyle/>
-            <a:p>
-              <a:pPr algn="ctr"/>
-              <a:r>
-                <a:rPr lang="en-US" smtClean="0">
-                  <a:solidFill>
-                    <a:srgbClr val="5A5A5A"/>
-                  </a:solidFill>
-                </a:rPr>
-                <a:t>30</a:t>
-              </a:r>
-              <a:endParaRPr lang="en-US">
-                <a:solidFill>
-                  <a:srgbClr val="5A5A5A"/>
-                </a:solidFill>
-              </a:endParaRPr>
-            </a:p>
-          </p:txBody>
-        </p:sp>
-        <p:sp>
-          <p:nvSpPr>
-            <p:cNvPr id="27" name="TimerTimeMarker40"/>
-            <p:cNvSpPr/>
-            <p:nvPr>
-              <p:custDataLst>
-                <p:tags r:id="rId10"/>
-              </p:custDataLst>
-            </p:nvPr>
-          </p:nvSpPr>
-          <p:spPr>
-            <a:xfrm>
-              <a:off x="5080000" y="0"/>
-              <a:ext cx="12700" cy="381000"/>
-            </a:xfrm>
-            <a:prstGeom prst="rect">
-              <a:avLst/>
-            </a:prstGeom>
-            <a:solidFill>
-              <a:schemeClr val="accent1">
-                <a:alpha val="0"/>
-              </a:schemeClr>
-            </a:solidFill>
-            <a:ln w="25400" cap="flat" cmpd="sng" algn="ctr">
-              <a:solidFill>
-                <a:schemeClr val="accent1">
-                  <a:shade val="50000"/>
-                  <a:alpha val="0"/>
-                </a:schemeClr>
-              </a:solidFill>
-              <a:prstDash val="solid"/>
-              <a:round/>
-              <a:headEnd type="none" w="med" len="med"/>
-              <a:tailEnd type="none" w="med" len="med"/>
-            </a:ln>
-          </p:spPr>
-          <p:style>
-            <a:lnRef idx="2">
-              <a:schemeClr val="accent1">
-                <a:shade val="50000"/>
-              </a:schemeClr>
-            </a:lnRef>
-            <a:fillRef idx="1">
-              <a:schemeClr val="accent1"/>
-            </a:fillRef>
-            <a:effectRef idx="0">
-              <a:schemeClr val="accent1"/>
-            </a:effectRef>
-            <a:fontRef idx="minor">
-              <a:schemeClr val="lt1"/>
-            </a:fontRef>
-          </p:style>
-          <p:txBody>
-            <a:bodyPr wrap="none" rtlCol="0" anchor="ctr"/>
-            <a:lstStyle/>
-            <a:p>
-              <a:pPr algn="ctr"/>
-              <a:r>
-                <a:rPr lang="en-US" smtClean="0">
-                  <a:solidFill>
-                    <a:srgbClr val="5A5A5A"/>
-                  </a:solidFill>
-                </a:rPr>
-                <a:t>40</a:t>
-              </a:r>
-              <a:endParaRPr lang="en-US">
-                <a:solidFill>
-                  <a:srgbClr val="5A5A5A"/>
-                </a:solidFill>
-              </a:endParaRPr>
-            </a:p>
-          </p:txBody>
-        </p:sp>
-        <p:sp>
-          <p:nvSpPr>
-            <p:cNvPr id="29" name="TimerTimeMarker50"/>
-            <p:cNvSpPr/>
-            <p:nvPr>
-              <p:custDataLst>
-                <p:tags r:id="rId11"/>
-              </p:custDataLst>
-            </p:nvPr>
-          </p:nvSpPr>
-          <p:spPr>
-            <a:xfrm>
-              <a:off x="6350000" y="0"/>
-              <a:ext cx="12700" cy="381000"/>
-            </a:xfrm>
-            <a:prstGeom prst="rect">
-              <a:avLst/>
-            </a:prstGeom>
-            <a:solidFill>
-              <a:schemeClr val="accent1">
-                <a:alpha val="0"/>
-              </a:schemeClr>
-            </a:solidFill>
-            <a:ln w="25400" cap="flat" cmpd="sng" algn="ctr">
-              <a:solidFill>
-                <a:schemeClr val="accent1">
-                  <a:shade val="50000"/>
-                  <a:alpha val="0"/>
-                </a:schemeClr>
-              </a:solidFill>
-              <a:prstDash val="solid"/>
-              <a:round/>
-              <a:headEnd type="none" w="med" len="med"/>
-              <a:tailEnd type="none" w="med" len="med"/>
-            </a:ln>
-          </p:spPr>
-          <p:style>
-            <a:lnRef idx="2">
-              <a:schemeClr val="accent1">
-                <a:shade val="50000"/>
-              </a:schemeClr>
-            </a:lnRef>
-            <a:fillRef idx="1">
-              <a:schemeClr val="accent1"/>
-            </a:fillRef>
-            <a:effectRef idx="0">
-              <a:schemeClr val="accent1"/>
-            </a:effectRef>
-            <a:fontRef idx="minor">
-              <a:schemeClr val="lt1"/>
-            </a:fontRef>
-          </p:style>
-          <p:txBody>
-            <a:bodyPr wrap="none" rtlCol="0" anchor="ctr"/>
-            <a:lstStyle/>
-            <a:p>
-              <a:pPr algn="ctr"/>
-              <a:r>
-                <a:rPr lang="en-US" smtClean="0">
-                  <a:solidFill>
-                    <a:srgbClr val="5A5A5A"/>
-                  </a:solidFill>
-                </a:rPr>
-                <a:t>50</a:t>
-              </a:r>
-              <a:endParaRPr lang="en-US">
-                <a:solidFill>
-                  <a:srgbClr val="5A5A5A"/>
-                </a:solidFill>
-              </a:endParaRPr>
-            </a:p>
-          </p:txBody>
-        </p:sp>
-        <p:sp>
-          <p:nvSpPr>
-            <p:cNvPr id="31" name="TimerTimeMarker60"/>
-            <p:cNvSpPr/>
-            <p:nvPr>
-              <p:custDataLst>
-                <p:tags r:id="rId12"/>
               </p:custDataLst>
             </p:nvPr>
           </p:nvSpPr>
@@ -18449,7 +18264,7 @@
                     <a:srgbClr val="5A5A5A"/>
                   </a:solidFill>
                 </a:rPr>
-                <a:t>60</a:t>
+                <a:t>1.05</a:t>
               </a:r>
               <a:endParaRPr lang="en-US">
                 <a:solidFill>
@@ -18462,7 +18277,7 @@
       </p:grpSp>
       <p:sp>
         <p:nvSpPr>
-          <p:cNvPr id="34" name="TimerSliderHead"/>
+          <p:cNvPr id="14" name="TimerSliderHead"/>
           <p:cNvSpPr/>
           <p:nvPr>
             <p:custDataLst>
@@ -18472,7 +18287,7 @@
         </p:nvSpPr>
         <p:spPr>
           <a:xfrm rot="10800000">
-            <a:off x="3175000" y="2984500"/>
+            <a:off x="2857500" y="2984500"/>
             <a:ext cx="254000" cy="254000"/>
           </a:xfrm>
           <a:prstGeom prst="triangle">
@@ -18521,7 +18336,7 @@
       </p:sp>
       <p:sp>
         <p:nvSpPr>
-          <p:cNvPr id="35" name="TimerSliderBody"/>
+          <p:cNvPr id="15" name="TimerSliderBody"/>
           <p:cNvSpPr/>
           <p:nvPr>
             <p:custDataLst>
@@ -18531,7 +18346,7 @@
         </p:nvSpPr>
         <p:spPr>
           <a:xfrm>
-            <a:off x="3276600" y="3111500"/>
+            <a:off x="2959100" y="3111500"/>
             <a:ext cx="50800" cy="635000"/>
           </a:xfrm>
           <a:prstGeom prst="rect">
@@ -18581,7 +18396,7 @@
     </p:spTree>
     <p:extLst>
       <p:ext uri="{BB962C8B-B14F-4D97-AF65-F5344CB8AC3E}">
-        <p14:creationId xmlns:p14="http://schemas.microsoft.com/office/powerpoint/2010/main" val="4043367190"/>
+        <p14:creationId xmlns:p14="http://schemas.microsoft.com/office/powerpoint/2010/main" val="2043086813"/>
       </p:ext>
     </p:extLst>
   </p:cSld>
@@ -18614,11 +18429,11 @@
                                     <p:cond delay="0"/>
                                   </p:stCondLst>
                                   <p:childTnLst>
-                                    <p:animMotion origin="layout" path="M 0 0 L 0.2777778 0 E" pathEditMode="relative" ptsTypes="">
+                                    <p:animMotion origin="layout" path="M 0 0 L 0.3472222 0 E" pathEditMode="relative" ptsTypes="">
                                       <p:cBhvr>
-                                        <p:cTn id="6" dur="60000" fill="hold"/>
+                                        <p:cTn id="6" dur="65000" fill="hold"/>
                                         <p:tgtEl>
-                                          <p:spTgt spid="34"/>
+                                          <p:spTgt spid="14"/>
                                         </p:tgtEl>
                                         <p:attrNameLst>
                                           <p:attrName>ppt_x</p:attrName>
@@ -18635,11 +18450,11 @@
                                     <p:cond delay="0"/>
                                   </p:stCondLst>
                                   <p:childTnLst>
-                                    <p:animMotion origin="layout" path="M 0 0 L 0.2777778 0 E" pathEditMode="relative" ptsTypes="">
+                                    <p:animMotion origin="layout" path="M 0 0 L 0.3472222 0 E" pathEditMode="relative" ptsTypes="">
                                       <p:cBhvr>
-                                        <p:cTn id="8" dur="60000" fill="hold"/>
+                                        <p:cTn id="8" dur="65000" fill="hold"/>
                                         <p:tgtEl>
-                                          <p:spTgt spid="35"/>
+                                          <p:spTgt spid="15"/>
                                         </p:tgtEl>
                                         <p:attrNameLst>
                                           <p:attrName>ppt_x</p:attrName>
@@ -18656,7 +18471,7 @@
                         <p:par>
                           <p:cTn id="9" fill="hold">
                             <p:stCondLst>
-                              <p:cond delay="60000"/>
+                              <p:cond delay="65000"/>
                             </p:stCondLst>
                             <p:childTnLst>
                               <p:par>
@@ -18669,7 +18484,7 @@
                                       <p:cBhvr override="childStyle">
                                         <p:cTn id="11" dur="1" fill="hold"/>
                                         <p:tgtEl>
-                                          <p:spTgt spid="34"/>
+                                          <p:spTgt spid="14"/>
                                         </p:tgtEl>
                                         <p:attrNameLst>
                                           <p:attrName>style.color</p:attrName>
@@ -18683,7 +18498,7 @@
                                       <p:cBhvr>
                                         <p:cTn id="12" dur="1" fill="hold"/>
                                         <p:tgtEl>
-                                          <p:spTgt spid="34"/>
+                                          <p:spTgt spid="14"/>
                                         </p:tgtEl>
                                         <p:attrNameLst>
                                           <p:attrName>fillcolor</p:attrName>
@@ -18697,7 +18512,7 @@
                                       <p:cBhvr>
                                         <p:cTn id="13" dur="1" fill="hold"/>
                                         <p:tgtEl>
-                                          <p:spTgt spid="34"/>
+                                          <p:spTgt spid="14"/>
                                         </p:tgtEl>
                                         <p:attrNameLst>
                                           <p:attrName>stroke.color</p:attrName>
@@ -18711,7 +18526,7 @@
                                       <p:cBhvr>
                                         <p:cTn id="14" dur="1" fill="hold"/>
                                         <p:tgtEl>
-                                          <p:spTgt spid="34"/>
+                                          <p:spTgt spid="14"/>
                                         </p:tgtEl>
                                         <p:attrNameLst>
                                           <p:attrName>fill.type</p:attrName>
@@ -18734,7 +18549,7 @@
                                       <p:cBhvr override="childStyle">
                                         <p:cTn id="16" dur="1" fill="hold"/>
                                         <p:tgtEl>
-                                          <p:spTgt spid="35"/>
+                                          <p:spTgt spid="15"/>
                                         </p:tgtEl>
                                         <p:attrNameLst>
                                           <p:attrName>style.color</p:attrName>
@@ -18748,7 +18563,7 @@
                                       <p:cBhvr>
                                         <p:cTn id="17" dur="1" fill="hold"/>
                                         <p:tgtEl>
-                                          <p:spTgt spid="35"/>
+                                          <p:spTgt spid="15"/>
                                         </p:tgtEl>
                                         <p:attrNameLst>
                                           <p:attrName>fillcolor</p:attrName>
@@ -18762,7 +18577,7 @@
                                       <p:cBhvr>
                                         <p:cTn id="18" dur="1" fill="hold"/>
                                         <p:tgtEl>
-                                          <p:spTgt spid="35"/>
+                                          <p:spTgt spid="15"/>
                                         </p:tgtEl>
                                         <p:attrNameLst>
                                           <p:attrName>stroke.color</p:attrName>
@@ -18776,7 +18591,7 @@
                                       <p:cBhvr>
                                         <p:cTn id="19" dur="1" fill="hold"/>
                                         <p:tgtEl>
-                                          <p:spTgt spid="35"/>
+                                          <p:spTgt spid="15"/>
                                         </p:tgtEl>
                                         <p:attrNameLst>
                                           <p:attrName>fill.type</p:attrName>
@@ -18817,10 +18632,10 @@
       </p:par>
     </p:tnLst>
     <p:bldLst>
-      <p:bldP spid="34" grpId="0" animBg="1"/>
-      <p:bldP spid="34" grpId="1" animBg="1"/>
-      <p:bldP spid="35" grpId="0" animBg="1"/>
-      <p:bldP spid="35" grpId="1" animBg="1"/>
+      <p:bldP spid="14" grpId="0" animBg="1"/>
+      <p:bldP spid="14" grpId="1" animBg="1"/>
+      <p:bldP spid="15" grpId="0" animBg="1"/>
+      <p:bldP spid="15" grpId="1" animBg="1"/>
     </p:bldLst>
   </p:timing>
 </p:sld>
@@ -18853,7 +18668,7 @@
       </p:grpSpPr>
       <p:sp>
         <p:nvSpPr>
-          <p:cNvPr id="19" name="TimerBody"/>
+          <p:cNvPr id="2" name="TimerBody"/>
           <p:cNvSpPr/>
           <p:nvPr>
             <p:custDataLst>
@@ -18863,8 +18678,8 @@
         </p:nvSpPr>
         <p:spPr>
           <a:xfrm>
-            <a:off x="3302000" y="571500"/>
-            <a:ext cx="2540000" cy="5715000"/>
+            <a:off x="2984500" y="889000"/>
+            <a:ext cx="3175000" cy="5080000"/>
           </a:xfrm>
           <a:prstGeom prst="rect">
             <a:avLst/>
@@ -18905,7 +18720,7 @@
       </p:sp>
       <p:grpSp>
         <p:nvGrpSpPr>
-          <p:cNvPr id="32" name="TimerLineMarkerGroup"/>
+          <p:cNvPr id="12" name="TimerLineMarkerGroup"/>
           <p:cNvGrpSpPr/>
           <p:nvPr>
             <p:custDataLst>
@@ -18915,15 +18730,171 @@
         </p:nvGrpSpPr>
         <p:grpSpPr>
           <a:xfrm>
-            <a:off x="3725333" y="571500"/>
-            <a:ext cx="1693333" cy="5715000"/>
-            <a:chOff x="1270000" y="0"/>
-            <a:chExt cx="5080000" cy="635000"/>
+            <a:off x="3472962" y="889000"/>
+            <a:ext cx="2442308" cy="5080000"/>
+            <a:chOff x="1172308" y="0"/>
+            <a:chExt cx="5861538" cy="635000"/>
           </a:xfrm>
         </p:grpSpPr>
         <p:cxnSp>
           <p:nvCxnSpPr>
-            <p:cNvPr id="22" name="TimerLineMarker10"/>
+            <p:cNvPr id="4" name="TimerLineMarker10"/>
+            <p:cNvCxnSpPr/>
+            <p:nvPr>
+              <p:custDataLst>
+                <p:tags r:id="rId9"/>
+              </p:custDataLst>
+            </p:nvPr>
+          </p:nvCxnSpPr>
+          <p:spPr>
+            <a:xfrm>
+              <a:off x="1172308" y="0"/>
+              <a:ext cx="0" cy="635000"/>
+            </a:xfrm>
+            <a:prstGeom prst="line">
+              <a:avLst/>
+            </a:prstGeom>
+            <a:ln w="25400">
+              <a:solidFill>
+                <a:srgbClr val="4472C4"/>
+              </a:solidFill>
+            </a:ln>
+          </p:spPr>
+          <p:style>
+            <a:lnRef idx="1">
+              <a:schemeClr val="accent1"/>
+            </a:lnRef>
+            <a:fillRef idx="0">
+              <a:schemeClr val="accent1"/>
+            </a:fillRef>
+            <a:effectRef idx="0">
+              <a:schemeClr val="accent1"/>
+            </a:effectRef>
+            <a:fontRef idx="minor">
+              <a:schemeClr val="tx1"/>
+            </a:fontRef>
+          </p:style>
+        </p:cxnSp>
+        <p:cxnSp>
+          <p:nvCxnSpPr>
+            <p:cNvPr id="5" name="TimerLineMarker20"/>
+            <p:cNvCxnSpPr/>
+            <p:nvPr>
+              <p:custDataLst>
+                <p:tags r:id="rId10"/>
+              </p:custDataLst>
+            </p:nvPr>
+          </p:nvCxnSpPr>
+          <p:spPr>
+            <a:xfrm>
+              <a:off x="2344615" y="0"/>
+              <a:ext cx="0" cy="635000"/>
+            </a:xfrm>
+            <a:prstGeom prst="line">
+              <a:avLst/>
+            </a:prstGeom>
+            <a:ln w="25400">
+              <a:solidFill>
+                <a:srgbClr val="4472C4"/>
+              </a:solidFill>
+            </a:ln>
+          </p:spPr>
+          <p:style>
+            <a:lnRef idx="1">
+              <a:schemeClr val="accent1"/>
+            </a:lnRef>
+            <a:fillRef idx="0">
+              <a:schemeClr val="accent1"/>
+            </a:fillRef>
+            <a:effectRef idx="0">
+              <a:schemeClr val="accent1"/>
+            </a:effectRef>
+            <a:fontRef idx="minor">
+              <a:schemeClr val="tx1"/>
+            </a:fontRef>
+          </p:style>
+        </p:cxnSp>
+        <p:cxnSp>
+          <p:nvCxnSpPr>
+            <p:cNvPr id="6" name="TimerLineMarker30"/>
+            <p:cNvCxnSpPr/>
+            <p:nvPr>
+              <p:custDataLst>
+                <p:tags r:id="rId11"/>
+              </p:custDataLst>
+            </p:nvPr>
+          </p:nvCxnSpPr>
+          <p:spPr>
+            <a:xfrm>
+              <a:off x="3516923" y="0"/>
+              <a:ext cx="0" cy="635000"/>
+            </a:xfrm>
+            <a:prstGeom prst="line">
+              <a:avLst/>
+            </a:prstGeom>
+            <a:ln w="25400">
+              <a:solidFill>
+                <a:srgbClr val="4472C4"/>
+              </a:solidFill>
+            </a:ln>
+          </p:spPr>
+          <p:style>
+            <a:lnRef idx="1">
+              <a:schemeClr val="accent1"/>
+            </a:lnRef>
+            <a:fillRef idx="0">
+              <a:schemeClr val="accent1"/>
+            </a:fillRef>
+            <a:effectRef idx="0">
+              <a:schemeClr val="accent1"/>
+            </a:effectRef>
+            <a:fontRef idx="minor">
+              <a:schemeClr val="tx1"/>
+            </a:fontRef>
+          </p:style>
+        </p:cxnSp>
+        <p:cxnSp>
+          <p:nvCxnSpPr>
+            <p:cNvPr id="7" name="TimerLineMarker40"/>
+            <p:cNvCxnSpPr/>
+            <p:nvPr>
+              <p:custDataLst>
+                <p:tags r:id="rId12"/>
+              </p:custDataLst>
+            </p:nvPr>
+          </p:nvCxnSpPr>
+          <p:spPr>
+            <a:xfrm>
+              <a:off x="4689231" y="0"/>
+              <a:ext cx="0" cy="635000"/>
+            </a:xfrm>
+            <a:prstGeom prst="line">
+              <a:avLst/>
+            </a:prstGeom>
+            <a:ln w="25400">
+              <a:solidFill>
+                <a:srgbClr val="4472C4"/>
+              </a:solidFill>
+            </a:ln>
+          </p:spPr>
+          <p:style>
+            <a:lnRef idx="1">
+              <a:schemeClr val="accent1"/>
+            </a:lnRef>
+            <a:fillRef idx="0">
+              <a:schemeClr val="accent1"/>
+            </a:fillRef>
+            <a:effectRef idx="0">
+              <a:schemeClr val="accent1"/>
+            </a:effectRef>
+            <a:fontRef idx="minor">
+              <a:schemeClr val="tx1"/>
+            </a:fontRef>
+          </p:style>
+        </p:cxnSp>
+        <p:cxnSp>
+          <p:nvCxnSpPr>
+            <p:cNvPr id="8" name="TimerLineMarker50"/>
             <p:cNvCxnSpPr/>
             <p:nvPr>
               <p:custDataLst>
@@ -18933,13 +18904,17 @@
           </p:nvCxnSpPr>
           <p:spPr>
             <a:xfrm>
-              <a:off x="1270000" y="0"/>
+              <a:off x="5861538" y="0"/>
               <a:ext cx="0" cy="635000"/>
             </a:xfrm>
             <a:prstGeom prst="line">
               <a:avLst/>
             </a:prstGeom>
-            <a:ln w="25400"/>
+            <a:ln w="25400">
+              <a:solidFill>
+                <a:srgbClr val="4472C4"/>
+              </a:solidFill>
+            </a:ln>
           </p:spPr>
           <p:style>
             <a:lnRef idx="1">
@@ -18958,7 +18933,7 @@
         </p:cxnSp>
         <p:cxnSp>
           <p:nvCxnSpPr>
-            <p:cNvPr id="24" name="TimerLineMarker20"/>
+            <p:cNvPr id="10" name="TimerLineMarker60"/>
             <p:cNvCxnSpPr/>
             <p:nvPr>
               <p:custDataLst>
@@ -18968,118 +18943,17 @@
           </p:nvCxnSpPr>
           <p:spPr>
             <a:xfrm>
-              <a:off x="2540000" y="0"/>
+              <a:off x="7033846" y="0"/>
               <a:ext cx="0" cy="635000"/>
             </a:xfrm>
             <a:prstGeom prst="line">
               <a:avLst/>
             </a:prstGeom>
-            <a:ln w="25400"/>
-          </p:spPr>
-          <p:style>
-            <a:lnRef idx="1">
-              <a:schemeClr val="accent1"/>
-            </a:lnRef>
-            <a:fillRef idx="0">
-              <a:schemeClr val="accent1"/>
-            </a:fillRef>
-            <a:effectRef idx="0">
-              <a:schemeClr val="accent1"/>
-            </a:effectRef>
-            <a:fontRef idx="minor">
-              <a:schemeClr val="tx1"/>
-            </a:fontRef>
-          </p:style>
-        </p:cxnSp>
-        <p:cxnSp>
-          <p:nvCxnSpPr>
-            <p:cNvPr id="26" name="TimerLineMarker30"/>
-            <p:cNvCxnSpPr/>
-            <p:nvPr>
-              <p:custDataLst>
-                <p:tags r:id="rId15"/>
-              </p:custDataLst>
-            </p:nvPr>
-          </p:nvCxnSpPr>
-          <p:spPr>
-            <a:xfrm>
-              <a:off x="3810000" y="0"/>
-              <a:ext cx="0" cy="635000"/>
-            </a:xfrm>
-            <a:prstGeom prst="line">
-              <a:avLst/>
-            </a:prstGeom>
-            <a:ln w="25400"/>
-          </p:spPr>
-          <p:style>
-            <a:lnRef idx="1">
-              <a:schemeClr val="accent1"/>
-            </a:lnRef>
-            <a:fillRef idx="0">
-              <a:schemeClr val="accent1"/>
-            </a:fillRef>
-            <a:effectRef idx="0">
-              <a:schemeClr val="accent1"/>
-            </a:effectRef>
-            <a:fontRef idx="minor">
-              <a:schemeClr val="tx1"/>
-            </a:fontRef>
-          </p:style>
-        </p:cxnSp>
-        <p:cxnSp>
-          <p:nvCxnSpPr>
-            <p:cNvPr id="28" name="TimerLineMarker40"/>
-            <p:cNvCxnSpPr/>
-            <p:nvPr>
-              <p:custDataLst>
-                <p:tags r:id="rId16"/>
-              </p:custDataLst>
-            </p:nvPr>
-          </p:nvCxnSpPr>
-          <p:spPr>
-            <a:xfrm>
-              <a:off x="5080000" y="0"/>
-              <a:ext cx="0" cy="635000"/>
-            </a:xfrm>
-            <a:prstGeom prst="line">
-              <a:avLst/>
-            </a:prstGeom>
-            <a:ln w="25400"/>
-          </p:spPr>
-          <p:style>
-            <a:lnRef idx="1">
-              <a:schemeClr val="accent1"/>
-            </a:lnRef>
-            <a:fillRef idx="0">
-              <a:schemeClr val="accent1"/>
-            </a:fillRef>
-            <a:effectRef idx="0">
-              <a:schemeClr val="accent1"/>
-            </a:effectRef>
-            <a:fontRef idx="minor">
-              <a:schemeClr val="tx1"/>
-            </a:fontRef>
-          </p:style>
-        </p:cxnSp>
-        <p:cxnSp>
-          <p:nvCxnSpPr>
-            <p:cNvPr id="30" name="TimerLineMarker50"/>
-            <p:cNvCxnSpPr/>
-            <p:nvPr>
-              <p:custDataLst>
-                <p:tags r:id="rId17"/>
-              </p:custDataLst>
-            </p:nvPr>
-          </p:nvCxnSpPr>
-          <p:spPr>
-            <a:xfrm>
-              <a:off x="6350000" y="0"/>
-              <a:ext cx="0" cy="635000"/>
-            </a:xfrm>
-            <a:prstGeom prst="line">
-              <a:avLst/>
-            </a:prstGeom>
-            <a:ln w="25400"/>
+            <a:ln w="50800">
+              <a:solidFill>
+                <a:srgbClr val="4472C4"/>
+              </a:solidFill>
+            </a:ln>
           </p:spPr>
           <p:style>
             <a:lnRef idx="1">
@@ -19099,7 +18973,7 @@
       </p:grpSp>
       <p:grpSp>
         <p:nvGrpSpPr>
-          <p:cNvPr id="33" name="TimerTimeMarkerGroup"/>
+          <p:cNvPr id="13" name="TimerTimeMarkerGroup"/>
           <p:cNvGrpSpPr/>
           <p:nvPr>
             <p:custDataLst>
@@ -19109,15 +18983,15 @@
         </p:nvGrpSpPr>
         <p:grpSpPr>
           <a:xfrm>
-            <a:off x="3302000" y="6286500"/>
-            <a:ext cx="2540000" cy="381000"/>
+            <a:off x="2984500" y="5969000"/>
+            <a:ext cx="3175000" cy="381000"/>
             <a:chOff x="0" y="0"/>
             <a:chExt cx="7632700" cy="381000"/>
           </a:xfrm>
         </p:grpSpPr>
         <p:sp>
           <p:nvSpPr>
-            <p:cNvPr id="20" name="TimerTimeMarker0"/>
+            <p:cNvPr id="3" name="TimerTimeMarker0"/>
             <p:cNvSpPr/>
             <p:nvPr>
               <p:custDataLst>
@@ -19190,7 +19064,7 @@
         </p:sp>
         <p:sp>
           <p:nvSpPr>
-            <p:cNvPr id="21" name="TimerTimeMarker10"/>
+            <p:cNvPr id="9" name="TimerTimeMarker60"/>
             <p:cNvSpPr/>
             <p:nvPr>
               <p:custDataLst>
@@ -19200,7 +19074,7 @@
           </p:nvSpPr>
           <p:spPr>
             <a:xfrm>
-              <a:off x="1270000" y="0"/>
+              <a:off x="7033846" y="0"/>
               <a:ext cx="12700" cy="381000"/>
             </a:xfrm>
             <a:prstGeom prst="rect">
@@ -19251,7 +19125,7 @@
                     <a:srgbClr val="5A5A5A"/>
                   </a:solidFill>
                 </a:rPr>
-                <a:t>10</a:t>
+                <a:t>1</a:t>
               </a:r>
               <a:endParaRPr lang="en-US">
                 <a:solidFill>
@@ -19263,303 +19137,11 @@
         </p:sp>
         <p:sp>
           <p:nvSpPr>
-            <p:cNvPr id="23" name="TimerTimeMarker20"/>
+            <p:cNvPr id="11" name="TimerTimeMarker65"/>
             <p:cNvSpPr/>
             <p:nvPr>
               <p:custDataLst>
                 <p:tags r:id="rId8"/>
-              </p:custDataLst>
-            </p:nvPr>
-          </p:nvSpPr>
-          <p:spPr>
-            <a:xfrm>
-              <a:off x="2540000" y="0"/>
-              <a:ext cx="12700" cy="381000"/>
-            </a:xfrm>
-            <a:prstGeom prst="rect">
-              <a:avLst/>
-            </a:prstGeom>
-            <a:solidFill>
-              <a:schemeClr val="accent1">
-                <a:alpha val="0"/>
-              </a:schemeClr>
-            </a:solidFill>
-            <a:ln w="25400" cap="flat" cmpd="sng" algn="ctr">
-              <a:solidFill>
-                <a:schemeClr val="accent1">
-                  <a:shade val="50000"/>
-                  <a:alpha val="0"/>
-                </a:schemeClr>
-              </a:solidFill>
-              <a:prstDash val="solid"/>
-              <a:round/>
-              <a:headEnd type="none" w="med" len="med"/>
-              <a:tailEnd type="none" w="med" len="med"/>
-            </a:ln>
-          </p:spPr>
-          <p:style>
-            <a:lnRef idx="2">
-              <a:schemeClr val="accent1">
-                <a:shade val="50000"/>
-              </a:schemeClr>
-            </a:lnRef>
-            <a:fillRef idx="1">
-              <a:schemeClr val="accent1"/>
-            </a:fillRef>
-            <a:effectRef idx="0">
-              <a:schemeClr val="accent1"/>
-            </a:effectRef>
-            <a:fontRef idx="minor">
-              <a:schemeClr val="lt1"/>
-            </a:fontRef>
-          </p:style>
-          <p:txBody>
-            <a:bodyPr wrap="none" rtlCol="0" anchor="ctr"/>
-            <a:lstStyle/>
-            <a:p>
-              <a:pPr algn="ctr"/>
-              <a:r>
-                <a:rPr lang="en-US" smtClean="0">
-                  <a:solidFill>
-                    <a:srgbClr val="5A5A5A"/>
-                  </a:solidFill>
-                </a:rPr>
-                <a:t>20</a:t>
-              </a:r>
-              <a:endParaRPr lang="en-US">
-                <a:solidFill>
-                  <a:srgbClr val="5A5A5A"/>
-                </a:solidFill>
-              </a:endParaRPr>
-            </a:p>
-          </p:txBody>
-        </p:sp>
-        <p:sp>
-          <p:nvSpPr>
-            <p:cNvPr id="25" name="TimerTimeMarker30"/>
-            <p:cNvSpPr/>
-            <p:nvPr>
-              <p:custDataLst>
-                <p:tags r:id="rId9"/>
-              </p:custDataLst>
-            </p:nvPr>
-          </p:nvSpPr>
-          <p:spPr>
-            <a:xfrm>
-              <a:off x="3810000" y="0"/>
-              <a:ext cx="12700" cy="381000"/>
-            </a:xfrm>
-            <a:prstGeom prst="rect">
-              <a:avLst/>
-            </a:prstGeom>
-            <a:solidFill>
-              <a:schemeClr val="accent1">
-                <a:alpha val="0"/>
-              </a:schemeClr>
-            </a:solidFill>
-            <a:ln w="25400" cap="flat" cmpd="sng" algn="ctr">
-              <a:solidFill>
-                <a:schemeClr val="accent1">
-                  <a:shade val="50000"/>
-                  <a:alpha val="0"/>
-                </a:schemeClr>
-              </a:solidFill>
-              <a:prstDash val="solid"/>
-              <a:round/>
-              <a:headEnd type="none" w="med" len="med"/>
-              <a:tailEnd type="none" w="med" len="med"/>
-            </a:ln>
-          </p:spPr>
-          <p:style>
-            <a:lnRef idx="2">
-              <a:schemeClr val="accent1">
-                <a:shade val="50000"/>
-              </a:schemeClr>
-            </a:lnRef>
-            <a:fillRef idx="1">
-              <a:schemeClr val="accent1"/>
-            </a:fillRef>
-            <a:effectRef idx="0">
-              <a:schemeClr val="accent1"/>
-            </a:effectRef>
-            <a:fontRef idx="minor">
-              <a:schemeClr val="lt1"/>
-            </a:fontRef>
-          </p:style>
-          <p:txBody>
-            <a:bodyPr wrap="none" rtlCol="0" anchor="ctr"/>
-            <a:lstStyle/>
-            <a:p>
-              <a:pPr algn="ctr"/>
-              <a:r>
-                <a:rPr lang="en-US" smtClean="0">
-                  <a:solidFill>
-                    <a:srgbClr val="5A5A5A"/>
-                  </a:solidFill>
-                </a:rPr>
-                <a:t>30</a:t>
-              </a:r>
-              <a:endParaRPr lang="en-US">
-                <a:solidFill>
-                  <a:srgbClr val="5A5A5A"/>
-                </a:solidFill>
-              </a:endParaRPr>
-            </a:p>
-          </p:txBody>
-        </p:sp>
-        <p:sp>
-          <p:nvSpPr>
-            <p:cNvPr id="27" name="TimerTimeMarker40"/>
-            <p:cNvSpPr/>
-            <p:nvPr>
-              <p:custDataLst>
-                <p:tags r:id="rId10"/>
-              </p:custDataLst>
-            </p:nvPr>
-          </p:nvSpPr>
-          <p:spPr>
-            <a:xfrm>
-              <a:off x="5080000" y="0"/>
-              <a:ext cx="12700" cy="381000"/>
-            </a:xfrm>
-            <a:prstGeom prst="rect">
-              <a:avLst/>
-            </a:prstGeom>
-            <a:solidFill>
-              <a:schemeClr val="accent1">
-                <a:alpha val="0"/>
-              </a:schemeClr>
-            </a:solidFill>
-            <a:ln w="25400" cap="flat" cmpd="sng" algn="ctr">
-              <a:solidFill>
-                <a:schemeClr val="accent1">
-                  <a:shade val="50000"/>
-                  <a:alpha val="0"/>
-                </a:schemeClr>
-              </a:solidFill>
-              <a:prstDash val="solid"/>
-              <a:round/>
-              <a:headEnd type="none" w="med" len="med"/>
-              <a:tailEnd type="none" w="med" len="med"/>
-            </a:ln>
-          </p:spPr>
-          <p:style>
-            <a:lnRef idx="2">
-              <a:schemeClr val="accent1">
-                <a:shade val="50000"/>
-              </a:schemeClr>
-            </a:lnRef>
-            <a:fillRef idx="1">
-              <a:schemeClr val="accent1"/>
-            </a:fillRef>
-            <a:effectRef idx="0">
-              <a:schemeClr val="accent1"/>
-            </a:effectRef>
-            <a:fontRef idx="minor">
-              <a:schemeClr val="lt1"/>
-            </a:fontRef>
-          </p:style>
-          <p:txBody>
-            <a:bodyPr wrap="none" rtlCol="0" anchor="ctr"/>
-            <a:lstStyle/>
-            <a:p>
-              <a:pPr algn="ctr"/>
-              <a:r>
-                <a:rPr lang="en-US" smtClean="0">
-                  <a:solidFill>
-                    <a:srgbClr val="5A5A5A"/>
-                  </a:solidFill>
-                </a:rPr>
-                <a:t>40</a:t>
-              </a:r>
-              <a:endParaRPr lang="en-US">
-                <a:solidFill>
-                  <a:srgbClr val="5A5A5A"/>
-                </a:solidFill>
-              </a:endParaRPr>
-            </a:p>
-          </p:txBody>
-        </p:sp>
-        <p:sp>
-          <p:nvSpPr>
-            <p:cNvPr id="29" name="TimerTimeMarker50"/>
-            <p:cNvSpPr/>
-            <p:nvPr>
-              <p:custDataLst>
-                <p:tags r:id="rId11"/>
-              </p:custDataLst>
-            </p:nvPr>
-          </p:nvSpPr>
-          <p:spPr>
-            <a:xfrm>
-              <a:off x="6350000" y="0"/>
-              <a:ext cx="12700" cy="381000"/>
-            </a:xfrm>
-            <a:prstGeom prst="rect">
-              <a:avLst/>
-            </a:prstGeom>
-            <a:solidFill>
-              <a:schemeClr val="accent1">
-                <a:alpha val="0"/>
-              </a:schemeClr>
-            </a:solidFill>
-            <a:ln w="25400" cap="flat" cmpd="sng" algn="ctr">
-              <a:solidFill>
-                <a:schemeClr val="accent1">
-                  <a:shade val="50000"/>
-                  <a:alpha val="0"/>
-                </a:schemeClr>
-              </a:solidFill>
-              <a:prstDash val="solid"/>
-              <a:round/>
-              <a:headEnd type="none" w="med" len="med"/>
-              <a:tailEnd type="none" w="med" len="med"/>
-            </a:ln>
-          </p:spPr>
-          <p:style>
-            <a:lnRef idx="2">
-              <a:schemeClr val="accent1">
-                <a:shade val="50000"/>
-              </a:schemeClr>
-            </a:lnRef>
-            <a:fillRef idx="1">
-              <a:schemeClr val="accent1"/>
-            </a:fillRef>
-            <a:effectRef idx="0">
-              <a:schemeClr val="accent1"/>
-            </a:effectRef>
-            <a:fontRef idx="minor">
-              <a:schemeClr val="lt1"/>
-            </a:fontRef>
-          </p:style>
-          <p:txBody>
-            <a:bodyPr wrap="none" rtlCol="0" anchor="ctr"/>
-            <a:lstStyle/>
-            <a:p>
-              <a:pPr algn="ctr"/>
-              <a:r>
-                <a:rPr lang="en-US" smtClean="0">
-                  <a:solidFill>
-                    <a:srgbClr val="5A5A5A"/>
-                  </a:solidFill>
-                </a:rPr>
-                <a:t>50</a:t>
-              </a:r>
-              <a:endParaRPr lang="en-US">
-                <a:solidFill>
-                  <a:srgbClr val="5A5A5A"/>
-                </a:solidFill>
-              </a:endParaRPr>
-            </a:p>
-          </p:txBody>
-        </p:sp>
-        <p:sp>
-          <p:nvSpPr>
-            <p:cNvPr id="31" name="TimerTimeMarker60"/>
-            <p:cNvSpPr/>
-            <p:nvPr>
-              <p:custDataLst>
-                <p:tags r:id="rId12"/>
               </p:custDataLst>
             </p:nvPr>
           </p:nvSpPr>
@@ -19616,7 +19198,7 @@
                     <a:srgbClr val="5A5A5A"/>
                   </a:solidFill>
                 </a:rPr>
-                <a:t>60</a:t>
+                <a:t>1.05</a:t>
               </a:r>
               <a:endParaRPr lang="en-US">
                 <a:solidFill>
@@ -19629,7 +19211,7 @@
       </p:grpSp>
       <p:sp>
         <p:nvSpPr>
-          <p:cNvPr id="34" name="TimerSliderHead"/>
+          <p:cNvPr id="14" name="TimerSliderHead"/>
           <p:cNvSpPr/>
           <p:nvPr>
             <p:custDataLst>
@@ -19639,7 +19221,7 @@
         </p:nvSpPr>
         <p:spPr>
           <a:xfrm rot="10800000">
-            <a:off x="3175000" y="444500"/>
+            <a:off x="2857500" y="762000"/>
             <a:ext cx="254000" cy="254000"/>
           </a:xfrm>
           <a:prstGeom prst="triangle">
@@ -19688,7 +19270,7 @@
       </p:sp>
       <p:sp>
         <p:nvSpPr>
-          <p:cNvPr id="35" name="TimerSliderBody"/>
+          <p:cNvPr id="15" name="TimerSliderBody"/>
           <p:cNvSpPr/>
           <p:nvPr>
             <p:custDataLst>
@@ -19698,8 +19280,8 @@
         </p:nvSpPr>
         <p:spPr>
           <a:xfrm>
-            <a:off x="3276600" y="571500"/>
-            <a:ext cx="50800" cy="5715000"/>
+            <a:off x="2959100" y="889000"/>
+            <a:ext cx="50800" cy="5080000"/>
           </a:xfrm>
           <a:prstGeom prst="rect">
             <a:avLst/>
@@ -19748,7 +19330,7 @@
     </p:spTree>
     <p:extLst>
       <p:ext uri="{BB962C8B-B14F-4D97-AF65-F5344CB8AC3E}">
-        <p14:creationId xmlns:p14="http://schemas.microsoft.com/office/powerpoint/2010/main" val="436167680"/>
+        <p14:creationId xmlns:p14="http://schemas.microsoft.com/office/powerpoint/2010/main" val="1682036724"/>
       </p:ext>
     </p:extLst>
   </p:cSld>
@@ -19781,11 +19363,11 @@
                                     <p:cond delay="0"/>
                                   </p:stCondLst>
                                   <p:childTnLst>
-                                    <p:animMotion origin="layout" path="M 0 0 L 0.2777778 0 E" pathEditMode="relative" ptsTypes="">
+                                    <p:animMotion origin="layout" path="M 0 0 L 0.3472222 0 E" pathEditMode="relative" ptsTypes="">
                                       <p:cBhvr>
-                                        <p:cTn id="6" dur="60000" fill="hold"/>
+                                        <p:cTn id="6" dur="65000" fill="hold"/>
                                         <p:tgtEl>
-                                          <p:spTgt spid="34"/>
+                                          <p:spTgt spid="14"/>
                                         </p:tgtEl>
                                         <p:attrNameLst>
                                           <p:attrName>ppt_x</p:attrName>
@@ -19802,11 +19384,11 @@
                                     <p:cond delay="0"/>
                                   </p:stCondLst>
                                   <p:childTnLst>
-                                    <p:animMotion origin="layout" path="M 0 0 L 0.2777778 0 E" pathEditMode="relative" ptsTypes="">
+                                    <p:animMotion origin="layout" path="M 0 0 L 0.3472222 0 E" pathEditMode="relative" ptsTypes="">
                                       <p:cBhvr>
-                                        <p:cTn id="8" dur="60000" fill="hold"/>
+                                        <p:cTn id="8" dur="65000" fill="hold"/>
                                         <p:tgtEl>
-                                          <p:spTgt spid="35"/>
+                                          <p:spTgt spid="15"/>
                                         </p:tgtEl>
                                         <p:attrNameLst>
                                           <p:attrName>ppt_x</p:attrName>
@@ -19823,7 +19405,7 @@
                         <p:par>
                           <p:cTn id="9" fill="hold">
                             <p:stCondLst>
-                              <p:cond delay="60000"/>
+                              <p:cond delay="65000"/>
                             </p:stCondLst>
                             <p:childTnLst>
                               <p:par>
@@ -19836,7 +19418,7 @@
                                       <p:cBhvr override="childStyle">
                                         <p:cTn id="11" dur="1" fill="hold"/>
                                         <p:tgtEl>
-                                          <p:spTgt spid="34"/>
+                                          <p:spTgt spid="14"/>
                                         </p:tgtEl>
                                         <p:attrNameLst>
                                           <p:attrName>style.color</p:attrName>
@@ -19850,7 +19432,7 @@
                                       <p:cBhvr>
                                         <p:cTn id="12" dur="1" fill="hold"/>
                                         <p:tgtEl>
-                                          <p:spTgt spid="34"/>
+                                          <p:spTgt spid="14"/>
                                         </p:tgtEl>
                                         <p:attrNameLst>
                                           <p:attrName>fillcolor</p:attrName>
@@ -19864,7 +19446,7 @@
                                       <p:cBhvr>
                                         <p:cTn id="13" dur="1" fill="hold"/>
                                         <p:tgtEl>
-                                          <p:spTgt spid="34"/>
+                                          <p:spTgt spid="14"/>
                                         </p:tgtEl>
                                         <p:attrNameLst>
                                           <p:attrName>stroke.color</p:attrName>
@@ -19878,7 +19460,7 @@
                                       <p:cBhvr>
                                         <p:cTn id="14" dur="1" fill="hold"/>
                                         <p:tgtEl>
-                                          <p:spTgt spid="34"/>
+                                          <p:spTgt spid="14"/>
                                         </p:tgtEl>
                                         <p:attrNameLst>
                                           <p:attrName>fill.type</p:attrName>
@@ -19901,7 +19483,7 @@
                                       <p:cBhvr override="childStyle">
                                         <p:cTn id="16" dur="1" fill="hold"/>
                                         <p:tgtEl>
-                                          <p:spTgt spid="35"/>
+                                          <p:spTgt spid="15"/>
                                         </p:tgtEl>
                                         <p:attrNameLst>
                                           <p:attrName>style.color</p:attrName>
@@ -19915,7 +19497,7 @@
                                       <p:cBhvr>
                                         <p:cTn id="17" dur="1" fill="hold"/>
                                         <p:tgtEl>
-                                          <p:spTgt spid="35"/>
+                                          <p:spTgt spid="15"/>
                                         </p:tgtEl>
                                         <p:attrNameLst>
                                           <p:attrName>fillcolor</p:attrName>
@@ -19929,7 +19511,7 @@
                                       <p:cBhvr>
                                         <p:cTn id="18" dur="1" fill="hold"/>
                                         <p:tgtEl>
-                                          <p:spTgt spid="35"/>
+                                          <p:spTgt spid="15"/>
                                         </p:tgtEl>
                                         <p:attrNameLst>
                                           <p:attrName>stroke.color</p:attrName>
@@ -19943,7 +19525,7 @@
                                       <p:cBhvr>
                                         <p:cTn id="19" dur="1" fill="hold"/>
                                         <p:tgtEl>
-                                          <p:spTgt spid="35"/>
+                                          <p:spTgt spid="15"/>
                                         </p:tgtEl>
                                         <p:attrNameLst>
                                           <p:attrName>fill.type</p:attrName>
@@ -19984,10 +19566,10 @@
       </p:par>
     </p:tnLst>
     <p:bldLst>
-      <p:bldP spid="34" grpId="0" animBg="1"/>
-      <p:bldP spid="34" grpId="1" animBg="1"/>
-      <p:bldP spid="35" grpId="0" animBg="1"/>
-      <p:bldP spid="35" grpId="1" animBg="1"/>
+      <p:bldP spid="14" grpId="0" animBg="1"/>
+      <p:bldP spid="14" grpId="1" animBg="1"/>
+      <p:bldP spid="15" grpId="0" animBg="1"/>
+      <p:bldP spid="15" grpId="1" animBg="1"/>
     </p:bldLst>
   </p:timing>
 </p:sld>
@@ -20020,7 +19602,7 @@
       </p:grpSpPr>
       <p:sp>
         <p:nvSpPr>
-          <p:cNvPr id="2" name="TimerBody"/>
+          <p:cNvPr id="16" name="TimerBody"/>
           <p:cNvSpPr/>
           <p:nvPr>
             <p:custDataLst>
@@ -20030,8 +19612,8 @@
         </p:nvSpPr>
         <p:spPr>
           <a:xfrm>
-            <a:off x="3302000" y="571500"/>
-            <a:ext cx="2540000" cy="5715000"/>
+            <a:off x="2984500" y="889000"/>
+            <a:ext cx="3175000" cy="5080000"/>
           </a:xfrm>
           <a:prstGeom prst="rect">
             <a:avLst/>
@@ -20072,7 +19654,7 @@
       </p:sp>
       <p:grpSp>
         <p:nvGrpSpPr>
-          <p:cNvPr id="32" name="TimerLineMarkerGroup"/>
+          <p:cNvPr id="12" name="TimerLineMarkerGroup"/>
           <p:cNvGrpSpPr/>
           <p:nvPr>
             <p:custDataLst>
@@ -20082,15 +19664,171 @@
         </p:nvGrpSpPr>
         <p:grpSpPr>
           <a:xfrm>
-            <a:off x="3725333" y="571500"/>
-            <a:ext cx="1693333" cy="5715000"/>
-            <a:chOff x="1270000" y="0"/>
-            <a:chExt cx="5080000" cy="635000"/>
+            <a:off x="3472962" y="889000"/>
+            <a:ext cx="2442308" cy="5080000"/>
+            <a:chOff x="1172308" y="0"/>
+            <a:chExt cx="5861538" cy="635000"/>
           </a:xfrm>
         </p:grpSpPr>
         <p:cxnSp>
           <p:nvCxnSpPr>
-            <p:cNvPr id="22" name="TimerLineMarker10"/>
+            <p:cNvPr id="4" name="TimerLineMarker10"/>
+            <p:cNvCxnSpPr/>
+            <p:nvPr>
+              <p:custDataLst>
+                <p:tags r:id="rId9"/>
+              </p:custDataLst>
+            </p:nvPr>
+          </p:nvCxnSpPr>
+          <p:spPr>
+            <a:xfrm>
+              <a:off x="1172308" y="0"/>
+              <a:ext cx="0" cy="635000"/>
+            </a:xfrm>
+            <a:prstGeom prst="line">
+              <a:avLst/>
+            </a:prstGeom>
+            <a:ln w="25400">
+              <a:solidFill>
+                <a:srgbClr val="4472C4"/>
+              </a:solidFill>
+            </a:ln>
+          </p:spPr>
+          <p:style>
+            <a:lnRef idx="1">
+              <a:schemeClr val="accent1"/>
+            </a:lnRef>
+            <a:fillRef idx="0">
+              <a:schemeClr val="accent1"/>
+            </a:fillRef>
+            <a:effectRef idx="0">
+              <a:schemeClr val="accent1"/>
+            </a:effectRef>
+            <a:fontRef idx="minor">
+              <a:schemeClr val="tx1"/>
+            </a:fontRef>
+          </p:style>
+        </p:cxnSp>
+        <p:cxnSp>
+          <p:nvCxnSpPr>
+            <p:cNvPr id="5" name="TimerLineMarker20"/>
+            <p:cNvCxnSpPr/>
+            <p:nvPr>
+              <p:custDataLst>
+                <p:tags r:id="rId10"/>
+              </p:custDataLst>
+            </p:nvPr>
+          </p:nvCxnSpPr>
+          <p:spPr>
+            <a:xfrm>
+              <a:off x="2344615" y="0"/>
+              <a:ext cx="0" cy="635000"/>
+            </a:xfrm>
+            <a:prstGeom prst="line">
+              <a:avLst/>
+            </a:prstGeom>
+            <a:ln w="25400">
+              <a:solidFill>
+                <a:srgbClr val="4472C4"/>
+              </a:solidFill>
+            </a:ln>
+          </p:spPr>
+          <p:style>
+            <a:lnRef idx="1">
+              <a:schemeClr val="accent1"/>
+            </a:lnRef>
+            <a:fillRef idx="0">
+              <a:schemeClr val="accent1"/>
+            </a:fillRef>
+            <a:effectRef idx="0">
+              <a:schemeClr val="accent1"/>
+            </a:effectRef>
+            <a:fontRef idx="minor">
+              <a:schemeClr val="tx1"/>
+            </a:fontRef>
+          </p:style>
+        </p:cxnSp>
+        <p:cxnSp>
+          <p:nvCxnSpPr>
+            <p:cNvPr id="6" name="TimerLineMarker30"/>
+            <p:cNvCxnSpPr/>
+            <p:nvPr>
+              <p:custDataLst>
+                <p:tags r:id="rId11"/>
+              </p:custDataLst>
+            </p:nvPr>
+          </p:nvCxnSpPr>
+          <p:spPr>
+            <a:xfrm>
+              <a:off x="3516923" y="0"/>
+              <a:ext cx="0" cy="635000"/>
+            </a:xfrm>
+            <a:prstGeom prst="line">
+              <a:avLst/>
+            </a:prstGeom>
+            <a:ln w="25400">
+              <a:solidFill>
+                <a:srgbClr val="4472C4"/>
+              </a:solidFill>
+            </a:ln>
+          </p:spPr>
+          <p:style>
+            <a:lnRef idx="1">
+              <a:schemeClr val="accent1"/>
+            </a:lnRef>
+            <a:fillRef idx="0">
+              <a:schemeClr val="accent1"/>
+            </a:fillRef>
+            <a:effectRef idx="0">
+              <a:schemeClr val="accent1"/>
+            </a:effectRef>
+            <a:fontRef idx="minor">
+              <a:schemeClr val="tx1"/>
+            </a:fontRef>
+          </p:style>
+        </p:cxnSp>
+        <p:cxnSp>
+          <p:nvCxnSpPr>
+            <p:cNvPr id="7" name="TimerLineMarker40"/>
+            <p:cNvCxnSpPr/>
+            <p:nvPr>
+              <p:custDataLst>
+                <p:tags r:id="rId12"/>
+              </p:custDataLst>
+            </p:nvPr>
+          </p:nvCxnSpPr>
+          <p:spPr>
+            <a:xfrm>
+              <a:off x="4689231" y="0"/>
+              <a:ext cx="0" cy="635000"/>
+            </a:xfrm>
+            <a:prstGeom prst="line">
+              <a:avLst/>
+            </a:prstGeom>
+            <a:ln w="25400">
+              <a:solidFill>
+                <a:srgbClr val="4472C4"/>
+              </a:solidFill>
+            </a:ln>
+          </p:spPr>
+          <p:style>
+            <a:lnRef idx="1">
+              <a:schemeClr val="accent1"/>
+            </a:lnRef>
+            <a:fillRef idx="0">
+              <a:schemeClr val="accent1"/>
+            </a:fillRef>
+            <a:effectRef idx="0">
+              <a:schemeClr val="accent1"/>
+            </a:effectRef>
+            <a:fontRef idx="minor">
+              <a:schemeClr val="tx1"/>
+            </a:fontRef>
+          </p:style>
+        </p:cxnSp>
+        <p:cxnSp>
+          <p:nvCxnSpPr>
+            <p:cNvPr id="8" name="TimerLineMarker50"/>
             <p:cNvCxnSpPr/>
             <p:nvPr>
               <p:custDataLst>
@@ -20100,13 +19838,17 @@
           </p:nvCxnSpPr>
           <p:spPr>
             <a:xfrm>
-              <a:off x="1270000" y="0"/>
+              <a:off x="5861538" y="0"/>
               <a:ext cx="0" cy="635000"/>
             </a:xfrm>
             <a:prstGeom prst="line">
               <a:avLst/>
             </a:prstGeom>
-            <a:ln w="25400"/>
+            <a:ln w="25400">
+              <a:solidFill>
+                <a:srgbClr val="4472C4"/>
+              </a:solidFill>
+            </a:ln>
           </p:spPr>
           <p:style>
             <a:lnRef idx="1">
@@ -20125,7 +19867,7 @@
         </p:cxnSp>
         <p:cxnSp>
           <p:nvCxnSpPr>
-            <p:cNvPr id="24" name="TimerLineMarker20"/>
+            <p:cNvPr id="10" name="TimerLineMarker60"/>
             <p:cNvCxnSpPr/>
             <p:nvPr>
               <p:custDataLst>
@@ -20135,118 +19877,17 @@
           </p:nvCxnSpPr>
           <p:spPr>
             <a:xfrm>
-              <a:off x="2540000" y="0"/>
+              <a:off x="7033846" y="0"/>
               <a:ext cx="0" cy="635000"/>
             </a:xfrm>
             <a:prstGeom prst="line">
               <a:avLst/>
             </a:prstGeom>
-            <a:ln w="25400"/>
-          </p:spPr>
-          <p:style>
-            <a:lnRef idx="1">
-              <a:schemeClr val="accent1"/>
-            </a:lnRef>
-            <a:fillRef idx="0">
-              <a:schemeClr val="accent1"/>
-            </a:fillRef>
-            <a:effectRef idx="0">
-              <a:schemeClr val="accent1"/>
-            </a:effectRef>
-            <a:fontRef idx="minor">
-              <a:schemeClr val="tx1"/>
-            </a:fontRef>
-          </p:style>
-        </p:cxnSp>
-        <p:cxnSp>
-          <p:nvCxnSpPr>
-            <p:cNvPr id="26" name="TimerLineMarker30"/>
-            <p:cNvCxnSpPr/>
-            <p:nvPr>
-              <p:custDataLst>
-                <p:tags r:id="rId15"/>
-              </p:custDataLst>
-            </p:nvPr>
-          </p:nvCxnSpPr>
-          <p:spPr>
-            <a:xfrm>
-              <a:off x="3810000" y="0"/>
-              <a:ext cx="0" cy="635000"/>
-            </a:xfrm>
-            <a:prstGeom prst="line">
-              <a:avLst/>
-            </a:prstGeom>
-            <a:ln w="25400"/>
-          </p:spPr>
-          <p:style>
-            <a:lnRef idx="1">
-              <a:schemeClr val="accent1"/>
-            </a:lnRef>
-            <a:fillRef idx="0">
-              <a:schemeClr val="accent1"/>
-            </a:fillRef>
-            <a:effectRef idx="0">
-              <a:schemeClr val="accent1"/>
-            </a:effectRef>
-            <a:fontRef idx="minor">
-              <a:schemeClr val="tx1"/>
-            </a:fontRef>
-          </p:style>
-        </p:cxnSp>
-        <p:cxnSp>
-          <p:nvCxnSpPr>
-            <p:cNvPr id="28" name="TimerLineMarker40"/>
-            <p:cNvCxnSpPr/>
-            <p:nvPr>
-              <p:custDataLst>
-                <p:tags r:id="rId16"/>
-              </p:custDataLst>
-            </p:nvPr>
-          </p:nvCxnSpPr>
-          <p:spPr>
-            <a:xfrm>
-              <a:off x="5080000" y="0"/>
-              <a:ext cx="0" cy="635000"/>
-            </a:xfrm>
-            <a:prstGeom prst="line">
-              <a:avLst/>
-            </a:prstGeom>
-            <a:ln w="25400"/>
-          </p:spPr>
-          <p:style>
-            <a:lnRef idx="1">
-              <a:schemeClr val="accent1"/>
-            </a:lnRef>
-            <a:fillRef idx="0">
-              <a:schemeClr val="accent1"/>
-            </a:fillRef>
-            <a:effectRef idx="0">
-              <a:schemeClr val="accent1"/>
-            </a:effectRef>
-            <a:fontRef idx="minor">
-              <a:schemeClr val="tx1"/>
-            </a:fontRef>
-          </p:style>
-        </p:cxnSp>
-        <p:cxnSp>
-          <p:nvCxnSpPr>
-            <p:cNvPr id="30" name="TimerLineMarker50"/>
-            <p:cNvCxnSpPr/>
-            <p:nvPr>
-              <p:custDataLst>
-                <p:tags r:id="rId17"/>
-              </p:custDataLst>
-            </p:nvPr>
-          </p:nvCxnSpPr>
-          <p:spPr>
-            <a:xfrm>
-              <a:off x="6350000" y="0"/>
-              <a:ext cx="0" cy="635000"/>
-            </a:xfrm>
-            <a:prstGeom prst="line">
-              <a:avLst/>
-            </a:prstGeom>
-            <a:ln w="25400"/>
+            <a:ln w="50800">
+              <a:solidFill>
+                <a:srgbClr val="4472C4"/>
+              </a:solidFill>
+            </a:ln>
           </p:spPr>
           <p:style>
             <a:lnRef idx="1">
@@ -20266,7 +19907,7 @@
       </p:grpSp>
       <p:grpSp>
         <p:nvGrpSpPr>
-          <p:cNvPr id="33" name="TimerTimeMarkerGroup"/>
+          <p:cNvPr id="13" name="TimerTimeMarkerGroup"/>
           <p:cNvGrpSpPr/>
           <p:nvPr>
             <p:custDataLst>
@@ -20276,15 +19917,15 @@
         </p:nvGrpSpPr>
         <p:grpSpPr>
           <a:xfrm>
-            <a:off x="3302000" y="6286500"/>
-            <a:ext cx="2540000" cy="381000"/>
+            <a:off x="2984500" y="5969000"/>
+            <a:ext cx="3175000" cy="381000"/>
             <a:chOff x="0" y="0"/>
             <a:chExt cx="7632700" cy="381000"/>
           </a:xfrm>
         </p:grpSpPr>
         <p:sp>
           <p:nvSpPr>
-            <p:cNvPr id="20" name="TimerTimeMarker0"/>
+            <p:cNvPr id="3" name="TimerTimeMarker0"/>
             <p:cNvSpPr/>
             <p:nvPr>
               <p:custDataLst>
@@ -20357,7 +19998,7 @@
         </p:sp>
         <p:sp>
           <p:nvSpPr>
-            <p:cNvPr id="21" name="TimerTimeMarker10"/>
+            <p:cNvPr id="9" name="TimerTimeMarker60"/>
             <p:cNvSpPr/>
             <p:nvPr>
               <p:custDataLst>
@@ -20367,7 +20008,7 @@
           </p:nvSpPr>
           <p:spPr>
             <a:xfrm>
-              <a:off x="1270000" y="0"/>
+              <a:off x="7033846" y="0"/>
               <a:ext cx="12700" cy="381000"/>
             </a:xfrm>
             <a:prstGeom prst="rect">
@@ -20418,7 +20059,7 @@
                     <a:srgbClr val="5A5A5A"/>
                   </a:solidFill>
                 </a:rPr>
-                <a:t>10</a:t>
+                <a:t>1</a:t>
               </a:r>
               <a:endParaRPr lang="en-US">
                 <a:solidFill>
@@ -20430,303 +20071,11 @@
         </p:sp>
         <p:sp>
           <p:nvSpPr>
-            <p:cNvPr id="23" name="TimerTimeMarker20"/>
+            <p:cNvPr id="11" name="TimerTimeMarker65"/>
             <p:cNvSpPr/>
             <p:nvPr>
               <p:custDataLst>
                 <p:tags r:id="rId8"/>
-              </p:custDataLst>
-            </p:nvPr>
-          </p:nvSpPr>
-          <p:spPr>
-            <a:xfrm>
-              <a:off x="2540000" y="0"/>
-              <a:ext cx="12700" cy="381000"/>
-            </a:xfrm>
-            <a:prstGeom prst="rect">
-              <a:avLst/>
-            </a:prstGeom>
-            <a:solidFill>
-              <a:schemeClr val="accent1">
-                <a:alpha val="0"/>
-              </a:schemeClr>
-            </a:solidFill>
-            <a:ln w="25400" cap="flat" cmpd="sng" algn="ctr">
-              <a:solidFill>
-                <a:schemeClr val="accent1">
-                  <a:shade val="50000"/>
-                  <a:alpha val="0"/>
-                </a:schemeClr>
-              </a:solidFill>
-              <a:prstDash val="solid"/>
-              <a:round/>
-              <a:headEnd type="none" w="med" len="med"/>
-              <a:tailEnd type="none" w="med" len="med"/>
-            </a:ln>
-          </p:spPr>
-          <p:style>
-            <a:lnRef idx="2">
-              <a:schemeClr val="accent1">
-                <a:shade val="50000"/>
-              </a:schemeClr>
-            </a:lnRef>
-            <a:fillRef idx="1">
-              <a:schemeClr val="accent1"/>
-            </a:fillRef>
-            <a:effectRef idx="0">
-              <a:schemeClr val="accent1"/>
-            </a:effectRef>
-            <a:fontRef idx="minor">
-              <a:schemeClr val="lt1"/>
-            </a:fontRef>
-          </p:style>
-          <p:txBody>
-            <a:bodyPr wrap="none" rtlCol="0" anchor="ctr"/>
-            <a:lstStyle/>
-            <a:p>
-              <a:pPr algn="ctr"/>
-              <a:r>
-                <a:rPr lang="en-US" smtClean="0">
-                  <a:solidFill>
-                    <a:srgbClr val="5A5A5A"/>
-                  </a:solidFill>
-                </a:rPr>
-                <a:t>20</a:t>
-              </a:r>
-              <a:endParaRPr lang="en-US">
-                <a:solidFill>
-                  <a:srgbClr val="5A5A5A"/>
-                </a:solidFill>
-              </a:endParaRPr>
-            </a:p>
-          </p:txBody>
-        </p:sp>
-        <p:sp>
-          <p:nvSpPr>
-            <p:cNvPr id="25" name="TimerTimeMarker30"/>
-            <p:cNvSpPr/>
-            <p:nvPr>
-              <p:custDataLst>
-                <p:tags r:id="rId9"/>
-              </p:custDataLst>
-            </p:nvPr>
-          </p:nvSpPr>
-          <p:spPr>
-            <a:xfrm>
-              <a:off x="3810000" y="0"/>
-              <a:ext cx="12700" cy="381000"/>
-            </a:xfrm>
-            <a:prstGeom prst="rect">
-              <a:avLst/>
-            </a:prstGeom>
-            <a:solidFill>
-              <a:schemeClr val="accent1">
-                <a:alpha val="0"/>
-              </a:schemeClr>
-            </a:solidFill>
-            <a:ln w="25400" cap="flat" cmpd="sng" algn="ctr">
-              <a:solidFill>
-                <a:schemeClr val="accent1">
-                  <a:shade val="50000"/>
-                  <a:alpha val="0"/>
-                </a:schemeClr>
-              </a:solidFill>
-              <a:prstDash val="solid"/>
-              <a:round/>
-              <a:headEnd type="none" w="med" len="med"/>
-              <a:tailEnd type="none" w="med" len="med"/>
-            </a:ln>
-          </p:spPr>
-          <p:style>
-            <a:lnRef idx="2">
-              <a:schemeClr val="accent1">
-                <a:shade val="50000"/>
-              </a:schemeClr>
-            </a:lnRef>
-            <a:fillRef idx="1">
-              <a:schemeClr val="accent1"/>
-            </a:fillRef>
-            <a:effectRef idx="0">
-              <a:schemeClr val="accent1"/>
-            </a:effectRef>
-            <a:fontRef idx="minor">
-              <a:schemeClr val="lt1"/>
-            </a:fontRef>
-          </p:style>
-          <p:txBody>
-            <a:bodyPr wrap="none" rtlCol="0" anchor="ctr"/>
-            <a:lstStyle/>
-            <a:p>
-              <a:pPr algn="ctr"/>
-              <a:r>
-                <a:rPr lang="en-US" smtClean="0">
-                  <a:solidFill>
-                    <a:srgbClr val="5A5A5A"/>
-                  </a:solidFill>
-                </a:rPr>
-                <a:t>30</a:t>
-              </a:r>
-              <a:endParaRPr lang="en-US">
-                <a:solidFill>
-                  <a:srgbClr val="5A5A5A"/>
-                </a:solidFill>
-              </a:endParaRPr>
-            </a:p>
-          </p:txBody>
-        </p:sp>
-        <p:sp>
-          <p:nvSpPr>
-            <p:cNvPr id="27" name="TimerTimeMarker40"/>
-            <p:cNvSpPr/>
-            <p:nvPr>
-              <p:custDataLst>
-                <p:tags r:id="rId10"/>
-              </p:custDataLst>
-            </p:nvPr>
-          </p:nvSpPr>
-          <p:spPr>
-            <a:xfrm>
-              <a:off x="5080000" y="0"/>
-              <a:ext cx="12700" cy="381000"/>
-            </a:xfrm>
-            <a:prstGeom prst="rect">
-              <a:avLst/>
-            </a:prstGeom>
-            <a:solidFill>
-              <a:schemeClr val="accent1">
-                <a:alpha val="0"/>
-              </a:schemeClr>
-            </a:solidFill>
-            <a:ln w="25400" cap="flat" cmpd="sng" algn="ctr">
-              <a:solidFill>
-                <a:schemeClr val="accent1">
-                  <a:shade val="50000"/>
-                  <a:alpha val="0"/>
-                </a:schemeClr>
-              </a:solidFill>
-              <a:prstDash val="solid"/>
-              <a:round/>
-              <a:headEnd type="none" w="med" len="med"/>
-              <a:tailEnd type="none" w="med" len="med"/>
-            </a:ln>
-          </p:spPr>
-          <p:style>
-            <a:lnRef idx="2">
-              <a:schemeClr val="accent1">
-                <a:shade val="50000"/>
-              </a:schemeClr>
-            </a:lnRef>
-            <a:fillRef idx="1">
-              <a:schemeClr val="accent1"/>
-            </a:fillRef>
-            <a:effectRef idx="0">
-              <a:schemeClr val="accent1"/>
-            </a:effectRef>
-            <a:fontRef idx="minor">
-              <a:schemeClr val="lt1"/>
-            </a:fontRef>
-          </p:style>
-          <p:txBody>
-            <a:bodyPr wrap="none" rtlCol="0" anchor="ctr"/>
-            <a:lstStyle/>
-            <a:p>
-              <a:pPr algn="ctr"/>
-              <a:r>
-                <a:rPr lang="en-US" smtClean="0">
-                  <a:solidFill>
-                    <a:srgbClr val="5A5A5A"/>
-                  </a:solidFill>
-                </a:rPr>
-                <a:t>40</a:t>
-              </a:r>
-              <a:endParaRPr lang="en-US">
-                <a:solidFill>
-                  <a:srgbClr val="5A5A5A"/>
-                </a:solidFill>
-              </a:endParaRPr>
-            </a:p>
-          </p:txBody>
-        </p:sp>
-        <p:sp>
-          <p:nvSpPr>
-            <p:cNvPr id="29" name="TimerTimeMarker50"/>
-            <p:cNvSpPr/>
-            <p:nvPr>
-              <p:custDataLst>
-                <p:tags r:id="rId11"/>
-              </p:custDataLst>
-            </p:nvPr>
-          </p:nvSpPr>
-          <p:spPr>
-            <a:xfrm>
-              <a:off x="6350000" y="0"/>
-              <a:ext cx="12700" cy="381000"/>
-            </a:xfrm>
-            <a:prstGeom prst="rect">
-              <a:avLst/>
-            </a:prstGeom>
-            <a:solidFill>
-              <a:schemeClr val="accent1">
-                <a:alpha val="0"/>
-              </a:schemeClr>
-            </a:solidFill>
-            <a:ln w="25400" cap="flat" cmpd="sng" algn="ctr">
-              <a:solidFill>
-                <a:schemeClr val="accent1">
-                  <a:shade val="50000"/>
-                  <a:alpha val="0"/>
-                </a:schemeClr>
-              </a:solidFill>
-              <a:prstDash val="solid"/>
-              <a:round/>
-              <a:headEnd type="none" w="med" len="med"/>
-              <a:tailEnd type="none" w="med" len="med"/>
-            </a:ln>
-          </p:spPr>
-          <p:style>
-            <a:lnRef idx="2">
-              <a:schemeClr val="accent1">
-                <a:shade val="50000"/>
-              </a:schemeClr>
-            </a:lnRef>
-            <a:fillRef idx="1">
-              <a:schemeClr val="accent1"/>
-            </a:fillRef>
-            <a:effectRef idx="0">
-              <a:schemeClr val="accent1"/>
-            </a:effectRef>
-            <a:fontRef idx="minor">
-              <a:schemeClr val="lt1"/>
-            </a:fontRef>
-          </p:style>
-          <p:txBody>
-            <a:bodyPr wrap="none" rtlCol="0" anchor="ctr"/>
-            <a:lstStyle/>
-            <a:p>
-              <a:pPr algn="ctr"/>
-              <a:r>
-                <a:rPr lang="en-US" smtClean="0">
-                  <a:solidFill>
-                    <a:srgbClr val="5A5A5A"/>
-                  </a:solidFill>
-                </a:rPr>
-                <a:t>50</a:t>
-              </a:r>
-              <a:endParaRPr lang="en-US">
-                <a:solidFill>
-                  <a:srgbClr val="5A5A5A"/>
-                </a:solidFill>
-              </a:endParaRPr>
-            </a:p>
-          </p:txBody>
-        </p:sp>
-        <p:sp>
-          <p:nvSpPr>
-            <p:cNvPr id="31" name="TimerTimeMarker60"/>
-            <p:cNvSpPr/>
-            <p:nvPr>
-              <p:custDataLst>
-                <p:tags r:id="rId12"/>
               </p:custDataLst>
             </p:nvPr>
           </p:nvSpPr>
@@ -20783,7 +20132,7 @@
                     <a:srgbClr val="5A5A5A"/>
                   </a:solidFill>
                 </a:rPr>
-                <a:t>60</a:t>
+                <a:t>1.05</a:t>
               </a:r>
               <a:endParaRPr lang="en-US">
                 <a:solidFill>
@@ -20796,7 +20145,7 @@
       </p:grpSp>
       <p:sp>
         <p:nvSpPr>
-          <p:cNvPr id="34" name="TimerSliderHead"/>
+          <p:cNvPr id="14" name="TimerSliderHead"/>
           <p:cNvSpPr/>
           <p:nvPr>
             <p:custDataLst>
@@ -20806,7 +20155,7 @@
         </p:nvSpPr>
         <p:spPr>
           <a:xfrm rot="10800000">
-            <a:off x="3175000" y="444500"/>
+            <a:off x="2857500" y="762000"/>
             <a:ext cx="254000" cy="254000"/>
           </a:xfrm>
           <a:prstGeom prst="triangle">
@@ -20855,7 +20204,7 @@
       </p:sp>
       <p:sp>
         <p:nvSpPr>
-          <p:cNvPr id="35" name="TimerSliderBody"/>
+          <p:cNvPr id="15" name="TimerSliderBody"/>
           <p:cNvSpPr/>
           <p:nvPr>
             <p:custDataLst>
@@ -20865,8 +20214,8 @@
         </p:nvSpPr>
         <p:spPr>
           <a:xfrm>
-            <a:off x="3276600" y="571500"/>
-            <a:ext cx="50800" cy="5715000"/>
+            <a:off x="2959100" y="889000"/>
+            <a:ext cx="50800" cy="5080000"/>
           </a:xfrm>
           <a:prstGeom prst="rect">
             <a:avLst/>
@@ -20915,7 +20264,7 @@
     </p:spTree>
     <p:extLst>
       <p:ext uri="{BB962C8B-B14F-4D97-AF65-F5344CB8AC3E}">
-        <p14:creationId xmlns:p14="http://schemas.microsoft.com/office/powerpoint/2010/main" val="3234138298"/>
+        <p14:creationId xmlns:p14="http://schemas.microsoft.com/office/powerpoint/2010/main" val="1346769004"/>
       </p:ext>
     </p:extLst>
   </p:cSld>
@@ -20948,11 +20297,11 @@
                                     <p:cond delay="0"/>
                                   </p:stCondLst>
                                   <p:childTnLst>
-                                    <p:animMotion origin="layout" path="M 0 0 L 0.2777778 0 E" pathEditMode="relative" ptsTypes="">
+                                    <p:animMotion origin="layout" path="M 0 0 L 0.3472222 0 E" pathEditMode="relative" ptsTypes="">
                                       <p:cBhvr>
-                                        <p:cTn id="6" dur="60000" fill="hold"/>
+                                        <p:cTn id="6" dur="65000" fill="hold"/>
                                         <p:tgtEl>
-                                          <p:spTgt spid="34"/>
+                                          <p:spTgt spid="14"/>
                                         </p:tgtEl>
                                         <p:attrNameLst>
                                           <p:attrName>ppt_x</p:attrName>
@@ -20969,11 +20318,11 @@
                                     <p:cond delay="0"/>
                                   </p:stCondLst>
                                   <p:childTnLst>
-                                    <p:animMotion origin="layout" path="M 0 0 L 0.2777778 0 E" pathEditMode="relative" ptsTypes="">
+                                    <p:animMotion origin="layout" path="M 0 0 L 0.3472222 0 E" pathEditMode="relative" ptsTypes="">
                                       <p:cBhvr>
-                                        <p:cTn id="8" dur="60000" fill="hold"/>
+                                        <p:cTn id="8" dur="65000" fill="hold"/>
                                         <p:tgtEl>
-                                          <p:spTgt spid="35"/>
+                                          <p:spTgt spid="15"/>
                                         </p:tgtEl>
                                         <p:attrNameLst>
                                           <p:attrName>ppt_x</p:attrName>
@@ -20990,7 +20339,7 @@
                         <p:par>
                           <p:cTn id="9" fill="hold">
                             <p:stCondLst>
-                              <p:cond delay="60000"/>
+                              <p:cond delay="65000"/>
                             </p:stCondLst>
                             <p:childTnLst>
                               <p:par>
@@ -21003,7 +20352,7 @@
                                       <p:cBhvr override="childStyle">
                                         <p:cTn id="11" dur="1" fill="hold"/>
                                         <p:tgtEl>
-                                          <p:spTgt spid="34"/>
+                                          <p:spTgt spid="14"/>
                                         </p:tgtEl>
                                         <p:attrNameLst>
                                           <p:attrName>style.color</p:attrName>
@@ -21017,7 +20366,7 @@
                                       <p:cBhvr>
                                         <p:cTn id="12" dur="1" fill="hold"/>
                                         <p:tgtEl>
-                                          <p:spTgt spid="34"/>
+                                          <p:spTgt spid="14"/>
                                         </p:tgtEl>
                                         <p:attrNameLst>
                                           <p:attrName>fillcolor</p:attrName>
@@ -21031,7 +20380,7 @@
                                       <p:cBhvr>
                                         <p:cTn id="13" dur="1" fill="hold"/>
                                         <p:tgtEl>
-                                          <p:spTgt spid="34"/>
+                                          <p:spTgt spid="14"/>
                                         </p:tgtEl>
                                         <p:attrNameLst>
                                           <p:attrName>stroke.color</p:attrName>
@@ -21045,7 +20394,7 @@
                                       <p:cBhvr>
                                         <p:cTn id="14" dur="1" fill="hold"/>
                                         <p:tgtEl>
-                                          <p:spTgt spid="34"/>
+                                          <p:spTgt spid="14"/>
                                         </p:tgtEl>
                                         <p:attrNameLst>
                                           <p:attrName>fill.type</p:attrName>
@@ -21068,7 +20417,7 @@
                                       <p:cBhvr override="childStyle">
                                         <p:cTn id="16" dur="1" fill="hold"/>
                                         <p:tgtEl>
-                                          <p:spTgt spid="35"/>
+                                          <p:spTgt spid="15"/>
                                         </p:tgtEl>
                                         <p:attrNameLst>
                                           <p:attrName>style.color</p:attrName>
@@ -21082,7 +20431,7 @@
                                       <p:cBhvr>
                                         <p:cTn id="17" dur="1" fill="hold"/>
                                         <p:tgtEl>
-                                          <p:spTgt spid="35"/>
+                                          <p:spTgt spid="15"/>
                                         </p:tgtEl>
                                         <p:attrNameLst>
                                           <p:attrName>fillcolor</p:attrName>
@@ -21096,7 +20445,7 @@
                                       <p:cBhvr>
                                         <p:cTn id="18" dur="1" fill="hold"/>
                                         <p:tgtEl>
-                                          <p:spTgt spid="35"/>
+                                          <p:spTgt spid="15"/>
                                         </p:tgtEl>
                                         <p:attrNameLst>
                                           <p:attrName>stroke.color</p:attrName>
@@ -21110,7 +20459,7 @@
                                       <p:cBhvr>
                                         <p:cTn id="19" dur="1" fill="hold"/>
                                         <p:tgtEl>
-                                          <p:spTgt spid="35"/>
+                                          <p:spTgt spid="15"/>
                                         </p:tgtEl>
                                         <p:attrNameLst>
                                           <p:attrName>fill.type</p:attrName>
@@ -21151,10 +20500,10 @@
       </p:par>
     </p:tnLst>
     <p:bldLst>
-      <p:bldP spid="34" grpId="0" animBg="1"/>
-      <p:bldP spid="34" grpId="1" animBg="1"/>
-      <p:bldP spid="35" grpId="0" animBg="1"/>
-      <p:bldP spid="35" grpId="1" animBg="1"/>
+      <p:bldP spid="14" grpId="0" animBg="1"/>
+      <p:bldP spid="14" grpId="1" animBg="1"/>
+      <p:bldP spid="15" grpId="0" animBg="1"/>
+      <p:bldP spid="15" grpId="1" animBg="1"/>
     </p:bldLst>
   </p:timing>
 </p:sld>
@@ -21187,7 +20536,7 @@
       </p:grpSpPr>
       <p:sp>
         <p:nvSpPr>
-          <p:cNvPr id="2" name="TimerBody"/>
+          <p:cNvPr id="16" name="TimerBody"/>
           <p:cNvSpPr/>
           <p:nvPr>
             <p:custDataLst>
@@ -21197,8 +20546,8 @@
         </p:nvSpPr>
         <p:spPr>
           <a:xfrm>
-            <a:off x="3302000" y="571500"/>
-            <a:ext cx="2540000" cy="5715000"/>
+            <a:off x="2984500" y="889000"/>
+            <a:ext cx="3175000" cy="5080000"/>
           </a:xfrm>
           <a:prstGeom prst="rect">
             <a:avLst/>
@@ -21239,7 +20588,7 @@
       </p:sp>
       <p:grpSp>
         <p:nvGrpSpPr>
-          <p:cNvPr id="59" name="TimerLineMarkerGroup"/>
+          <p:cNvPr id="25" name="TimerLineMarkerGroup"/>
           <p:cNvGrpSpPr/>
           <p:nvPr>
             <p:custDataLst>
@@ -21249,26 +20598,26 @@
         </p:nvGrpSpPr>
         <p:grpSpPr>
           <a:xfrm>
-            <a:off x="3725333" y="571500"/>
-            <a:ext cx="1693333" cy="5715000"/>
-            <a:chOff x="423333" y="0"/>
-            <a:chExt cx="1693334" cy="5715000"/>
+            <a:off x="3472962" y="889000"/>
+            <a:ext cx="2442308" cy="5080000"/>
+            <a:chOff x="488462" y="0"/>
+            <a:chExt cx="2442307" cy="5080000"/>
           </a:xfrm>
         </p:grpSpPr>
         <p:cxnSp>
           <p:nvCxnSpPr>
-            <p:cNvPr id="49" name="TimerLineMarker10"/>
+            <p:cNvPr id="17" name="TimerLineMarker10"/>
             <p:cNvCxnSpPr/>
             <p:nvPr>
               <p:custDataLst>
-                <p:tags r:id="rId13"/>
+                <p:tags r:id="rId9"/>
               </p:custDataLst>
             </p:nvPr>
           </p:nvCxnSpPr>
           <p:spPr>
             <a:xfrm>
-              <a:off x="423333" y="0"/>
-              <a:ext cx="0" cy="5715000"/>
+              <a:off x="488462" y="0"/>
+              <a:ext cx="0" cy="5080000"/>
             </a:xfrm>
             <a:prstGeom prst="line">
               <a:avLst/>
@@ -21296,18 +20645,18 @@
         </p:cxnSp>
         <p:cxnSp>
           <p:nvCxnSpPr>
-            <p:cNvPr id="51" name="TimerLineMarker20"/>
+            <p:cNvPr id="18" name="TimerLineMarker20"/>
             <p:cNvCxnSpPr/>
             <p:nvPr>
               <p:custDataLst>
-                <p:tags r:id="rId14"/>
+                <p:tags r:id="rId10"/>
               </p:custDataLst>
             </p:nvPr>
           </p:nvCxnSpPr>
           <p:spPr>
             <a:xfrm>
-              <a:off x="846667" y="0"/>
-              <a:ext cx="0" cy="5715000"/>
+              <a:off x="976923" y="0"/>
+              <a:ext cx="0" cy="5080000"/>
             </a:xfrm>
             <a:prstGeom prst="line">
               <a:avLst/>
@@ -21335,18 +20684,18 @@
         </p:cxnSp>
         <p:cxnSp>
           <p:nvCxnSpPr>
-            <p:cNvPr id="53" name="TimerLineMarker30"/>
+            <p:cNvPr id="19" name="TimerLineMarker30"/>
             <p:cNvCxnSpPr/>
             <p:nvPr>
               <p:custDataLst>
-                <p:tags r:id="rId15"/>
+                <p:tags r:id="rId11"/>
               </p:custDataLst>
             </p:nvPr>
           </p:nvCxnSpPr>
           <p:spPr>
             <a:xfrm>
-              <a:off x="1270000" y="0"/>
-              <a:ext cx="0" cy="5715000"/>
+              <a:off x="1465385" y="0"/>
+              <a:ext cx="0" cy="5080000"/>
             </a:xfrm>
             <a:prstGeom prst="line">
               <a:avLst/>
@@ -21374,18 +20723,18 @@
         </p:cxnSp>
         <p:cxnSp>
           <p:nvCxnSpPr>
-            <p:cNvPr id="55" name="TimerLineMarker40"/>
+            <p:cNvPr id="20" name="TimerLineMarker40"/>
             <p:cNvCxnSpPr/>
             <p:nvPr>
               <p:custDataLst>
-                <p:tags r:id="rId16"/>
+                <p:tags r:id="rId12"/>
               </p:custDataLst>
             </p:nvPr>
           </p:nvCxnSpPr>
           <p:spPr>
             <a:xfrm>
-              <a:off x="1693333" y="0"/>
-              <a:ext cx="0" cy="5715000"/>
+              <a:off x="1953846" y="0"/>
+              <a:ext cx="0" cy="5080000"/>
             </a:xfrm>
             <a:prstGeom prst="line">
               <a:avLst/>
@@ -21413,18 +20762,18 @@
         </p:cxnSp>
         <p:cxnSp>
           <p:nvCxnSpPr>
-            <p:cNvPr id="57" name="TimerLineMarker50"/>
+            <p:cNvPr id="21" name="TimerLineMarker50"/>
             <p:cNvCxnSpPr/>
             <p:nvPr>
               <p:custDataLst>
-                <p:tags r:id="rId17"/>
+                <p:tags r:id="rId13"/>
               </p:custDataLst>
             </p:nvPr>
           </p:nvCxnSpPr>
           <p:spPr>
             <a:xfrm>
-              <a:off x="2116667" y="0"/>
-              <a:ext cx="0" cy="5715000"/>
+              <a:off x="2442308" y="0"/>
+              <a:ext cx="0" cy="5080000"/>
             </a:xfrm>
             <a:prstGeom prst="line">
               <a:avLst/>
@@ -21450,10 +20799,49 @@
             </a:fontRef>
           </p:style>
         </p:cxnSp>
+        <p:cxnSp>
+          <p:nvCxnSpPr>
+            <p:cNvPr id="23" name="TimerLineMarker60"/>
+            <p:cNvCxnSpPr/>
+            <p:nvPr>
+              <p:custDataLst>
+                <p:tags r:id="rId14"/>
+              </p:custDataLst>
+            </p:nvPr>
+          </p:nvCxnSpPr>
+          <p:spPr>
+            <a:xfrm>
+              <a:off x="2930769" y="0"/>
+              <a:ext cx="0" cy="5080000"/>
+            </a:xfrm>
+            <a:prstGeom prst="line">
+              <a:avLst/>
+            </a:prstGeom>
+            <a:ln w="50800">
+              <a:solidFill>
+                <a:srgbClr val="FFFF00"/>
+              </a:solidFill>
+            </a:ln>
+          </p:spPr>
+          <p:style>
+            <a:lnRef idx="1">
+              <a:schemeClr val="accent1"/>
+            </a:lnRef>
+            <a:fillRef idx="0">
+              <a:schemeClr val="accent1"/>
+            </a:fillRef>
+            <a:effectRef idx="0">
+              <a:schemeClr val="accent1"/>
+            </a:effectRef>
+            <a:fontRef idx="minor">
+              <a:schemeClr val="tx1"/>
+            </a:fontRef>
+          </p:style>
+        </p:cxnSp>
       </p:grpSp>
       <p:grpSp>
         <p:nvGrpSpPr>
-          <p:cNvPr id="60" name="TimerTimeMarkerGroup"/>
+          <p:cNvPr id="26" name="TimerTimeMarkerGroup"/>
           <p:cNvGrpSpPr/>
           <p:nvPr>
             <p:custDataLst>
@@ -21463,15 +20851,15 @@
         </p:nvGrpSpPr>
         <p:grpSpPr>
           <a:xfrm>
-            <a:off x="3302000" y="6286500"/>
-            <a:ext cx="2540000" cy="381000"/>
+            <a:off x="2984500" y="5969000"/>
+            <a:ext cx="3175000" cy="381000"/>
             <a:chOff x="0" y="0"/>
-            <a:chExt cx="2552700" cy="381000"/>
+            <a:chExt cx="3187700" cy="381000"/>
           </a:xfrm>
         </p:grpSpPr>
         <p:sp>
           <p:nvSpPr>
-            <p:cNvPr id="47" name="TimerTimeMarker0"/>
+            <p:cNvPr id="2" name="TimerTimeMarker0"/>
             <p:cNvSpPr/>
             <p:nvPr>
               <p:custDataLst>
@@ -21544,7 +20932,7 @@
         </p:sp>
         <p:sp>
           <p:nvSpPr>
-            <p:cNvPr id="48" name="TimerTimeMarker10"/>
+            <p:cNvPr id="22" name="TimerTimeMarker60"/>
             <p:cNvSpPr/>
             <p:nvPr>
               <p:custDataLst>
@@ -21554,7 +20942,7 @@
           </p:nvSpPr>
           <p:spPr>
             <a:xfrm>
-              <a:off x="423333" y="0"/>
+              <a:off x="2930769" y="0"/>
               <a:ext cx="12700" cy="381000"/>
             </a:xfrm>
             <a:prstGeom prst="rect">
@@ -21605,7 +20993,7 @@
                     <a:srgbClr val="5A5A5A"/>
                   </a:solidFill>
                 </a:rPr>
-                <a:t>10</a:t>
+                <a:t>1</a:t>
               </a:r>
               <a:endParaRPr lang="en-US">
                 <a:solidFill>
@@ -21617,7 +21005,7 @@
         </p:sp>
         <p:sp>
           <p:nvSpPr>
-            <p:cNvPr id="50" name="TimerTimeMarker20"/>
+            <p:cNvPr id="24" name="TimerTimeMarker65"/>
             <p:cNvSpPr/>
             <p:nvPr>
               <p:custDataLst>
@@ -21627,7 +21015,7 @@
           </p:nvSpPr>
           <p:spPr>
             <a:xfrm>
-              <a:off x="846667" y="0"/>
+              <a:off x="3175000" y="0"/>
               <a:ext cx="12700" cy="381000"/>
             </a:xfrm>
             <a:prstGeom prst="rect">
@@ -21678,299 +21066,7 @@
                     <a:srgbClr val="5A5A5A"/>
                   </a:solidFill>
                 </a:rPr>
-                <a:t>20</a:t>
-              </a:r>
-              <a:endParaRPr lang="en-US">
-                <a:solidFill>
-                  <a:srgbClr val="5A5A5A"/>
-                </a:solidFill>
-              </a:endParaRPr>
-            </a:p>
-          </p:txBody>
-        </p:sp>
-        <p:sp>
-          <p:nvSpPr>
-            <p:cNvPr id="52" name="TimerTimeMarker30"/>
-            <p:cNvSpPr/>
-            <p:nvPr>
-              <p:custDataLst>
-                <p:tags r:id="rId9"/>
-              </p:custDataLst>
-            </p:nvPr>
-          </p:nvSpPr>
-          <p:spPr>
-            <a:xfrm>
-              <a:off x="1270000" y="0"/>
-              <a:ext cx="12700" cy="381000"/>
-            </a:xfrm>
-            <a:prstGeom prst="rect">
-              <a:avLst/>
-            </a:prstGeom>
-            <a:solidFill>
-              <a:schemeClr val="accent1">
-                <a:alpha val="0"/>
-              </a:schemeClr>
-            </a:solidFill>
-            <a:ln w="25400" cap="flat" cmpd="sng" algn="ctr">
-              <a:solidFill>
-                <a:schemeClr val="accent1">
-                  <a:shade val="50000"/>
-                  <a:alpha val="0"/>
-                </a:schemeClr>
-              </a:solidFill>
-              <a:prstDash val="solid"/>
-              <a:round/>
-              <a:headEnd type="none" w="med" len="med"/>
-              <a:tailEnd type="none" w="med" len="med"/>
-            </a:ln>
-          </p:spPr>
-          <p:style>
-            <a:lnRef idx="2">
-              <a:schemeClr val="accent1">
-                <a:shade val="50000"/>
-              </a:schemeClr>
-            </a:lnRef>
-            <a:fillRef idx="1">
-              <a:schemeClr val="accent1"/>
-            </a:fillRef>
-            <a:effectRef idx="0">
-              <a:schemeClr val="accent1"/>
-            </a:effectRef>
-            <a:fontRef idx="minor">
-              <a:schemeClr val="lt1"/>
-            </a:fontRef>
-          </p:style>
-          <p:txBody>
-            <a:bodyPr wrap="none" rtlCol="0" anchor="ctr"/>
-            <a:lstStyle/>
-            <a:p>
-              <a:pPr algn="ctr"/>
-              <a:r>
-                <a:rPr lang="en-US" smtClean="0">
-                  <a:solidFill>
-                    <a:srgbClr val="5A5A5A"/>
-                  </a:solidFill>
-                </a:rPr>
-                <a:t>30</a:t>
-              </a:r>
-              <a:endParaRPr lang="en-US">
-                <a:solidFill>
-                  <a:srgbClr val="5A5A5A"/>
-                </a:solidFill>
-              </a:endParaRPr>
-            </a:p>
-          </p:txBody>
-        </p:sp>
-        <p:sp>
-          <p:nvSpPr>
-            <p:cNvPr id="54" name="TimerTimeMarker40"/>
-            <p:cNvSpPr/>
-            <p:nvPr>
-              <p:custDataLst>
-                <p:tags r:id="rId10"/>
-              </p:custDataLst>
-            </p:nvPr>
-          </p:nvSpPr>
-          <p:spPr>
-            <a:xfrm>
-              <a:off x="1693333" y="0"/>
-              <a:ext cx="12700" cy="381000"/>
-            </a:xfrm>
-            <a:prstGeom prst="rect">
-              <a:avLst/>
-            </a:prstGeom>
-            <a:solidFill>
-              <a:schemeClr val="accent1">
-                <a:alpha val="0"/>
-              </a:schemeClr>
-            </a:solidFill>
-            <a:ln w="25400" cap="flat" cmpd="sng" algn="ctr">
-              <a:solidFill>
-                <a:schemeClr val="accent1">
-                  <a:shade val="50000"/>
-                  <a:alpha val="0"/>
-                </a:schemeClr>
-              </a:solidFill>
-              <a:prstDash val="solid"/>
-              <a:round/>
-              <a:headEnd type="none" w="med" len="med"/>
-              <a:tailEnd type="none" w="med" len="med"/>
-            </a:ln>
-          </p:spPr>
-          <p:style>
-            <a:lnRef idx="2">
-              <a:schemeClr val="accent1">
-                <a:shade val="50000"/>
-              </a:schemeClr>
-            </a:lnRef>
-            <a:fillRef idx="1">
-              <a:schemeClr val="accent1"/>
-            </a:fillRef>
-            <a:effectRef idx="0">
-              <a:schemeClr val="accent1"/>
-            </a:effectRef>
-            <a:fontRef idx="minor">
-              <a:schemeClr val="lt1"/>
-            </a:fontRef>
-          </p:style>
-          <p:txBody>
-            <a:bodyPr wrap="none" rtlCol="0" anchor="ctr"/>
-            <a:lstStyle/>
-            <a:p>
-              <a:pPr algn="ctr"/>
-              <a:r>
-                <a:rPr lang="en-US" smtClean="0">
-                  <a:solidFill>
-                    <a:srgbClr val="5A5A5A"/>
-                  </a:solidFill>
-                </a:rPr>
-                <a:t>40</a:t>
-              </a:r>
-              <a:endParaRPr lang="en-US">
-                <a:solidFill>
-                  <a:srgbClr val="5A5A5A"/>
-                </a:solidFill>
-              </a:endParaRPr>
-            </a:p>
-          </p:txBody>
-        </p:sp>
-        <p:sp>
-          <p:nvSpPr>
-            <p:cNvPr id="56" name="TimerTimeMarker50"/>
-            <p:cNvSpPr/>
-            <p:nvPr>
-              <p:custDataLst>
-                <p:tags r:id="rId11"/>
-              </p:custDataLst>
-            </p:nvPr>
-          </p:nvSpPr>
-          <p:spPr>
-            <a:xfrm>
-              <a:off x="2116667" y="0"/>
-              <a:ext cx="12700" cy="381000"/>
-            </a:xfrm>
-            <a:prstGeom prst="rect">
-              <a:avLst/>
-            </a:prstGeom>
-            <a:solidFill>
-              <a:schemeClr val="accent1">
-                <a:alpha val="0"/>
-              </a:schemeClr>
-            </a:solidFill>
-            <a:ln w="25400" cap="flat" cmpd="sng" algn="ctr">
-              <a:solidFill>
-                <a:schemeClr val="accent1">
-                  <a:shade val="50000"/>
-                  <a:alpha val="0"/>
-                </a:schemeClr>
-              </a:solidFill>
-              <a:prstDash val="solid"/>
-              <a:round/>
-              <a:headEnd type="none" w="med" len="med"/>
-              <a:tailEnd type="none" w="med" len="med"/>
-            </a:ln>
-          </p:spPr>
-          <p:style>
-            <a:lnRef idx="2">
-              <a:schemeClr val="accent1">
-                <a:shade val="50000"/>
-              </a:schemeClr>
-            </a:lnRef>
-            <a:fillRef idx="1">
-              <a:schemeClr val="accent1"/>
-            </a:fillRef>
-            <a:effectRef idx="0">
-              <a:schemeClr val="accent1"/>
-            </a:effectRef>
-            <a:fontRef idx="minor">
-              <a:schemeClr val="lt1"/>
-            </a:fontRef>
-          </p:style>
-          <p:txBody>
-            <a:bodyPr wrap="none" rtlCol="0" anchor="ctr"/>
-            <a:lstStyle/>
-            <a:p>
-              <a:pPr algn="ctr"/>
-              <a:r>
-                <a:rPr lang="en-US" smtClean="0">
-                  <a:solidFill>
-                    <a:srgbClr val="5A5A5A"/>
-                  </a:solidFill>
-                </a:rPr>
-                <a:t>50</a:t>
-              </a:r>
-              <a:endParaRPr lang="en-US">
-                <a:solidFill>
-                  <a:srgbClr val="5A5A5A"/>
-                </a:solidFill>
-              </a:endParaRPr>
-            </a:p>
-          </p:txBody>
-        </p:sp>
-        <p:sp>
-          <p:nvSpPr>
-            <p:cNvPr id="58" name="TimerTimeMarker60"/>
-            <p:cNvSpPr/>
-            <p:nvPr>
-              <p:custDataLst>
-                <p:tags r:id="rId12"/>
-              </p:custDataLst>
-            </p:nvPr>
-          </p:nvSpPr>
-          <p:spPr>
-            <a:xfrm>
-              <a:off x="2540000" y="0"/>
-              <a:ext cx="12700" cy="381000"/>
-            </a:xfrm>
-            <a:prstGeom prst="rect">
-              <a:avLst/>
-            </a:prstGeom>
-            <a:solidFill>
-              <a:schemeClr val="accent1">
-                <a:alpha val="0"/>
-              </a:schemeClr>
-            </a:solidFill>
-            <a:ln w="25400" cap="flat" cmpd="sng" algn="ctr">
-              <a:solidFill>
-                <a:schemeClr val="accent1">
-                  <a:shade val="50000"/>
-                  <a:alpha val="0"/>
-                </a:schemeClr>
-              </a:solidFill>
-              <a:prstDash val="solid"/>
-              <a:round/>
-              <a:headEnd type="none" w="med" len="med"/>
-              <a:tailEnd type="none" w="med" len="med"/>
-            </a:ln>
-          </p:spPr>
-          <p:style>
-            <a:lnRef idx="2">
-              <a:schemeClr val="accent1">
-                <a:shade val="50000"/>
-              </a:schemeClr>
-            </a:lnRef>
-            <a:fillRef idx="1">
-              <a:schemeClr val="accent1"/>
-            </a:fillRef>
-            <a:effectRef idx="0">
-              <a:schemeClr val="accent1"/>
-            </a:effectRef>
-            <a:fontRef idx="minor">
-              <a:schemeClr val="lt1"/>
-            </a:fontRef>
-          </p:style>
-          <p:txBody>
-            <a:bodyPr wrap="none" rtlCol="0" anchor="ctr"/>
-            <a:lstStyle/>
-            <a:p>
-              <a:pPr algn="ctr"/>
-              <a:r>
-                <a:rPr lang="en-US" smtClean="0">
-                  <a:solidFill>
-                    <a:srgbClr val="5A5A5A"/>
-                  </a:solidFill>
-                </a:rPr>
-                <a:t>60</a:t>
+                <a:t>1.05</a:t>
               </a:r>
               <a:endParaRPr lang="en-US">
                 <a:solidFill>
@@ -21983,7 +21079,7 @@
       </p:grpSp>
       <p:sp>
         <p:nvSpPr>
-          <p:cNvPr id="34" name="TimerSliderHead"/>
+          <p:cNvPr id="14" name="TimerSliderHead"/>
           <p:cNvSpPr/>
           <p:nvPr>
             <p:custDataLst>
@@ -21993,7 +21089,7 @@
         </p:nvSpPr>
         <p:spPr>
           <a:xfrm rot="10800000">
-            <a:off x="3175000" y="444500"/>
+            <a:off x="2857500" y="762000"/>
             <a:ext cx="254000" cy="254000"/>
           </a:xfrm>
           <a:prstGeom prst="triangle">
@@ -22042,7 +21138,7 @@
       </p:sp>
       <p:sp>
         <p:nvSpPr>
-          <p:cNvPr id="35" name="TimerSliderBody"/>
+          <p:cNvPr id="15" name="TimerSliderBody"/>
           <p:cNvSpPr/>
           <p:nvPr>
             <p:custDataLst>
@@ -22052,8 +21148,8 @@
         </p:nvSpPr>
         <p:spPr>
           <a:xfrm>
-            <a:off x="3276600" y="571500"/>
-            <a:ext cx="50800" cy="5715000"/>
+            <a:off x="2959100" y="889000"/>
+            <a:ext cx="50800" cy="5080000"/>
           </a:xfrm>
           <a:prstGeom prst="rect">
             <a:avLst/>
@@ -22102,7 +21198,7 @@
     </p:spTree>
     <p:extLst>
       <p:ext uri="{BB962C8B-B14F-4D97-AF65-F5344CB8AC3E}">
-        <p14:creationId xmlns:p14="http://schemas.microsoft.com/office/powerpoint/2010/main" val="3125384690"/>
+        <p14:creationId xmlns:p14="http://schemas.microsoft.com/office/powerpoint/2010/main" val="1213790704"/>
       </p:ext>
     </p:extLst>
   </p:cSld>
@@ -22135,11 +21231,11 @@
                                     <p:cond delay="0"/>
                                   </p:stCondLst>
                                   <p:childTnLst>
-                                    <p:animMotion origin="layout" path="M 0 0 L 0.2777778 0 E" pathEditMode="relative" ptsTypes="">
+                                    <p:animMotion origin="layout" path="M 0 0 L 0.3472222 0 E" pathEditMode="relative" ptsTypes="">
                                       <p:cBhvr>
-                                        <p:cTn id="6" dur="60000" fill="hold"/>
+                                        <p:cTn id="6" dur="65000" fill="hold"/>
                                         <p:tgtEl>
-                                          <p:spTgt spid="34"/>
+                                          <p:spTgt spid="14"/>
                                         </p:tgtEl>
                                         <p:attrNameLst>
                                           <p:attrName>ppt_x</p:attrName>
@@ -22156,11 +21252,11 @@
                                     <p:cond delay="0"/>
                                   </p:stCondLst>
                                   <p:childTnLst>
-                                    <p:animMotion origin="layout" path="M 0 0 L 0.2777778 0 E" pathEditMode="relative" ptsTypes="">
+                                    <p:animMotion origin="layout" path="M 0 0 L 0.3472222 0 E" pathEditMode="relative" ptsTypes="">
                                       <p:cBhvr>
-                                        <p:cTn id="8" dur="60000" fill="hold"/>
+                                        <p:cTn id="8" dur="65000" fill="hold"/>
                                         <p:tgtEl>
-                                          <p:spTgt spid="35"/>
+                                          <p:spTgt spid="15"/>
                                         </p:tgtEl>
                                         <p:attrNameLst>
                                           <p:attrName>ppt_x</p:attrName>
@@ -22177,7 +21273,7 @@
                         <p:par>
                           <p:cTn id="9" fill="hold">
                             <p:stCondLst>
-                              <p:cond delay="60000"/>
+                              <p:cond delay="65000"/>
                             </p:stCondLst>
                             <p:childTnLst>
                               <p:par>
@@ -22190,7 +21286,7 @@
                                       <p:cBhvr override="childStyle">
                                         <p:cTn id="11" dur="1" fill="hold"/>
                                         <p:tgtEl>
-                                          <p:spTgt spid="34"/>
+                                          <p:spTgt spid="14"/>
                                         </p:tgtEl>
                                         <p:attrNameLst>
                                           <p:attrName>style.color</p:attrName>
@@ -22204,7 +21300,7 @@
                                       <p:cBhvr>
                                         <p:cTn id="12" dur="1" fill="hold"/>
                                         <p:tgtEl>
-                                          <p:spTgt spid="34"/>
+                                          <p:spTgt spid="14"/>
                                         </p:tgtEl>
                                         <p:attrNameLst>
                                           <p:attrName>fillcolor</p:attrName>
@@ -22218,7 +21314,7 @@
                                       <p:cBhvr>
                                         <p:cTn id="13" dur="1" fill="hold"/>
                                         <p:tgtEl>
-                                          <p:spTgt spid="34"/>
+                                          <p:spTgt spid="14"/>
                                         </p:tgtEl>
                                         <p:attrNameLst>
                                           <p:attrName>stroke.color</p:attrName>
@@ -22232,7 +21328,7 @@
                                       <p:cBhvr>
                                         <p:cTn id="14" dur="1" fill="hold"/>
                                         <p:tgtEl>
-                                          <p:spTgt spid="34"/>
+                                          <p:spTgt spid="14"/>
                                         </p:tgtEl>
                                         <p:attrNameLst>
                                           <p:attrName>fill.type</p:attrName>
@@ -22255,7 +21351,7 @@
                                       <p:cBhvr override="childStyle">
                                         <p:cTn id="16" dur="1" fill="hold"/>
                                         <p:tgtEl>
-                                          <p:spTgt spid="35"/>
+                                          <p:spTgt spid="15"/>
                                         </p:tgtEl>
                                         <p:attrNameLst>
                                           <p:attrName>style.color</p:attrName>
@@ -22269,7 +21365,7 @@
                                       <p:cBhvr>
                                         <p:cTn id="17" dur="1" fill="hold"/>
                                         <p:tgtEl>
-                                          <p:spTgt spid="35"/>
+                                          <p:spTgt spid="15"/>
                                         </p:tgtEl>
                                         <p:attrNameLst>
                                           <p:attrName>fillcolor</p:attrName>
@@ -22283,7 +21379,7 @@
                                       <p:cBhvr>
                                         <p:cTn id="18" dur="1" fill="hold"/>
                                         <p:tgtEl>
-                                          <p:spTgt spid="35"/>
+                                          <p:spTgt spid="15"/>
                                         </p:tgtEl>
                                         <p:attrNameLst>
                                           <p:attrName>stroke.color</p:attrName>
@@ -22297,7 +21393,7 @@
                                       <p:cBhvr>
                                         <p:cTn id="19" dur="1" fill="hold"/>
                                         <p:tgtEl>
-                                          <p:spTgt spid="35"/>
+                                          <p:spTgt spid="15"/>
                                         </p:tgtEl>
                                         <p:attrNameLst>
                                           <p:attrName>fill.type</p:attrName>
@@ -22338,10 +21434,10 @@
       </p:par>
     </p:tnLst>
     <p:bldLst>
-      <p:bldP spid="34" grpId="0" animBg="1"/>
-      <p:bldP spid="34" grpId="1" animBg="1"/>
-      <p:bldP spid="35" grpId="0" animBg="1"/>
-      <p:bldP spid="35" grpId="1" animBg="1"/>
+      <p:bldP spid="14" grpId="0" animBg="1"/>
+      <p:bldP spid="14" grpId="1" animBg="1"/>
+      <p:bldP spid="15" grpId="0" animBg="1"/>
+      <p:bldP spid="15" grpId="1" animBg="1"/>
     </p:bldLst>
   </p:timing>
 </p:sld>
@@ -22355,61 +21451,61 @@
 
 <file path=ppt/tags/tag10.xml><?xml version="1.0" encoding="utf-8"?>
 <p:tagLst xmlns:a="http://schemas.openxmlformats.org/drawingml/2006/main" xmlns:r="http://schemas.openxmlformats.org/officeDocument/2006/relationships" xmlns:p="http://schemas.openxmlformats.org/presentationml/2006/main">
-  <p:tag name="TIMERLABSHAPEID" val="TimerTimeMarker"/>
+  <p:tag name="TIMERLABSHAPEID" val="TimerLineMarker"/>
 </p:tagLst>
 </file>
 
 <file path=ppt/tags/tag100.xml><?xml version="1.0" encoding="utf-8"?>
 <p:tagLst xmlns:a="http://schemas.openxmlformats.org/drawingml/2006/main" xmlns:r="http://schemas.openxmlformats.org/officeDocument/2006/relationships" xmlns:p="http://schemas.openxmlformats.org/presentationml/2006/main">
-  <p:tag name="TIMERLABSHAPEID" val="TimerSliderBody"/>
+  <p:tag name="TIMERLABSHAPEID" val="TimerLineMarker"/>
 </p:tagLst>
 </file>
 
 <file path=ppt/tags/tag101.xml><?xml version="1.0" encoding="utf-8"?>
 <p:tagLst xmlns:a="http://schemas.openxmlformats.org/drawingml/2006/main" xmlns:r="http://schemas.openxmlformats.org/officeDocument/2006/relationships" xmlns:p="http://schemas.openxmlformats.org/presentationml/2006/main">
-  <p:tag name="TIMERLABSHAPEID" val="TimerLineMarkerGroup"/>
+  <p:tag name="TIMERLABSHAPEID" val="TimerLineMarker"/>
 </p:tagLst>
 </file>
 
 <file path=ppt/tags/tag102.xml><?xml version="1.0" encoding="utf-8"?>
 <p:tagLst xmlns:a="http://schemas.openxmlformats.org/drawingml/2006/main" xmlns:r="http://schemas.openxmlformats.org/officeDocument/2006/relationships" xmlns:p="http://schemas.openxmlformats.org/presentationml/2006/main">
-  <p:tag name="TIMERLABSHAPEID" val="TimerTimeMarkerGroup"/>
+  <p:tag name="TIMERLABSHAPEID" val="TimerLineMarker"/>
 </p:tagLst>
 </file>
 
 <file path=ppt/tags/tag103.xml><?xml version="1.0" encoding="utf-8"?>
 <p:tagLst xmlns:a="http://schemas.openxmlformats.org/drawingml/2006/main" xmlns:r="http://schemas.openxmlformats.org/officeDocument/2006/relationships" xmlns:p="http://schemas.openxmlformats.org/presentationml/2006/main">
-  <p:tag name="TIMERLABSHAPEID" val="TimerTimeMarker"/>
+  <p:tag name="TIMERLABSHAPEID" val="TimerLineMarker"/>
 </p:tagLst>
 </file>
 
 <file path=ppt/tags/tag104.xml><?xml version="1.0" encoding="utf-8"?>
 <p:tagLst xmlns:a="http://schemas.openxmlformats.org/drawingml/2006/main" xmlns:r="http://schemas.openxmlformats.org/officeDocument/2006/relationships" xmlns:p="http://schemas.openxmlformats.org/presentationml/2006/main">
-  <p:tag name="TIMERLABSHAPEID" val="TimerTimeMarker"/>
+  <p:tag name="TIMERLABSHAPEID" val="TimerLineMarker"/>
 </p:tagLst>
 </file>
 
 <file path=ppt/tags/tag105.xml><?xml version="1.0" encoding="utf-8"?>
 <p:tagLst xmlns:a="http://schemas.openxmlformats.org/drawingml/2006/main" xmlns:r="http://schemas.openxmlformats.org/officeDocument/2006/relationships" xmlns:p="http://schemas.openxmlformats.org/presentationml/2006/main">
-  <p:tag name="TIMERLABSHAPEID" val="TimerTimeMarker"/>
+  <p:tag name="TIMERLABSHAPEID" val="TimerLineMarker"/>
 </p:tagLst>
 </file>
 
 <file path=ppt/tags/tag106.xml><?xml version="1.0" encoding="utf-8"?>
 <p:tagLst xmlns:a="http://schemas.openxmlformats.org/drawingml/2006/main" xmlns:r="http://schemas.openxmlformats.org/officeDocument/2006/relationships" xmlns:p="http://schemas.openxmlformats.org/presentationml/2006/main">
-  <p:tag name="TIMERLABSHAPEID" val="TimerTimeMarker"/>
+  <p:tag name="TIMERLABSHAPEID" val="TimerLineMarker"/>
 </p:tagLst>
 </file>
 
 <file path=ppt/tags/tag107.xml><?xml version="1.0" encoding="utf-8"?>
 <p:tagLst xmlns:a="http://schemas.openxmlformats.org/drawingml/2006/main" xmlns:r="http://schemas.openxmlformats.org/officeDocument/2006/relationships" xmlns:p="http://schemas.openxmlformats.org/presentationml/2006/main">
-  <p:tag name="TIMERLABSHAPEID" val="TimerTimeMarker"/>
+  <p:tag name="TIMERLABSHAPEID" val="TimerLineMarker"/>
 </p:tagLst>
 </file>
 
 <file path=ppt/tags/tag108.xml><?xml version="1.0" encoding="utf-8"?>
 <p:tagLst xmlns:a="http://schemas.openxmlformats.org/drawingml/2006/main" xmlns:r="http://schemas.openxmlformats.org/officeDocument/2006/relationships" xmlns:p="http://schemas.openxmlformats.org/presentationml/2006/main">
-  <p:tag name="TIMERLABSHAPEID" val="TimerTimeMarker"/>
+  <p:tag name="TIMERLABSHAPEID" val="TimerLineMarker"/>
 </p:tagLst>
 </file>
 
@@ -22421,7 +21517,7 @@
 
 <file path=ppt/tags/tag11.xml><?xml version="1.0" encoding="utf-8"?>
 <p:tagLst xmlns:a="http://schemas.openxmlformats.org/drawingml/2006/main" xmlns:r="http://schemas.openxmlformats.org/officeDocument/2006/relationships" xmlns:p="http://schemas.openxmlformats.org/presentationml/2006/main">
-  <p:tag name="TIMERLABSHAPEID" val="TimerTimeMarker"/>
+  <p:tag name="TIMERLABSHAPEID" val="TimerLineMarker"/>
 </p:tagLst>
 </file>
 
@@ -22487,7 +21583,7 @@
 
 <file path=ppt/tags/tag12.xml><?xml version="1.0" encoding="utf-8"?>
 <p:tagLst xmlns:a="http://schemas.openxmlformats.org/drawingml/2006/main" xmlns:r="http://schemas.openxmlformats.org/officeDocument/2006/relationships" xmlns:p="http://schemas.openxmlformats.org/presentationml/2006/main">
-  <p:tag name="TIMERLABSHAPEID" val="TimerTimeMarker"/>
+  <p:tag name="TIMERLABSHAPEID" val="TimerLineMarker"/>
 </p:tagLst>
 </file>
 
@@ -22511,43 +21607,43 @@
 
 <file path=ppt/tags/tag123.xml><?xml version="1.0" encoding="utf-8"?>
 <p:tagLst xmlns:a="http://schemas.openxmlformats.org/drawingml/2006/main" xmlns:r="http://schemas.openxmlformats.org/officeDocument/2006/relationships" xmlns:p="http://schemas.openxmlformats.org/presentationml/2006/main">
-  <p:tag name="TIMERLABSHAPEID" val="TimerLineMarker"/>
+  <p:tag name="TIMERLABSHAPEID" val="TimerBody"/>
 </p:tagLst>
 </file>
 
 <file path=ppt/tags/tag124.xml><?xml version="1.0" encoding="utf-8"?>
 <p:tagLst xmlns:a="http://schemas.openxmlformats.org/drawingml/2006/main" xmlns:r="http://schemas.openxmlformats.org/officeDocument/2006/relationships" xmlns:p="http://schemas.openxmlformats.org/presentationml/2006/main">
-  <p:tag name="TIMERLABSHAPEID" val="TimerLineMarker"/>
+  <p:tag name="TIMERLABSHAPEID" val="TimerSliderHead"/>
 </p:tagLst>
 </file>
 
 <file path=ppt/tags/tag125.xml><?xml version="1.0" encoding="utf-8"?>
 <p:tagLst xmlns:a="http://schemas.openxmlformats.org/drawingml/2006/main" xmlns:r="http://schemas.openxmlformats.org/officeDocument/2006/relationships" xmlns:p="http://schemas.openxmlformats.org/presentationml/2006/main">
-  <p:tag name="TIMERLABSHAPEID" val="TimerLineMarker"/>
+  <p:tag name="TIMERLABSHAPEID" val="TimerSliderBody"/>
 </p:tagLst>
 </file>
 
 <file path=ppt/tags/tag126.xml><?xml version="1.0" encoding="utf-8"?>
 <p:tagLst xmlns:a="http://schemas.openxmlformats.org/drawingml/2006/main" xmlns:r="http://schemas.openxmlformats.org/officeDocument/2006/relationships" xmlns:p="http://schemas.openxmlformats.org/presentationml/2006/main">
-  <p:tag name="TIMERLABSHAPEID" val="TimerLineMarker"/>
+  <p:tag name="TIMERLABSHAPEID" val="TimerLineMarkerGroup"/>
 </p:tagLst>
 </file>
 
 <file path=ppt/tags/tag127.xml><?xml version="1.0" encoding="utf-8"?>
 <p:tagLst xmlns:a="http://schemas.openxmlformats.org/drawingml/2006/main" xmlns:r="http://schemas.openxmlformats.org/officeDocument/2006/relationships" xmlns:p="http://schemas.openxmlformats.org/presentationml/2006/main">
-  <p:tag name="TIMERLABSHAPEID" val="TimerLineMarker"/>
+  <p:tag name="TIMERLABSHAPEID" val="TimerTimeMarkerGroup"/>
 </p:tagLst>
 </file>
 
 <file path=ppt/tags/tag128.xml><?xml version="1.0" encoding="utf-8"?>
 <p:tagLst xmlns:a="http://schemas.openxmlformats.org/drawingml/2006/main" xmlns:r="http://schemas.openxmlformats.org/officeDocument/2006/relationships" xmlns:p="http://schemas.openxmlformats.org/presentationml/2006/main">
-  <p:tag name="TIMERLABSHAPEID" val="TimerLineMarker"/>
+  <p:tag name="TIMERLABSHAPEID" val="TimerTimeMarker"/>
 </p:tagLst>
 </file>
 
 <file path=ppt/tags/tag129.xml><?xml version="1.0" encoding="utf-8"?>
 <p:tagLst xmlns:a="http://schemas.openxmlformats.org/drawingml/2006/main" xmlns:r="http://schemas.openxmlformats.org/officeDocument/2006/relationships" xmlns:p="http://schemas.openxmlformats.org/presentationml/2006/main">
-  <p:tag name="TIMERLABSHAPEID" val="TimerLineMarker"/>
+  <p:tag name="TIMERLABSHAPEID" val="TimerTimeMarker"/>
 </p:tagLst>
 </file>
 
@@ -22559,31 +21655,31 @@
 
 <file path=ppt/tags/tag130.xml><?xml version="1.0" encoding="utf-8"?>
 <p:tagLst xmlns:a="http://schemas.openxmlformats.org/drawingml/2006/main" xmlns:r="http://schemas.openxmlformats.org/officeDocument/2006/relationships" xmlns:p="http://schemas.openxmlformats.org/presentationml/2006/main">
-  <p:tag name="TIMERLABSHAPEID" val="TimerLineMarker"/>
+  <p:tag name="TIMERLABSHAPEID" val="TimerTimeMarker"/>
 </p:tagLst>
 </file>
 
 <file path=ppt/tags/tag131.xml><?xml version="1.0" encoding="utf-8"?>
 <p:tagLst xmlns:a="http://schemas.openxmlformats.org/drawingml/2006/main" xmlns:r="http://schemas.openxmlformats.org/officeDocument/2006/relationships" xmlns:p="http://schemas.openxmlformats.org/presentationml/2006/main">
-  <p:tag name="TIMERLABSHAPEID" val="TimerLineMarker"/>
+  <p:tag name="TIMERLABSHAPEID" val="TimerTimeMarker"/>
 </p:tagLst>
 </file>
 
 <file path=ppt/tags/tag132.xml><?xml version="1.0" encoding="utf-8"?>
 <p:tagLst xmlns:a="http://schemas.openxmlformats.org/drawingml/2006/main" xmlns:r="http://schemas.openxmlformats.org/officeDocument/2006/relationships" xmlns:p="http://schemas.openxmlformats.org/presentationml/2006/main">
-  <p:tag name="TIMERLABSHAPEID" val="TimerLineMarker"/>
+  <p:tag name="TIMERLABSHAPEID" val="TimerTimeMarker"/>
 </p:tagLst>
 </file>
 
 <file path=ppt/tags/tag133.xml><?xml version="1.0" encoding="utf-8"?>
 <p:tagLst xmlns:a="http://schemas.openxmlformats.org/drawingml/2006/main" xmlns:r="http://schemas.openxmlformats.org/officeDocument/2006/relationships" xmlns:p="http://schemas.openxmlformats.org/presentationml/2006/main">
-  <p:tag name="TIMERLABSHAPEID" val="TimerLineMarker"/>
+  <p:tag name="TIMERLABSHAPEID" val="TimerTimeMarker"/>
 </p:tagLst>
 </file>
 
 <file path=ppt/tags/tag134.xml><?xml version="1.0" encoding="utf-8"?>
 <p:tagLst xmlns:a="http://schemas.openxmlformats.org/drawingml/2006/main" xmlns:r="http://schemas.openxmlformats.org/officeDocument/2006/relationships" xmlns:p="http://schemas.openxmlformats.org/presentationml/2006/main">
-  <p:tag name="TIMERLABSHAPEID" val="TimerLineMarker"/>
+  <p:tag name="TIMERLABSHAPEID" val="TimerTimeMarker"/>
 </p:tagLst>
 </file>
 
@@ -22607,13 +21703,13 @@
 
 <file path=ppt/tags/tag138.xml><?xml version="1.0" encoding="utf-8"?>
 <p:tagLst xmlns:a="http://schemas.openxmlformats.org/drawingml/2006/main" xmlns:r="http://schemas.openxmlformats.org/officeDocument/2006/relationships" xmlns:p="http://schemas.openxmlformats.org/presentationml/2006/main">
-  <p:tag name="TIMERLABSHAPEID" val="TimerBody"/>
+  <p:tag name="TIMERLABSHAPEID" val="TimerLineMarker"/>
 </p:tagLst>
 </file>
 
 <file path=ppt/tags/tag139.xml><?xml version="1.0" encoding="utf-8"?>
 <p:tagLst xmlns:a="http://schemas.openxmlformats.org/drawingml/2006/main" xmlns:r="http://schemas.openxmlformats.org/officeDocument/2006/relationships" xmlns:p="http://schemas.openxmlformats.org/presentationml/2006/main">
-  <p:tag name="TIMERLABSHAPEID" val="TimerSliderHead"/>
+  <p:tag name="TIMERLABSHAPEID" val="TimerLineMarker"/>
 </p:tagLst>
 </file>
 
@@ -22625,67 +21721,67 @@
 
 <file path=ppt/tags/tag140.xml><?xml version="1.0" encoding="utf-8"?>
 <p:tagLst xmlns:a="http://schemas.openxmlformats.org/drawingml/2006/main" xmlns:r="http://schemas.openxmlformats.org/officeDocument/2006/relationships" xmlns:p="http://schemas.openxmlformats.org/presentationml/2006/main">
-  <p:tag name="TIMERLABSHAPEID" val="TimerSliderBody"/>
+  <p:tag name="TIMERLABSHAPEID" val="TimerLineMarker"/>
 </p:tagLst>
 </file>
 
 <file path=ppt/tags/tag141.xml><?xml version="1.0" encoding="utf-8"?>
 <p:tagLst xmlns:a="http://schemas.openxmlformats.org/drawingml/2006/main" xmlns:r="http://schemas.openxmlformats.org/officeDocument/2006/relationships" xmlns:p="http://schemas.openxmlformats.org/presentationml/2006/main">
-  <p:tag name="TIMERLABSHAPEID" val="TimerLineMarkerGroup"/>
+  <p:tag name="TIMERLABSHAPEID" val="TimerLineMarker"/>
 </p:tagLst>
 </file>
 
 <file path=ppt/tags/tag142.xml><?xml version="1.0" encoding="utf-8"?>
 <p:tagLst xmlns:a="http://schemas.openxmlformats.org/drawingml/2006/main" xmlns:r="http://schemas.openxmlformats.org/officeDocument/2006/relationships" xmlns:p="http://schemas.openxmlformats.org/presentationml/2006/main">
-  <p:tag name="TIMERLABSHAPEID" val="TimerTimeMarkerGroup"/>
+  <p:tag name="TIMERLABSHAPEID" val="TimerLineMarker"/>
 </p:tagLst>
 </file>
 
 <file path=ppt/tags/tag143.xml><?xml version="1.0" encoding="utf-8"?>
 <p:tagLst xmlns:a="http://schemas.openxmlformats.org/drawingml/2006/main" xmlns:r="http://schemas.openxmlformats.org/officeDocument/2006/relationships" xmlns:p="http://schemas.openxmlformats.org/presentationml/2006/main">
-  <p:tag name="TIMERLABSHAPEID" val="TimerTimeMarker"/>
+  <p:tag name="TIMERLABSHAPEID" val="TimerLineMarker"/>
 </p:tagLst>
 </file>
 
 <file path=ppt/tags/tag144.xml><?xml version="1.0" encoding="utf-8"?>
 <p:tagLst xmlns:a="http://schemas.openxmlformats.org/drawingml/2006/main" xmlns:r="http://schemas.openxmlformats.org/officeDocument/2006/relationships" xmlns:p="http://schemas.openxmlformats.org/presentationml/2006/main">
-  <p:tag name="TIMERLABSHAPEID" val="TimerTimeMarker"/>
+  <p:tag name="TIMERLABSHAPEID" val="TimerLineMarker"/>
 </p:tagLst>
 </file>
 
 <file path=ppt/tags/tag145.xml><?xml version="1.0" encoding="utf-8"?>
 <p:tagLst xmlns:a="http://schemas.openxmlformats.org/drawingml/2006/main" xmlns:r="http://schemas.openxmlformats.org/officeDocument/2006/relationships" xmlns:p="http://schemas.openxmlformats.org/presentationml/2006/main">
-  <p:tag name="TIMERLABSHAPEID" val="TimerTimeMarker"/>
+  <p:tag name="TIMERLABSHAPEID" val="TimerLineMarker"/>
 </p:tagLst>
 </file>
 
 <file path=ppt/tags/tag146.xml><?xml version="1.0" encoding="utf-8"?>
 <p:tagLst xmlns:a="http://schemas.openxmlformats.org/drawingml/2006/main" xmlns:r="http://schemas.openxmlformats.org/officeDocument/2006/relationships" xmlns:p="http://schemas.openxmlformats.org/presentationml/2006/main">
-  <p:tag name="TIMERLABSHAPEID" val="TimerTimeMarker"/>
+  <p:tag name="TIMERLABSHAPEID" val="TimerLineMarker"/>
 </p:tagLst>
 </file>
 
 <file path=ppt/tags/tag147.xml><?xml version="1.0" encoding="utf-8"?>
 <p:tagLst xmlns:a="http://schemas.openxmlformats.org/drawingml/2006/main" xmlns:r="http://schemas.openxmlformats.org/officeDocument/2006/relationships" xmlns:p="http://schemas.openxmlformats.org/presentationml/2006/main">
-  <p:tag name="TIMERLABSHAPEID" val="TimerTimeMarker"/>
+  <p:tag name="TIMERLABSHAPEID" val="TimerLineMarker"/>
 </p:tagLst>
 </file>
 
 <file path=ppt/tags/tag148.xml><?xml version="1.0" encoding="utf-8"?>
 <p:tagLst xmlns:a="http://schemas.openxmlformats.org/drawingml/2006/main" xmlns:r="http://schemas.openxmlformats.org/officeDocument/2006/relationships" xmlns:p="http://schemas.openxmlformats.org/presentationml/2006/main">
-  <p:tag name="TIMERLABSHAPEID" val="TimerTimeMarker"/>
+  <p:tag name="TIMERLABSHAPEID" val="TimerLineMarker"/>
 </p:tagLst>
 </file>
 
 <file path=ppt/tags/tag149.xml><?xml version="1.0" encoding="utf-8"?>
 <p:tagLst xmlns:a="http://schemas.openxmlformats.org/drawingml/2006/main" xmlns:r="http://schemas.openxmlformats.org/officeDocument/2006/relationships" xmlns:p="http://schemas.openxmlformats.org/presentationml/2006/main">
-  <p:tag name="TIMERLABSHAPEID" val="TimerTimeMarker"/>
+  <p:tag name="TIMERLABSHAPEID" val="TimerLineMarker"/>
 </p:tagLst>
 </file>
 
 <file path=ppt/tags/tag15.xml><?xml version="1.0" encoding="utf-8"?>
 <p:tagLst xmlns:a="http://schemas.openxmlformats.org/drawingml/2006/main" xmlns:r="http://schemas.openxmlformats.org/officeDocument/2006/relationships" xmlns:p="http://schemas.openxmlformats.org/presentationml/2006/main">
-  <p:tag name="TIMERLABSHAPEID" val="TimerLineMarker"/>
+  <p:tag name="TIMERLABSHAPEID" val="TimerBody"/>
 </p:tagLst>
 </file>
 
@@ -22751,7 +21847,7 @@
 
 <file path=ppt/tags/tag16.xml><?xml version="1.0" encoding="utf-8"?>
 <p:tagLst xmlns:a="http://schemas.openxmlformats.org/drawingml/2006/main" xmlns:r="http://schemas.openxmlformats.org/officeDocument/2006/relationships" xmlns:p="http://schemas.openxmlformats.org/presentationml/2006/main">
-  <p:tag name="TIMERLABSHAPEID" val="TimerLineMarker"/>
+  <p:tag name="TIMERLABSHAPEID" val="TimerLineMarkerGroup"/>
 </p:tagLst>
 </file>
 
@@ -22817,109 +21913,19 @@
 
 <file path=ppt/tags/tag17.xml><?xml version="1.0" encoding="utf-8"?>
 <p:tagLst xmlns:a="http://schemas.openxmlformats.org/drawingml/2006/main" xmlns:r="http://schemas.openxmlformats.org/officeDocument/2006/relationships" xmlns:p="http://schemas.openxmlformats.org/presentationml/2006/main">
-  <p:tag name="TIMERLABSHAPEID" val="TimerLineMarker"/>
-</p:tagLst>
-</file>
-
-<file path=ppt/tags/tag170.xml><?xml version="1.0" encoding="utf-8"?>
-<p:tagLst xmlns:a="http://schemas.openxmlformats.org/drawingml/2006/main" xmlns:r="http://schemas.openxmlformats.org/officeDocument/2006/relationships" xmlns:p="http://schemas.openxmlformats.org/presentationml/2006/main">
-  <p:tag name="TIMERLABSHAPEID" val="TimerLineMarker"/>
-</p:tagLst>
-</file>
-
-<file path=ppt/tags/tag171.xml><?xml version="1.0" encoding="utf-8"?>
-<p:tagLst xmlns:a="http://schemas.openxmlformats.org/drawingml/2006/main" xmlns:r="http://schemas.openxmlformats.org/officeDocument/2006/relationships" xmlns:p="http://schemas.openxmlformats.org/presentationml/2006/main">
-  <p:tag name="TIMERLABSHAPEID" val="TimerLineMarker"/>
-</p:tagLst>
-</file>
-
-<file path=ppt/tags/tag172.xml><?xml version="1.0" encoding="utf-8"?>
-<p:tagLst xmlns:a="http://schemas.openxmlformats.org/drawingml/2006/main" xmlns:r="http://schemas.openxmlformats.org/officeDocument/2006/relationships" xmlns:p="http://schemas.openxmlformats.org/presentationml/2006/main">
-  <p:tag name="TIMERLABSHAPEID" val="TimerLineMarker"/>
-</p:tagLst>
-</file>
-
-<file path=ppt/tags/tag173.xml><?xml version="1.0" encoding="utf-8"?>
-<p:tagLst xmlns:a="http://schemas.openxmlformats.org/drawingml/2006/main" xmlns:r="http://schemas.openxmlformats.org/officeDocument/2006/relationships" xmlns:p="http://schemas.openxmlformats.org/presentationml/2006/main">
-  <p:tag name="TIMERLABSHAPEID" val="TimerLineMarker"/>
-</p:tagLst>
-</file>
-
-<file path=ppt/tags/tag174.xml><?xml version="1.0" encoding="utf-8"?>
-<p:tagLst xmlns:a="http://schemas.openxmlformats.org/drawingml/2006/main" xmlns:r="http://schemas.openxmlformats.org/officeDocument/2006/relationships" xmlns:p="http://schemas.openxmlformats.org/presentationml/2006/main">
-  <p:tag name="TIMERLABSHAPEID" val="TimerLineMarker"/>
-</p:tagLst>
-</file>
-
-<file path=ppt/tags/tag175.xml><?xml version="1.0" encoding="utf-8"?>
-<p:tagLst xmlns:a="http://schemas.openxmlformats.org/drawingml/2006/main" xmlns:r="http://schemas.openxmlformats.org/officeDocument/2006/relationships" xmlns:p="http://schemas.openxmlformats.org/presentationml/2006/main">
-  <p:tag name="TIMERLABSHAPEID" val="TimerLineMarker"/>
-</p:tagLst>
-</file>
-
-<file path=ppt/tags/tag176.xml><?xml version="1.0" encoding="utf-8"?>
-<p:tagLst xmlns:a="http://schemas.openxmlformats.org/drawingml/2006/main" xmlns:r="http://schemas.openxmlformats.org/officeDocument/2006/relationships" xmlns:p="http://schemas.openxmlformats.org/presentationml/2006/main">
-  <p:tag name="TIMERLABSHAPEID" val="TimerLineMarker"/>
-</p:tagLst>
-</file>
-
-<file path=ppt/tags/tag177.xml><?xml version="1.0" encoding="utf-8"?>
-<p:tagLst xmlns:a="http://schemas.openxmlformats.org/drawingml/2006/main" xmlns:r="http://schemas.openxmlformats.org/officeDocument/2006/relationships" xmlns:p="http://schemas.openxmlformats.org/presentationml/2006/main">
-  <p:tag name="TIMERLABSHAPEID" val="TimerLineMarker"/>
-</p:tagLst>
-</file>
-
-<file path=ppt/tags/tag178.xml><?xml version="1.0" encoding="utf-8"?>
-<p:tagLst xmlns:a="http://schemas.openxmlformats.org/drawingml/2006/main" xmlns:r="http://schemas.openxmlformats.org/officeDocument/2006/relationships" xmlns:p="http://schemas.openxmlformats.org/presentationml/2006/main">
-  <p:tag name="TIMERLABSHAPEID" val="TimerLineMarker"/>
-</p:tagLst>
-</file>
-
-<file path=ppt/tags/tag179.xml><?xml version="1.0" encoding="utf-8"?>
-<p:tagLst xmlns:a="http://schemas.openxmlformats.org/drawingml/2006/main" xmlns:r="http://schemas.openxmlformats.org/officeDocument/2006/relationships" xmlns:p="http://schemas.openxmlformats.org/presentationml/2006/main">
-  <p:tag name="TIMERLABSHAPEID" val="TimerLineMarker"/>
+  <p:tag name="TIMERLABSHAPEID" val="TimerTimeMarkerGroup"/>
 </p:tagLst>
 </file>
 
 <file path=ppt/tags/tag18.xml><?xml version="1.0" encoding="utf-8"?>
 <p:tagLst xmlns:a="http://schemas.openxmlformats.org/drawingml/2006/main" xmlns:r="http://schemas.openxmlformats.org/officeDocument/2006/relationships" xmlns:p="http://schemas.openxmlformats.org/presentationml/2006/main">
-  <p:tag name="TIMERLABSHAPEID" val="TimerBody"/>
-</p:tagLst>
-</file>
-
-<file path=ppt/tags/tag180.xml><?xml version="1.0" encoding="utf-8"?>
-<p:tagLst xmlns:a="http://schemas.openxmlformats.org/drawingml/2006/main" xmlns:r="http://schemas.openxmlformats.org/officeDocument/2006/relationships" xmlns:p="http://schemas.openxmlformats.org/presentationml/2006/main">
-  <p:tag name="TIMERLABSHAPEID" val="TimerLineMarker"/>
-</p:tagLst>
-</file>
-
-<file path=ppt/tags/tag181.xml><?xml version="1.0" encoding="utf-8"?>
-<p:tagLst xmlns:a="http://schemas.openxmlformats.org/drawingml/2006/main" xmlns:r="http://schemas.openxmlformats.org/officeDocument/2006/relationships" xmlns:p="http://schemas.openxmlformats.org/presentationml/2006/main">
-  <p:tag name="TIMERLABSHAPEID" val="TimerLineMarker"/>
-</p:tagLst>
-</file>
-
-<file path=ppt/tags/tag182.xml><?xml version="1.0" encoding="utf-8"?>
-<p:tagLst xmlns:a="http://schemas.openxmlformats.org/drawingml/2006/main" xmlns:r="http://schemas.openxmlformats.org/officeDocument/2006/relationships" xmlns:p="http://schemas.openxmlformats.org/presentationml/2006/main">
-  <p:tag name="TIMERLABSHAPEID" val="TimerLineMarker"/>
-</p:tagLst>
-</file>
-
-<file path=ppt/tags/tag183.xml><?xml version="1.0" encoding="utf-8"?>
-<p:tagLst xmlns:a="http://schemas.openxmlformats.org/drawingml/2006/main" xmlns:r="http://schemas.openxmlformats.org/officeDocument/2006/relationships" xmlns:p="http://schemas.openxmlformats.org/presentationml/2006/main">
-  <p:tag name="TIMERLABSHAPEID" val="TimerLineMarker"/>
-</p:tagLst>
-</file>
-
-<file path=ppt/tags/tag184.xml><?xml version="1.0" encoding="utf-8"?>
-<p:tagLst xmlns:a="http://schemas.openxmlformats.org/drawingml/2006/main" xmlns:r="http://schemas.openxmlformats.org/officeDocument/2006/relationships" xmlns:p="http://schemas.openxmlformats.org/presentationml/2006/main">
-  <p:tag name="TIMERLABSHAPEID" val="TimerLineMarker"/>
+  <p:tag name="TIMERLABSHAPEID" val="TimerSliderHead"/>
 </p:tagLst>
 </file>
 
 <file path=ppt/tags/tag19.xml><?xml version="1.0" encoding="utf-8"?>
 <p:tagLst xmlns:a="http://schemas.openxmlformats.org/drawingml/2006/main" xmlns:r="http://schemas.openxmlformats.org/officeDocument/2006/relationships" xmlns:p="http://schemas.openxmlformats.org/presentationml/2006/main">
-  <p:tag name="TIMERLABSHAPEID" val="TimerLineMarkerGroup"/>
+  <p:tag name="TIMERLABSHAPEID" val="TimerSliderBody"/>
 </p:tagLst>
 </file>
 
@@ -22931,61 +21937,61 @@
 
 <file path=ppt/tags/tag20.xml><?xml version="1.0" encoding="utf-8"?>
 <p:tagLst xmlns:a="http://schemas.openxmlformats.org/drawingml/2006/main" xmlns:r="http://schemas.openxmlformats.org/officeDocument/2006/relationships" xmlns:p="http://schemas.openxmlformats.org/presentationml/2006/main">
-  <p:tag name="TIMERLABSHAPEID" val="TimerTimeMarkerGroup"/>
+  <p:tag name="TIMERLABSHAPEID" val="TimerTimeMarker"/>
 </p:tagLst>
 </file>
 
 <file path=ppt/tags/tag21.xml><?xml version="1.0" encoding="utf-8"?>
 <p:tagLst xmlns:a="http://schemas.openxmlformats.org/drawingml/2006/main" xmlns:r="http://schemas.openxmlformats.org/officeDocument/2006/relationships" xmlns:p="http://schemas.openxmlformats.org/presentationml/2006/main">
-  <p:tag name="TIMERLABSHAPEID" val="TimerSliderHead"/>
+  <p:tag name="TIMERLABSHAPEID" val="TimerTimeMarker"/>
 </p:tagLst>
 </file>
 
 <file path=ppt/tags/tag22.xml><?xml version="1.0" encoding="utf-8"?>
 <p:tagLst xmlns:a="http://schemas.openxmlformats.org/drawingml/2006/main" xmlns:r="http://schemas.openxmlformats.org/officeDocument/2006/relationships" xmlns:p="http://schemas.openxmlformats.org/presentationml/2006/main">
-  <p:tag name="TIMERLABSHAPEID" val="TimerSliderBody"/>
+  <p:tag name="TIMERLABSHAPEID" val="TimerTimeMarker"/>
 </p:tagLst>
 </file>
 
 <file path=ppt/tags/tag23.xml><?xml version="1.0" encoding="utf-8"?>
 <p:tagLst xmlns:a="http://schemas.openxmlformats.org/drawingml/2006/main" xmlns:r="http://schemas.openxmlformats.org/officeDocument/2006/relationships" xmlns:p="http://schemas.openxmlformats.org/presentationml/2006/main">
-  <p:tag name="TIMERLABSHAPEID" val="TimerTimeMarker"/>
+  <p:tag name="TIMERLABSHAPEID" val="TimerLineMarker"/>
 </p:tagLst>
 </file>
 
 <file path=ppt/tags/tag24.xml><?xml version="1.0" encoding="utf-8"?>
 <p:tagLst xmlns:a="http://schemas.openxmlformats.org/drawingml/2006/main" xmlns:r="http://schemas.openxmlformats.org/officeDocument/2006/relationships" xmlns:p="http://schemas.openxmlformats.org/presentationml/2006/main">
-  <p:tag name="TIMERLABSHAPEID" val="TimerTimeMarker"/>
+  <p:tag name="TIMERLABSHAPEID" val="TimerLineMarker"/>
 </p:tagLst>
 </file>
 
 <file path=ppt/tags/tag25.xml><?xml version="1.0" encoding="utf-8"?>
 <p:tagLst xmlns:a="http://schemas.openxmlformats.org/drawingml/2006/main" xmlns:r="http://schemas.openxmlformats.org/officeDocument/2006/relationships" xmlns:p="http://schemas.openxmlformats.org/presentationml/2006/main">
-  <p:tag name="TIMERLABSHAPEID" val="TimerTimeMarker"/>
+  <p:tag name="TIMERLABSHAPEID" val="TimerLineMarker"/>
 </p:tagLst>
 </file>
 
 <file path=ppt/tags/tag26.xml><?xml version="1.0" encoding="utf-8"?>
 <p:tagLst xmlns:a="http://schemas.openxmlformats.org/drawingml/2006/main" xmlns:r="http://schemas.openxmlformats.org/officeDocument/2006/relationships" xmlns:p="http://schemas.openxmlformats.org/presentationml/2006/main">
-  <p:tag name="TIMERLABSHAPEID" val="TimerTimeMarker"/>
+  <p:tag name="TIMERLABSHAPEID" val="TimerLineMarker"/>
 </p:tagLst>
 </file>
 
 <file path=ppt/tags/tag27.xml><?xml version="1.0" encoding="utf-8"?>
 <p:tagLst xmlns:a="http://schemas.openxmlformats.org/drawingml/2006/main" xmlns:r="http://schemas.openxmlformats.org/officeDocument/2006/relationships" xmlns:p="http://schemas.openxmlformats.org/presentationml/2006/main">
-  <p:tag name="TIMERLABSHAPEID" val="TimerTimeMarker"/>
+  <p:tag name="TIMERLABSHAPEID" val="TimerLineMarker"/>
 </p:tagLst>
 </file>
 
 <file path=ppt/tags/tag28.xml><?xml version="1.0" encoding="utf-8"?>
 <p:tagLst xmlns:a="http://schemas.openxmlformats.org/drawingml/2006/main" xmlns:r="http://schemas.openxmlformats.org/officeDocument/2006/relationships" xmlns:p="http://schemas.openxmlformats.org/presentationml/2006/main">
-  <p:tag name="TIMERLABSHAPEID" val="TimerTimeMarker"/>
+  <p:tag name="TIMERLABSHAPEID" val="TimerLineMarker"/>
 </p:tagLst>
 </file>
 
 <file path=ppt/tags/tag29.xml><?xml version="1.0" encoding="utf-8"?>
 <p:tagLst xmlns:a="http://schemas.openxmlformats.org/drawingml/2006/main" xmlns:r="http://schemas.openxmlformats.org/officeDocument/2006/relationships" xmlns:p="http://schemas.openxmlformats.org/presentationml/2006/main">
-  <p:tag name="TIMERLABSHAPEID" val="TimerTimeMarker"/>
+  <p:tag name="TIMERLABSHAPEID" val="TimerBody"/>
 </p:tagLst>
 </file>
 
@@ -22997,61 +22003,61 @@
 
 <file path=ppt/tags/tag30.xml><?xml version="1.0" encoding="utf-8"?>
 <p:tagLst xmlns:a="http://schemas.openxmlformats.org/drawingml/2006/main" xmlns:r="http://schemas.openxmlformats.org/officeDocument/2006/relationships" xmlns:p="http://schemas.openxmlformats.org/presentationml/2006/main">
-  <p:tag name="TIMERLABSHAPEID" val="TimerLineMarker"/>
+  <p:tag name="TIMERLABSHAPEID" val="TimerLineMarkerGroup"/>
 </p:tagLst>
 </file>
 
 <file path=ppt/tags/tag31.xml><?xml version="1.0" encoding="utf-8"?>
 <p:tagLst xmlns:a="http://schemas.openxmlformats.org/drawingml/2006/main" xmlns:r="http://schemas.openxmlformats.org/officeDocument/2006/relationships" xmlns:p="http://schemas.openxmlformats.org/presentationml/2006/main">
-  <p:tag name="TIMERLABSHAPEID" val="TimerLineMarker"/>
+  <p:tag name="TIMERLABSHAPEID" val="TimerTimeMarkerGroup"/>
 </p:tagLst>
 </file>
 
 <file path=ppt/tags/tag32.xml><?xml version="1.0" encoding="utf-8"?>
 <p:tagLst xmlns:a="http://schemas.openxmlformats.org/drawingml/2006/main" xmlns:r="http://schemas.openxmlformats.org/officeDocument/2006/relationships" xmlns:p="http://schemas.openxmlformats.org/presentationml/2006/main">
-  <p:tag name="TIMERLABSHAPEID" val="TimerLineMarker"/>
+  <p:tag name="TIMERLABSHAPEID" val="TimerSliderHead"/>
 </p:tagLst>
 </file>
 
 <file path=ppt/tags/tag33.xml><?xml version="1.0" encoding="utf-8"?>
 <p:tagLst xmlns:a="http://schemas.openxmlformats.org/drawingml/2006/main" xmlns:r="http://schemas.openxmlformats.org/officeDocument/2006/relationships" xmlns:p="http://schemas.openxmlformats.org/presentationml/2006/main">
-  <p:tag name="TIMERLABSHAPEID" val="TimerLineMarker"/>
+  <p:tag name="TIMERLABSHAPEID" val="TimerSliderBody"/>
 </p:tagLst>
 </file>
 
 <file path=ppt/tags/tag34.xml><?xml version="1.0" encoding="utf-8"?>
 <p:tagLst xmlns:a="http://schemas.openxmlformats.org/drawingml/2006/main" xmlns:r="http://schemas.openxmlformats.org/officeDocument/2006/relationships" xmlns:p="http://schemas.openxmlformats.org/presentationml/2006/main">
-  <p:tag name="TIMERLABSHAPEID" val="TimerLineMarker"/>
+  <p:tag name="TIMERLABSHAPEID" val="TimerTimeMarker"/>
 </p:tagLst>
 </file>
 
 <file path=ppt/tags/tag35.xml><?xml version="1.0" encoding="utf-8"?>
 <p:tagLst xmlns:a="http://schemas.openxmlformats.org/drawingml/2006/main" xmlns:r="http://schemas.openxmlformats.org/officeDocument/2006/relationships" xmlns:p="http://schemas.openxmlformats.org/presentationml/2006/main">
-  <p:tag name="TIMERLABSHAPEID" val="TimerBody"/>
+  <p:tag name="TIMERLABSHAPEID" val="TimerTimeMarker"/>
 </p:tagLst>
 </file>
 
 <file path=ppt/tags/tag36.xml><?xml version="1.0" encoding="utf-8"?>
 <p:tagLst xmlns:a="http://schemas.openxmlformats.org/drawingml/2006/main" xmlns:r="http://schemas.openxmlformats.org/officeDocument/2006/relationships" xmlns:p="http://schemas.openxmlformats.org/presentationml/2006/main">
-  <p:tag name="TIMERLABSHAPEID" val="TimerLineMarkerGroup"/>
+  <p:tag name="TIMERLABSHAPEID" val="TimerTimeMarker"/>
 </p:tagLst>
 </file>
 
 <file path=ppt/tags/tag37.xml><?xml version="1.0" encoding="utf-8"?>
 <p:tagLst xmlns:a="http://schemas.openxmlformats.org/drawingml/2006/main" xmlns:r="http://schemas.openxmlformats.org/officeDocument/2006/relationships" xmlns:p="http://schemas.openxmlformats.org/presentationml/2006/main">
-  <p:tag name="TIMERLABSHAPEID" val="TimerTimeMarkerGroup"/>
+  <p:tag name="TIMERLABSHAPEID" val="TimerLineMarker"/>
 </p:tagLst>
 </file>
 
 <file path=ppt/tags/tag38.xml><?xml version="1.0" encoding="utf-8"?>
 <p:tagLst xmlns:a="http://schemas.openxmlformats.org/drawingml/2006/main" xmlns:r="http://schemas.openxmlformats.org/officeDocument/2006/relationships" xmlns:p="http://schemas.openxmlformats.org/presentationml/2006/main">
-  <p:tag name="TIMERLABSHAPEID" val="TimerSliderHead"/>
+  <p:tag name="TIMERLABSHAPEID" val="TimerLineMarker"/>
 </p:tagLst>
 </file>
 
 <file path=ppt/tags/tag39.xml><?xml version="1.0" encoding="utf-8"?>
 <p:tagLst xmlns:a="http://schemas.openxmlformats.org/drawingml/2006/main" xmlns:r="http://schemas.openxmlformats.org/officeDocument/2006/relationships" xmlns:p="http://schemas.openxmlformats.org/presentationml/2006/main">
-  <p:tag name="TIMERLABSHAPEID" val="TimerSliderBody"/>
+  <p:tag name="TIMERLABSHAPEID" val="TimerLineMarker"/>
 </p:tagLst>
 </file>
 
@@ -23063,61 +22069,61 @@
 
 <file path=ppt/tags/tag40.xml><?xml version="1.0" encoding="utf-8"?>
 <p:tagLst xmlns:a="http://schemas.openxmlformats.org/drawingml/2006/main" xmlns:r="http://schemas.openxmlformats.org/officeDocument/2006/relationships" xmlns:p="http://schemas.openxmlformats.org/presentationml/2006/main">
-  <p:tag name="TIMERLABSHAPEID" val="TimerTimeMarker"/>
+  <p:tag name="TIMERLABSHAPEID" val="TimerLineMarker"/>
 </p:tagLst>
 </file>
 
 <file path=ppt/tags/tag41.xml><?xml version="1.0" encoding="utf-8"?>
 <p:tagLst xmlns:a="http://schemas.openxmlformats.org/drawingml/2006/main" xmlns:r="http://schemas.openxmlformats.org/officeDocument/2006/relationships" xmlns:p="http://schemas.openxmlformats.org/presentationml/2006/main">
-  <p:tag name="TIMERLABSHAPEID" val="TimerTimeMarker"/>
+  <p:tag name="TIMERLABSHAPEID" val="TimerLineMarker"/>
 </p:tagLst>
 </file>
 
 <file path=ppt/tags/tag42.xml><?xml version="1.0" encoding="utf-8"?>
 <p:tagLst xmlns:a="http://schemas.openxmlformats.org/drawingml/2006/main" xmlns:r="http://schemas.openxmlformats.org/officeDocument/2006/relationships" xmlns:p="http://schemas.openxmlformats.org/presentationml/2006/main">
-  <p:tag name="TIMERLABSHAPEID" val="TimerTimeMarker"/>
+  <p:tag name="TIMERLABSHAPEID" val="TimerLineMarker"/>
 </p:tagLst>
 </file>
 
 <file path=ppt/tags/tag43.xml><?xml version="1.0" encoding="utf-8"?>
 <p:tagLst xmlns:a="http://schemas.openxmlformats.org/drawingml/2006/main" xmlns:r="http://schemas.openxmlformats.org/officeDocument/2006/relationships" xmlns:p="http://schemas.openxmlformats.org/presentationml/2006/main">
-  <p:tag name="TIMERLABSHAPEID" val="TimerTimeMarker"/>
+  <p:tag name="TIMERLABSHAPEID" val="TimerBody"/>
 </p:tagLst>
 </file>
 
 <file path=ppt/tags/tag44.xml><?xml version="1.0" encoding="utf-8"?>
 <p:tagLst xmlns:a="http://schemas.openxmlformats.org/drawingml/2006/main" xmlns:r="http://schemas.openxmlformats.org/officeDocument/2006/relationships" xmlns:p="http://schemas.openxmlformats.org/presentationml/2006/main">
-  <p:tag name="TIMERLABSHAPEID" val="TimerTimeMarker"/>
+  <p:tag name="TIMERLABSHAPEID" val="TimerLineMarkerGroup"/>
 </p:tagLst>
 </file>
 
 <file path=ppt/tags/tag45.xml><?xml version="1.0" encoding="utf-8"?>
 <p:tagLst xmlns:a="http://schemas.openxmlformats.org/drawingml/2006/main" xmlns:r="http://schemas.openxmlformats.org/officeDocument/2006/relationships" xmlns:p="http://schemas.openxmlformats.org/presentationml/2006/main">
-  <p:tag name="TIMERLABSHAPEID" val="TimerTimeMarker"/>
+  <p:tag name="TIMERLABSHAPEID" val="TimerTimeMarkerGroup"/>
 </p:tagLst>
 </file>
 
 <file path=ppt/tags/tag46.xml><?xml version="1.0" encoding="utf-8"?>
 <p:tagLst xmlns:a="http://schemas.openxmlformats.org/drawingml/2006/main" xmlns:r="http://schemas.openxmlformats.org/officeDocument/2006/relationships" xmlns:p="http://schemas.openxmlformats.org/presentationml/2006/main">
-  <p:tag name="TIMERLABSHAPEID" val="TimerTimeMarker"/>
+  <p:tag name="TIMERLABSHAPEID" val="TimerSliderHead"/>
 </p:tagLst>
 </file>
 
 <file path=ppt/tags/tag47.xml><?xml version="1.0" encoding="utf-8"?>
 <p:tagLst xmlns:a="http://schemas.openxmlformats.org/drawingml/2006/main" xmlns:r="http://schemas.openxmlformats.org/officeDocument/2006/relationships" xmlns:p="http://schemas.openxmlformats.org/presentationml/2006/main">
-  <p:tag name="TIMERLABSHAPEID" val="TimerLineMarker"/>
+  <p:tag name="TIMERLABSHAPEID" val="TimerSliderBody"/>
 </p:tagLst>
 </file>
 
 <file path=ppt/tags/tag48.xml><?xml version="1.0" encoding="utf-8"?>
 <p:tagLst xmlns:a="http://schemas.openxmlformats.org/drawingml/2006/main" xmlns:r="http://schemas.openxmlformats.org/officeDocument/2006/relationships" xmlns:p="http://schemas.openxmlformats.org/presentationml/2006/main">
-  <p:tag name="TIMERLABSHAPEID" val="TimerLineMarker"/>
+  <p:tag name="TIMERLABSHAPEID" val="TimerTimeMarker"/>
 </p:tagLst>
 </file>
 
 <file path=ppt/tags/tag49.xml><?xml version="1.0" encoding="utf-8"?>
 <p:tagLst xmlns:a="http://schemas.openxmlformats.org/drawingml/2006/main" xmlns:r="http://schemas.openxmlformats.org/officeDocument/2006/relationships" xmlns:p="http://schemas.openxmlformats.org/presentationml/2006/main">
-  <p:tag name="TIMERLABSHAPEID" val="TimerLineMarker"/>
+  <p:tag name="TIMERLABSHAPEID" val="TimerTimeMarker"/>
 </p:tagLst>
 </file>
 
@@ -23129,7 +22135,7 @@
 
 <file path=ppt/tags/tag50.xml><?xml version="1.0" encoding="utf-8"?>
 <p:tagLst xmlns:a="http://schemas.openxmlformats.org/drawingml/2006/main" xmlns:r="http://schemas.openxmlformats.org/officeDocument/2006/relationships" xmlns:p="http://schemas.openxmlformats.org/presentationml/2006/main">
-  <p:tag name="TIMERLABSHAPEID" val="TimerLineMarker"/>
+  <p:tag name="TIMERLABSHAPEID" val="TimerTimeMarker"/>
 </p:tagLst>
 </file>
 
@@ -23141,49 +22147,49 @@
 
 <file path=ppt/tags/tag52.xml><?xml version="1.0" encoding="utf-8"?>
 <p:tagLst xmlns:a="http://schemas.openxmlformats.org/drawingml/2006/main" xmlns:r="http://schemas.openxmlformats.org/officeDocument/2006/relationships" xmlns:p="http://schemas.openxmlformats.org/presentationml/2006/main">
-  <p:tag name="TIMERLABSHAPEID" val="TimerBody"/>
+  <p:tag name="TIMERLABSHAPEID" val="TimerLineMarker"/>
 </p:tagLst>
 </file>
 
 <file path=ppt/tags/tag53.xml><?xml version="1.0" encoding="utf-8"?>
 <p:tagLst xmlns:a="http://schemas.openxmlformats.org/drawingml/2006/main" xmlns:r="http://schemas.openxmlformats.org/officeDocument/2006/relationships" xmlns:p="http://schemas.openxmlformats.org/presentationml/2006/main">
-  <p:tag name="TIMERLABSHAPEID" val="TimerLineMarkerGroup"/>
+  <p:tag name="TIMERLABSHAPEID" val="TimerLineMarker"/>
 </p:tagLst>
 </file>
 
 <file path=ppt/tags/tag54.xml><?xml version="1.0" encoding="utf-8"?>
 <p:tagLst xmlns:a="http://schemas.openxmlformats.org/drawingml/2006/main" xmlns:r="http://schemas.openxmlformats.org/officeDocument/2006/relationships" xmlns:p="http://schemas.openxmlformats.org/presentationml/2006/main">
-  <p:tag name="TIMERLABSHAPEID" val="TimerTimeMarkerGroup"/>
+  <p:tag name="TIMERLABSHAPEID" val="TimerLineMarker"/>
 </p:tagLst>
 </file>
 
 <file path=ppt/tags/tag55.xml><?xml version="1.0" encoding="utf-8"?>
 <p:tagLst xmlns:a="http://schemas.openxmlformats.org/drawingml/2006/main" xmlns:r="http://schemas.openxmlformats.org/officeDocument/2006/relationships" xmlns:p="http://schemas.openxmlformats.org/presentationml/2006/main">
-  <p:tag name="TIMERLABSHAPEID" val="TimerSliderHead"/>
+  <p:tag name="TIMERLABSHAPEID" val="TimerLineMarker"/>
 </p:tagLst>
 </file>
 
 <file path=ppt/tags/tag56.xml><?xml version="1.0" encoding="utf-8"?>
 <p:tagLst xmlns:a="http://schemas.openxmlformats.org/drawingml/2006/main" xmlns:r="http://schemas.openxmlformats.org/officeDocument/2006/relationships" xmlns:p="http://schemas.openxmlformats.org/presentationml/2006/main">
-  <p:tag name="TIMERLABSHAPEID" val="TimerSliderBody"/>
+  <p:tag name="TIMERLABSHAPEID" val="TimerLineMarker"/>
 </p:tagLst>
 </file>
 
 <file path=ppt/tags/tag57.xml><?xml version="1.0" encoding="utf-8"?>
 <p:tagLst xmlns:a="http://schemas.openxmlformats.org/drawingml/2006/main" xmlns:r="http://schemas.openxmlformats.org/officeDocument/2006/relationships" xmlns:p="http://schemas.openxmlformats.org/presentationml/2006/main">
-  <p:tag name="TIMERLABSHAPEID" val="TimerTimeMarker"/>
+  <p:tag name="TIMERLABSHAPEID" val="TimerBody"/>
 </p:tagLst>
 </file>
 
 <file path=ppt/tags/tag58.xml><?xml version="1.0" encoding="utf-8"?>
 <p:tagLst xmlns:a="http://schemas.openxmlformats.org/drawingml/2006/main" xmlns:r="http://schemas.openxmlformats.org/officeDocument/2006/relationships" xmlns:p="http://schemas.openxmlformats.org/presentationml/2006/main">
-  <p:tag name="TIMERLABSHAPEID" val="TimerTimeMarker"/>
+  <p:tag name="TIMERLABSHAPEID" val="TimerLineMarkerGroup"/>
 </p:tagLst>
 </file>
 
 <file path=ppt/tags/tag59.xml><?xml version="1.0" encoding="utf-8"?>
 <p:tagLst xmlns:a="http://schemas.openxmlformats.org/drawingml/2006/main" xmlns:r="http://schemas.openxmlformats.org/officeDocument/2006/relationships" xmlns:p="http://schemas.openxmlformats.org/presentationml/2006/main">
-  <p:tag name="TIMERLABSHAPEID" val="TimerTimeMarker"/>
+  <p:tag name="TIMERLABSHAPEID" val="TimerTimeMarkerGroup"/>
 </p:tagLst>
 </file>
 
@@ -23195,13 +22201,13 @@
 
 <file path=ppt/tags/tag60.xml><?xml version="1.0" encoding="utf-8"?>
 <p:tagLst xmlns:a="http://schemas.openxmlformats.org/drawingml/2006/main" xmlns:r="http://schemas.openxmlformats.org/officeDocument/2006/relationships" xmlns:p="http://schemas.openxmlformats.org/presentationml/2006/main">
-  <p:tag name="TIMERLABSHAPEID" val="TimerTimeMarker"/>
+  <p:tag name="TIMERLABSHAPEID" val="TimerSliderHead"/>
 </p:tagLst>
 </file>
 
 <file path=ppt/tags/tag61.xml><?xml version="1.0" encoding="utf-8"?>
 <p:tagLst xmlns:a="http://schemas.openxmlformats.org/drawingml/2006/main" xmlns:r="http://schemas.openxmlformats.org/officeDocument/2006/relationships" xmlns:p="http://schemas.openxmlformats.org/presentationml/2006/main">
-  <p:tag name="TIMERLABSHAPEID" val="TimerTimeMarker"/>
+  <p:tag name="TIMERLABSHAPEID" val="TimerSliderBody"/>
 </p:tagLst>
 </file>
 
@@ -23219,7 +22225,7 @@
 
 <file path=ppt/tags/tag64.xml><?xml version="1.0" encoding="utf-8"?>
 <p:tagLst xmlns:a="http://schemas.openxmlformats.org/drawingml/2006/main" xmlns:r="http://schemas.openxmlformats.org/officeDocument/2006/relationships" xmlns:p="http://schemas.openxmlformats.org/presentationml/2006/main">
-  <p:tag name="TIMERLABSHAPEID" val="TimerLineMarker"/>
+  <p:tag name="TIMERLABSHAPEID" val="TimerTimeMarker"/>
 </p:tagLst>
 </file>
 
@@ -23249,7 +22255,7 @@
 
 <file path=ppt/tags/tag69.xml><?xml version="1.0" encoding="utf-8"?>
 <p:tagLst xmlns:a="http://schemas.openxmlformats.org/drawingml/2006/main" xmlns:r="http://schemas.openxmlformats.org/officeDocument/2006/relationships" xmlns:p="http://schemas.openxmlformats.org/presentationml/2006/main">
-  <p:tag name="TIMERLABSHAPEID" val="TimerBody"/>
+  <p:tag name="TIMERLABSHAPEID" val="TimerLineMarker"/>
 </p:tagLst>
 </file>
 
@@ -23261,13 +22267,13 @@
 
 <file path=ppt/tags/tag70.xml><?xml version="1.0" encoding="utf-8"?>
 <p:tagLst xmlns:a="http://schemas.openxmlformats.org/drawingml/2006/main" xmlns:r="http://schemas.openxmlformats.org/officeDocument/2006/relationships" xmlns:p="http://schemas.openxmlformats.org/presentationml/2006/main">
-  <p:tag name="TIMERLABSHAPEID" val="TimerLineMarkerGroup"/>
+  <p:tag name="TIMERLABSHAPEID" val="TimerLineMarker"/>
 </p:tagLst>
 </file>
 
 <file path=ppt/tags/tag71.xml><?xml version="1.0" encoding="utf-8"?>
 <p:tagLst xmlns:a="http://schemas.openxmlformats.org/drawingml/2006/main" xmlns:r="http://schemas.openxmlformats.org/officeDocument/2006/relationships" xmlns:p="http://schemas.openxmlformats.org/presentationml/2006/main">
-  <p:tag name="TIMERLABSHAPEID" val="TimerTimeMarkerGroup"/>
+  <p:tag name="TIMERLABSHAPEID" val="TimerBody"/>
 </p:tagLst>
 </file>
 
@@ -23285,7 +22291,7 @@
 
 <file path=ppt/tags/tag74.xml><?xml version="1.0" encoding="utf-8"?>
 <p:tagLst xmlns:a="http://schemas.openxmlformats.org/drawingml/2006/main" xmlns:r="http://schemas.openxmlformats.org/officeDocument/2006/relationships" xmlns:p="http://schemas.openxmlformats.org/presentationml/2006/main">
-  <p:tag name="TIMERLABSHAPEID" val="TimerTimeMarker"/>
+  <p:tag name="TIMERLABSHAPEID" val="TimerTimeMarkerGroup"/>
 </p:tagLst>
 </file>
 
@@ -23303,19 +22309,19 @@
 
 <file path=ppt/tags/tag77.xml><?xml version="1.0" encoding="utf-8"?>
 <p:tagLst xmlns:a="http://schemas.openxmlformats.org/drawingml/2006/main" xmlns:r="http://schemas.openxmlformats.org/officeDocument/2006/relationships" xmlns:p="http://schemas.openxmlformats.org/presentationml/2006/main">
-  <p:tag name="TIMERLABSHAPEID" val="TimerTimeMarker"/>
+  <p:tag name="TIMERLABSHAPEID" val="TimerBody"/>
 </p:tagLst>
 </file>
 
 <file path=ppt/tags/tag78.xml><?xml version="1.0" encoding="utf-8"?>
 <p:tagLst xmlns:a="http://schemas.openxmlformats.org/drawingml/2006/main" xmlns:r="http://schemas.openxmlformats.org/officeDocument/2006/relationships" xmlns:p="http://schemas.openxmlformats.org/presentationml/2006/main">
-  <p:tag name="TIMERLABSHAPEID" val="TimerTimeMarker"/>
+  <p:tag name="TIMERLABSHAPEID" val="TimerTimeMarkerGroup"/>
 </p:tagLst>
 </file>
 
 <file path=ppt/tags/tag79.xml><?xml version="1.0" encoding="utf-8"?>
 <p:tagLst xmlns:a="http://schemas.openxmlformats.org/drawingml/2006/main" xmlns:r="http://schemas.openxmlformats.org/officeDocument/2006/relationships" xmlns:p="http://schemas.openxmlformats.org/presentationml/2006/main">
-  <p:tag name="TIMERLABSHAPEID" val="TimerTimeMarker"/>
+  <p:tag name="TIMERLABSHAPEID" val="TimerSliderHead"/>
 </p:tagLst>
 </file>
 
@@ -23327,67 +22333,67 @@
 
 <file path=ppt/tags/tag80.xml><?xml version="1.0" encoding="utf-8"?>
 <p:tagLst xmlns:a="http://schemas.openxmlformats.org/drawingml/2006/main" xmlns:r="http://schemas.openxmlformats.org/officeDocument/2006/relationships" xmlns:p="http://schemas.openxmlformats.org/presentationml/2006/main">
-  <p:tag name="TIMERLABSHAPEID" val="TimerTimeMarker"/>
+  <p:tag name="TIMERLABSHAPEID" val="TimerSliderBody"/>
 </p:tagLst>
 </file>
 
 <file path=ppt/tags/tag81.xml><?xml version="1.0" encoding="utf-8"?>
 <p:tagLst xmlns:a="http://schemas.openxmlformats.org/drawingml/2006/main" xmlns:r="http://schemas.openxmlformats.org/officeDocument/2006/relationships" xmlns:p="http://schemas.openxmlformats.org/presentationml/2006/main">
-  <p:tag name="TIMERLABSHAPEID" val="TimerLineMarker"/>
+  <p:tag name="TIMERLABSHAPEID" val="TimerTimeMarker"/>
 </p:tagLst>
 </file>
 
 <file path=ppt/tags/tag82.xml><?xml version="1.0" encoding="utf-8"?>
 <p:tagLst xmlns:a="http://schemas.openxmlformats.org/drawingml/2006/main" xmlns:r="http://schemas.openxmlformats.org/officeDocument/2006/relationships" xmlns:p="http://schemas.openxmlformats.org/presentationml/2006/main">
-  <p:tag name="TIMERLABSHAPEID" val="TimerLineMarker"/>
+  <p:tag name="TIMERLABSHAPEID" val="TimerTimeMarker"/>
 </p:tagLst>
 </file>
 
 <file path=ppt/tags/tag83.xml><?xml version="1.0" encoding="utf-8"?>
 <p:tagLst xmlns:a="http://schemas.openxmlformats.org/drawingml/2006/main" xmlns:r="http://schemas.openxmlformats.org/officeDocument/2006/relationships" xmlns:p="http://schemas.openxmlformats.org/presentationml/2006/main">
-  <p:tag name="TIMERLABSHAPEID" val="TimerLineMarker"/>
+  <p:tag name="TIMERLABSHAPEID" val="TimerBody"/>
 </p:tagLst>
 </file>
 
 <file path=ppt/tags/tag84.xml><?xml version="1.0" encoding="utf-8"?>
 <p:tagLst xmlns:a="http://schemas.openxmlformats.org/drawingml/2006/main" xmlns:r="http://schemas.openxmlformats.org/officeDocument/2006/relationships" xmlns:p="http://schemas.openxmlformats.org/presentationml/2006/main">
-  <p:tag name="TIMERLABSHAPEID" val="TimerLineMarker"/>
+  <p:tag name="TIMERLABSHAPEID" val="TimerSliderHead"/>
 </p:tagLst>
 </file>
 
 <file path=ppt/tags/tag85.xml><?xml version="1.0" encoding="utf-8"?>
 <p:tagLst xmlns:a="http://schemas.openxmlformats.org/drawingml/2006/main" xmlns:r="http://schemas.openxmlformats.org/officeDocument/2006/relationships" xmlns:p="http://schemas.openxmlformats.org/presentationml/2006/main">
-  <p:tag name="TIMERLABSHAPEID" val="TimerLineMarker"/>
+  <p:tag name="TIMERLABSHAPEID" val="TimerSliderBody"/>
 </p:tagLst>
 </file>
 
 <file path=ppt/tags/tag86.xml><?xml version="1.0" encoding="utf-8"?>
 <p:tagLst xmlns:a="http://schemas.openxmlformats.org/drawingml/2006/main" xmlns:r="http://schemas.openxmlformats.org/officeDocument/2006/relationships" xmlns:p="http://schemas.openxmlformats.org/presentationml/2006/main">
-  <p:tag name="TIMERLABSHAPEID" val="TimerBody"/>
+  <p:tag name="TIMERLABSHAPEID" val="TimerLineMarkerGroup"/>
 </p:tagLst>
 </file>
 
 <file path=ppt/tags/tag87.xml><?xml version="1.0" encoding="utf-8"?>
 <p:tagLst xmlns:a="http://schemas.openxmlformats.org/drawingml/2006/main" xmlns:r="http://schemas.openxmlformats.org/officeDocument/2006/relationships" xmlns:p="http://schemas.openxmlformats.org/presentationml/2006/main">
-  <p:tag name="TIMERLABSHAPEID" val="TimerSliderHead"/>
+  <p:tag name="TIMERLABSHAPEID" val="TimerTimeMarkerGroup"/>
 </p:tagLst>
 </file>
 
 <file path=ppt/tags/tag88.xml><?xml version="1.0" encoding="utf-8"?>
 <p:tagLst xmlns:a="http://schemas.openxmlformats.org/drawingml/2006/main" xmlns:r="http://schemas.openxmlformats.org/officeDocument/2006/relationships" xmlns:p="http://schemas.openxmlformats.org/presentationml/2006/main">
-  <p:tag name="TIMERLABSHAPEID" val="TimerSliderBody"/>
+  <p:tag name="TIMERLABSHAPEID" val="TimerTimeMarker"/>
 </p:tagLst>
 </file>
 
 <file path=ppt/tags/tag89.xml><?xml version="1.0" encoding="utf-8"?>
 <p:tagLst xmlns:a="http://schemas.openxmlformats.org/drawingml/2006/main" xmlns:r="http://schemas.openxmlformats.org/officeDocument/2006/relationships" xmlns:p="http://schemas.openxmlformats.org/presentationml/2006/main">
-  <p:tag name="TIMERLABSHAPEID" val="TimerTimeMarkerGroup"/>
+  <p:tag name="TIMERLABSHAPEID" val="TimerTimeMarker"/>
 </p:tagLst>
 </file>
 
 <file path=ppt/tags/tag9.xml><?xml version="1.0" encoding="utf-8"?>
 <p:tagLst xmlns:a="http://schemas.openxmlformats.org/drawingml/2006/main" xmlns:r="http://schemas.openxmlformats.org/officeDocument/2006/relationships" xmlns:p="http://schemas.openxmlformats.org/presentationml/2006/main">
-  <p:tag name="TIMERLABSHAPEID" val="TimerTimeMarker"/>
+  <p:tag name="TIMERLABSHAPEID" val="TimerLineMarker"/>
 </p:tagLst>
 </file>
 
@@ -23405,49 +22411,49 @@
 
 <file path=ppt/tags/tag92.xml><?xml version="1.0" encoding="utf-8"?>
 <p:tagLst xmlns:a="http://schemas.openxmlformats.org/drawingml/2006/main" xmlns:r="http://schemas.openxmlformats.org/officeDocument/2006/relationships" xmlns:p="http://schemas.openxmlformats.org/presentationml/2006/main">
-  <p:tag name="TIMERLABSHAPEID" val="TimerBody"/>
+  <p:tag name="TIMERLABSHAPEID" val="TimerTimeMarker"/>
 </p:tagLst>
 </file>
 
 <file path=ppt/tags/tag93.xml><?xml version="1.0" encoding="utf-8"?>
 <p:tagLst xmlns:a="http://schemas.openxmlformats.org/drawingml/2006/main" xmlns:r="http://schemas.openxmlformats.org/officeDocument/2006/relationships" xmlns:p="http://schemas.openxmlformats.org/presentationml/2006/main">
-  <p:tag name="TIMERLABSHAPEID" val="TimerSliderHead"/>
+  <p:tag name="TIMERLABSHAPEID" val="TimerTimeMarker"/>
 </p:tagLst>
 </file>
 
 <file path=ppt/tags/tag94.xml><?xml version="1.0" encoding="utf-8"?>
 <p:tagLst xmlns:a="http://schemas.openxmlformats.org/drawingml/2006/main" xmlns:r="http://schemas.openxmlformats.org/officeDocument/2006/relationships" xmlns:p="http://schemas.openxmlformats.org/presentationml/2006/main">
-  <p:tag name="TIMERLABSHAPEID" val="TimerSliderBody"/>
+  <p:tag name="TIMERLABSHAPEID" val="TimerLineMarker"/>
 </p:tagLst>
 </file>
 
 <file path=ppt/tags/tag95.xml><?xml version="1.0" encoding="utf-8"?>
 <p:tagLst xmlns:a="http://schemas.openxmlformats.org/drawingml/2006/main" xmlns:r="http://schemas.openxmlformats.org/officeDocument/2006/relationships" xmlns:p="http://schemas.openxmlformats.org/presentationml/2006/main">
-  <p:tag name="TIMERLABSHAPEID" val="TimerTimeMarkerGroup"/>
+  <p:tag name="TIMERLABSHAPEID" val="TimerLineMarker"/>
 </p:tagLst>
 </file>
 
 <file path=ppt/tags/tag96.xml><?xml version="1.0" encoding="utf-8"?>
 <p:tagLst xmlns:a="http://schemas.openxmlformats.org/drawingml/2006/main" xmlns:r="http://schemas.openxmlformats.org/officeDocument/2006/relationships" xmlns:p="http://schemas.openxmlformats.org/presentationml/2006/main">
-  <p:tag name="TIMERLABSHAPEID" val="TimerTimeMarker"/>
+  <p:tag name="TIMERLABSHAPEID" val="TimerLineMarker"/>
 </p:tagLst>
 </file>
 
 <file path=ppt/tags/tag97.xml><?xml version="1.0" encoding="utf-8"?>
 <p:tagLst xmlns:a="http://schemas.openxmlformats.org/drawingml/2006/main" xmlns:r="http://schemas.openxmlformats.org/officeDocument/2006/relationships" xmlns:p="http://schemas.openxmlformats.org/presentationml/2006/main">
-  <p:tag name="TIMERLABSHAPEID" val="TimerTimeMarker"/>
+  <p:tag name="TIMERLABSHAPEID" val="TimerLineMarker"/>
 </p:tagLst>
 </file>
 
 <file path=ppt/tags/tag98.xml><?xml version="1.0" encoding="utf-8"?>
 <p:tagLst xmlns:a="http://schemas.openxmlformats.org/drawingml/2006/main" xmlns:r="http://schemas.openxmlformats.org/officeDocument/2006/relationships" xmlns:p="http://schemas.openxmlformats.org/presentationml/2006/main">
-  <p:tag name="TIMERLABSHAPEID" val="TimerBody"/>
+  <p:tag name="TIMERLABSHAPEID" val="TimerLineMarker"/>
 </p:tagLst>
 </file>
 
 <file path=ppt/tags/tag99.xml><?xml version="1.0" encoding="utf-8"?>
 <p:tagLst xmlns:a="http://schemas.openxmlformats.org/drawingml/2006/main" xmlns:r="http://schemas.openxmlformats.org/officeDocument/2006/relationships" xmlns:p="http://schemas.openxmlformats.org/presentationml/2006/main">
-  <p:tag name="TIMERLABSHAPEID" val="TimerSliderHead"/>
+  <p:tag name="TIMERLABSHAPEID" val="TimerLineMarker"/>
 </p:tagLst>
 </file>
 
